--- a/mydocs/Document.pptx
+++ b/mydocs/Document.pptx
@@ -5,10 +5,10 @@
     <p:sldMasterId id="2147483696" r:id="rId1"/>
   </p:sldMasterIdLst>
   <p:notesMasterIdLst>
-    <p:notesMasterId r:id="rId20"/>
+    <p:notesMasterId r:id="rId21"/>
   </p:notesMasterIdLst>
   <p:handoutMasterIdLst>
-    <p:handoutMasterId r:id="rId21"/>
+    <p:handoutMasterId r:id="rId22"/>
   </p:handoutMasterIdLst>
   <p:sldIdLst>
     <p:sldId id="256" r:id="rId2"/>
@@ -27,8 +27,9 @@
     <p:sldId id="270" r:id="rId15"/>
     <p:sldId id="269" r:id="rId16"/>
     <p:sldId id="271" r:id="rId17"/>
-    <p:sldId id="272" r:id="rId18"/>
-    <p:sldId id="275" r:id="rId19"/>
+    <p:sldId id="276" r:id="rId18"/>
+    <p:sldId id="272" r:id="rId19"/>
+    <p:sldId id="275" r:id="rId20"/>
   </p:sldIdLst>
   <p:sldSz cx="9144000" cy="6858000" type="screen4x3"/>
   <p:notesSz cx="6858000" cy="9144000"/>
@@ -212,7 +213,7 @@
           <a:p>
             <a:fld id="{21652AC8-0530-4F79-83C1-97E69E11A2EB}" type="datetimeFigureOut">
               <a:rPr lang="en-US" smtClean="0"/>
-              <a:t>7/14/2022</a:t>
+              <a:t>7/15/2022</a:t>
             </a:fld>
             <a:endParaRPr lang="en-US" dirty="0"/>
           </a:p>
@@ -378,7 +379,7 @@
           <a:p>
             <a:fld id="{8D74DCB0-6554-40DD-86D4-83E84075FB85}" type="datetimeFigureOut">
               <a:rPr lang="en-US" smtClean="0"/>
-              <a:t>7/14/2022</a:t>
+              <a:t>7/15/2022</a:t>
             </a:fld>
             <a:endParaRPr lang="en-US" dirty="0"/>
           </a:p>
@@ -1063,7 +1064,7 @@
           <a:p>
             <a:fld id="{3C151F3D-87C2-46AD-8B65-9AB25A6EDD9A}" type="datetime1">
               <a:rPr lang="en-US" smtClean="0"/>
-              <a:t>7/14/2022</a:t>
+              <a:t>7/15/2022</a:t>
             </a:fld>
             <a:endParaRPr lang="en-US" dirty="0"/>
           </a:p>
@@ -1286,7 +1287,7 @@
           <a:p>
             <a:fld id="{DA7E6166-107C-4CC2-AF9C-0D9676483D95}" type="datetime1">
               <a:rPr lang="en-US" smtClean="0"/>
-              <a:t>7/14/2022</a:t>
+              <a:t>7/15/2022</a:t>
             </a:fld>
             <a:endParaRPr lang="en-US" dirty="0"/>
           </a:p>
@@ -1566,7 +1567,7 @@
           <a:p>
             <a:fld id="{1F0EFD38-8E04-4B88-961F-B054F6E994B8}" type="datetime1">
               <a:rPr lang="en-US" smtClean="0"/>
-              <a:t>7/14/2022</a:t>
+              <a:t>7/15/2022</a:t>
             </a:fld>
             <a:endParaRPr lang="en-US" dirty="0"/>
           </a:p>
@@ -1745,7 +1746,7 @@
           <a:p>
             <a:fld id="{E087FCC2-156D-4E63-9E6F-05B0D9ECCD0C}" type="datetime1">
               <a:rPr lang="en-US" smtClean="0"/>
-              <a:t>7/14/2022</a:t>
+              <a:t>7/15/2022</a:t>
             </a:fld>
             <a:endParaRPr lang="en-US" dirty="0"/>
           </a:p>
@@ -2103,7 +2104,7 @@
           <a:p>
             <a:fld id="{5C18EEAA-C2B2-49A1-BB45-33506E9076A5}" type="datetime1">
               <a:rPr lang="en-US" smtClean="0"/>
-              <a:t>7/14/2022</a:t>
+              <a:t>7/15/2022</a:t>
             </a:fld>
             <a:endParaRPr lang="en-US" dirty="0"/>
           </a:p>
@@ -2390,7 +2391,7 @@
           <a:p>
             <a:fld id="{941F8E25-1C2C-44E8-8B9B-AF44B4DDC570}" type="datetime1">
               <a:rPr lang="en-US" smtClean="0"/>
-              <a:t>7/14/2022</a:t>
+              <a:t>7/15/2022</a:t>
             </a:fld>
             <a:endParaRPr lang="en-US" dirty="0"/>
           </a:p>
@@ -2812,7 +2813,7 @@
           <a:p>
             <a:fld id="{7B2B96F8-BCA1-4E04-8470-094A892FB427}" type="datetime1">
               <a:rPr lang="en-US" smtClean="0"/>
-              <a:t>7/14/2022</a:t>
+              <a:t>7/15/2022</a:t>
             </a:fld>
             <a:endParaRPr lang="en-US" dirty="0"/>
           </a:p>
@@ -2927,7 +2928,7 @@
           <a:p>
             <a:fld id="{4B1129EB-E6F8-4E6E-AAAA-062339C034AE}" type="datetime1">
               <a:rPr lang="en-US" smtClean="0"/>
-              <a:t>7/14/2022</a:t>
+              <a:t>7/15/2022</a:t>
             </a:fld>
             <a:endParaRPr lang="en-US" dirty="0"/>
           </a:p>
@@ -3017,7 +3018,7 @@
           <a:p>
             <a:fld id="{2B693F27-800E-439A-9C77-DCBC7AE6022D}" type="datetime1">
               <a:rPr lang="en-US" smtClean="0"/>
-              <a:t>7/14/2022</a:t>
+              <a:t>7/15/2022</a:t>
             </a:fld>
             <a:endParaRPr lang="en-US" dirty="0"/>
           </a:p>
@@ -3295,7 +3296,7 @@
           <a:p>
             <a:fld id="{646FB8BE-EDFF-4BD4-9F2A-841375E78673}" type="datetime1">
               <a:rPr lang="en-US" smtClean="0"/>
-              <a:t>7/14/2022</a:t>
+              <a:t>7/15/2022</a:t>
             </a:fld>
             <a:endParaRPr lang="en-US" dirty="0"/>
           </a:p>
@@ -3661,7 +3662,7 @@
           <a:p>
             <a:fld id="{0EF8825D-5758-4D2F-B452-2FD991E95804}" type="datetime1">
               <a:rPr lang="en-US" smtClean="0"/>
-              <a:t>7/14/2022</a:t>
+              <a:t>7/15/2022</a:t>
             </a:fld>
             <a:endParaRPr lang="en-US" dirty="0"/>
           </a:p>
@@ -4098,7 +4099,7 @@
           <a:p>
             <a:fld id="{6F69C568-30EC-4140-9835-68D177A17F92}" type="datetime1">
               <a:rPr lang="en-US" smtClean="0"/>
-              <a:t>7/14/2022</a:t>
+              <a:t>7/15/2022</a:t>
             </a:fld>
             <a:endParaRPr lang="en-US" dirty="0"/>
           </a:p>
@@ -4989,7 +4990,7 @@
       </p:sp>
       <p:pic>
         <p:nvPicPr>
-          <p:cNvPr id="2051" name="Picture 3" descr="C:\Users\Next in\Pictures\Camera Roll\HEADER.png"/>
+          <p:cNvPr id="2052" name="Picture 4" descr="C:\Users\Next in\Pictures\Camera Roll\FOOTER.png"/>
           <p:cNvPicPr>
             <a:picLocks noChangeAspect="1" noChangeArrowheads="1"/>
           </p:cNvPicPr>
@@ -4997,47 +4998,6 @@
         </p:nvPicPr>
         <p:blipFill>
           <a:blip r:embed="rId2">
-            <a:extLst>
-              <a:ext uri="{28A0092B-C50C-407E-A947-70E740481C1C}">
-                <a14:useLocalDpi xmlns:a14="http://schemas.microsoft.com/office/drawing/2010/main" val="0"/>
-              </a:ext>
-            </a:extLst>
-          </a:blip>
-          <a:srcRect/>
-          <a:stretch>
-            <a:fillRect/>
-          </a:stretch>
-        </p:blipFill>
-        <p:spPr bwMode="auto">
-          <a:xfrm>
-            <a:off x="1295400" y="152400"/>
-            <a:ext cx="7696200" cy="1752600"/>
-          </a:xfrm>
-          <a:prstGeom prst="rect">
-            <a:avLst/>
-          </a:prstGeom>
-          <a:noFill/>
-          <a:extLst>
-            <a:ext uri="{909E8E84-426E-40DD-AFC4-6F175D3DCCD1}">
-              <a14:hiddenFill xmlns:a14="http://schemas.microsoft.com/office/drawing/2010/main">
-                <a:solidFill>
-                  <a:srgbClr val="FFFFFF"/>
-                </a:solidFill>
-              </a14:hiddenFill>
-            </a:ext>
-          </a:extLst>
-        </p:spPr>
-      </p:pic>
-      <p:pic>
-        <p:nvPicPr>
-          <p:cNvPr id="2052" name="Picture 4" descr="C:\Users\Next in\Pictures\Camera Roll\FOOTER.png"/>
-          <p:cNvPicPr>
-            <a:picLocks noChangeAspect="1" noChangeArrowheads="1"/>
-          </p:cNvPicPr>
-          <p:nvPr/>
-        </p:nvPicPr>
-        <p:blipFill>
-          <a:blip r:embed="rId3">
             <a:extLst>
               <a:ext uri="{28A0092B-C50C-407E-A947-70E740481C1C}">
                 <a14:useLocalDpi xmlns:a14="http://schemas.microsoft.com/office/drawing/2010/main" val="0"/>
@@ -5092,6 +5052,36 @@
           </a:p>
         </p:txBody>
       </p:sp>
+      <p:pic>
+        <p:nvPicPr>
+          <p:cNvPr id="3" name="Picture 2"/>
+          <p:cNvPicPr>
+            <a:picLocks noChangeAspect="1"/>
+          </p:cNvPicPr>
+          <p:nvPr/>
+        </p:nvPicPr>
+        <p:blipFill>
+          <a:blip r:embed="rId3">
+            <a:extLst>
+              <a:ext uri="{28A0092B-C50C-407E-A947-70E740481C1C}">
+                <a14:useLocalDpi xmlns:a14="http://schemas.microsoft.com/office/drawing/2010/main" val="0"/>
+              </a:ext>
+            </a:extLst>
+          </a:blip>
+          <a:stretch>
+            <a:fillRect/>
+          </a:stretch>
+        </p:blipFill>
+        <p:spPr>
+          <a:xfrm>
+            <a:off x="1371600" y="152401"/>
+            <a:ext cx="7620000" cy="1523999"/>
+          </a:xfrm>
+          <a:prstGeom prst="rect">
+            <a:avLst/>
+          </a:prstGeom>
+        </p:spPr>
+      </p:pic>
     </p:spTree>
     <p:extLst>
       <p:ext uri="{BB962C8B-B14F-4D97-AF65-F5344CB8AC3E}">
@@ -5316,6 +5306,36 @@
           </a:p>
         </p:txBody>
       </p:sp>
+      <p:pic>
+        <p:nvPicPr>
+          <p:cNvPr id="5" name="Picture 4"/>
+          <p:cNvPicPr>
+            <a:picLocks noChangeAspect="1"/>
+          </p:cNvPicPr>
+          <p:nvPr/>
+        </p:nvPicPr>
+        <p:blipFill>
+          <a:blip r:embed="rId2">
+            <a:extLst>
+              <a:ext uri="{28A0092B-C50C-407E-A947-70E740481C1C}">
+                <a14:useLocalDpi xmlns:a14="http://schemas.microsoft.com/office/drawing/2010/main" val="0"/>
+              </a:ext>
+            </a:extLst>
+          </a:blip>
+          <a:stretch>
+            <a:fillRect/>
+          </a:stretch>
+        </p:blipFill>
+        <p:spPr>
+          <a:xfrm>
+            <a:off x="1752600" y="381001"/>
+            <a:ext cx="7543800" cy="5714999"/>
+          </a:xfrm>
+          <a:prstGeom prst="rect">
+            <a:avLst/>
+          </a:prstGeom>
+        </p:spPr>
+      </p:pic>
     </p:spTree>
     <p:extLst>
       <p:ext uri="{BB962C8B-B14F-4D97-AF65-F5344CB8AC3E}">
@@ -5605,6 +5625,124 @@
       </p:grpSpPr>
       <p:sp>
         <p:nvSpPr>
+          <p:cNvPr id="2" name="Slide Number Placeholder 1"/>
+          <p:cNvSpPr>
+            <a:spLocks noGrp="1"/>
+          </p:cNvSpPr>
+          <p:nvPr>
+            <p:ph type="sldNum" sz="quarter" idx="12"/>
+          </p:nvPr>
+        </p:nvSpPr>
+        <p:spPr/>
+        <p:txBody>
+          <a:bodyPr/>
+          <a:lstStyle/>
+          <a:p>
+            <a:fld id="{F5D2F33F-CF48-4A62-BD46-4F8E8BF64B22}" type="slidenum">
+              <a:rPr lang="en-US" smtClean="0"/>
+              <a:t>17</a:t>
+            </a:fld>
+            <a:endParaRPr lang="en-US" dirty="0"/>
+          </a:p>
+        </p:txBody>
+      </p:sp>
+      <p:sp>
+        <p:nvSpPr>
+          <p:cNvPr id="3" name="TextBox 2"/>
+          <p:cNvSpPr txBox="1"/>
+          <p:nvPr/>
+        </p:nvSpPr>
+        <p:spPr>
+          <a:xfrm>
+            <a:off x="533400" y="457200"/>
+            <a:ext cx="800219" cy="5715000"/>
+          </a:xfrm>
+          <a:prstGeom prst="rect">
+            <a:avLst/>
+          </a:prstGeom>
+          <a:solidFill>
+            <a:schemeClr val="bg1">
+              <a:lumMod val="65000"/>
+            </a:schemeClr>
+          </a:solidFill>
+        </p:spPr>
+        <p:txBody>
+          <a:bodyPr vert="vert270" wrap="square" rtlCol="0">
+            <a:spAutoFit/>
+          </a:bodyPr>
+          <a:lstStyle/>
+          <a:p>
+            <a:pPr algn="ctr"/>
+            <a:r>
+              <a:rPr lang="en-US" sz="4000" dirty="0" smtClean="0"/>
+              <a:t>PROFILE  </a:t>
+            </a:r>
+            <a:endParaRPr lang="en-US" sz="4000" dirty="0"/>
+          </a:p>
+        </p:txBody>
+      </p:sp>
+      <p:pic>
+        <p:nvPicPr>
+          <p:cNvPr id="4" name="Picture 3"/>
+          <p:cNvPicPr>
+            <a:picLocks noChangeAspect="1"/>
+          </p:cNvPicPr>
+          <p:nvPr/>
+        </p:nvPicPr>
+        <p:blipFill>
+          <a:blip r:embed="rId2">
+            <a:extLst>
+              <a:ext uri="{28A0092B-C50C-407E-A947-70E740481C1C}">
+                <a14:useLocalDpi xmlns:a14="http://schemas.microsoft.com/office/drawing/2010/main" val="0"/>
+              </a:ext>
+            </a:extLst>
+          </a:blip>
+          <a:stretch>
+            <a:fillRect/>
+          </a:stretch>
+        </p:blipFill>
+        <p:spPr>
+          <a:xfrm>
+            <a:off x="1752601" y="457201"/>
+            <a:ext cx="7086600" cy="5715000"/>
+          </a:xfrm>
+          <a:prstGeom prst="rect">
+            <a:avLst/>
+          </a:prstGeom>
+        </p:spPr>
+      </p:pic>
+    </p:spTree>
+    <p:extLst>
+      <p:ext uri="{BB962C8B-B14F-4D97-AF65-F5344CB8AC3E}">
+        <p14:creationId xmlns:p14="http://schemas.microsoft.com/office/powerpoint/2010/main" val="1888896312"/>
+      </p:ext>
+    </p:extLst>
+  </p:cSld>
+  <p:clrMapOvr>
+    <a:masterClrMapping/>
+  </p:clrMapOvr>
+</p:sld>
+</file>
+
+<file path=ppt/slides/slide18.xml><?xml version="1.0" encoding="utf-8"?>
+<p:sld xmlns:a="http://schemas.openxmlformats.org/drawingml/2006/main" xmlns:r="http://schemas.openxmlformats.org/officeDocument/2006/relationships" xmlns:p="http://schemas.openxmlformats.org/presentationml/2006/main">
+  <p:cSld>
+    <p:spTree>
+      <p:nvGrpSpPr>
+        <p:cNvPr id="1" name=""/>
+        <p:cNvGrpSpPr/>
+        <p:nvPr/>
+      </p:nvGrpSpPr>
+      <p:grpSpPr>
+        <a:xfrm>
+          <a:off x="0" y="0"/>
+          <a:ext cx="0" cy="0"/>
+          <a:chOff x="0" y="0"/>
+          <a:chExt cx="0" cy="0"/>
+        </a:xfrm>
+      </p:grpSpPr>
+      <p:sp>
+        <p:nvSpPr>
           <p:cNvPr id="2" name="TextBox 1"/>
           <p:cNvSpPr txBox="1"/>
           <p:nvPr/>
@@ -5685,7 +5823,7 @@
           <a:p>
             <a:fld id="{F5D2F33F-CF48-4A62-BD46-4F8E8BF64B22}" type="slidenum">
               <a:rPr lang="en-US" smtClean="0"/>
-              <a:t>17</a:t>
+              <a:t>18</a:t>
             </a:fld>
             <a:endParaRPr lang="en-US" dirty="0"/>
           </a:p>
@@ -5711,7 +5849,7 @@
 </p:sld>
 </file>
 
-<file path=ppt/slides/slide18.xml><?xml version="1.0" encoding="utf-8"?>
+<file path=ppt/slides/slide19.xml><?xml version="1.0" encoding="utf-8"?>
 <p:sld xmlns:a="http://schemas.openxmlformats.org/drawingml/2006/main" xmlns:r="http://schemas.openxmlformats.org/officeDocument/2006/relationships" xmlns:p="http://schemas.openxmlformats.org/presentationml/2006/main">
   <p:cSld>
     <p:spTree>
@@ -5901,7 +6039,7 @@
           <a:p>
             <a:fld id="{F5D2F33F-CF48-4A62-BD46-4F8E8BF64B22}" type="slidenum">
               <a:rPr lang="en-US" smtClean="0"/>
-              <a:t>18</a:t>
+              <a:t>19</a:t>
             </a:fld>
             <a:endParaRPr lang="en-US" dirty="0"/>
           </a:p>
@@ -6280,8 +6418,10 @@
                 <a:latin typeface="Arial" pitchFamily="34" charset="0"/>
                 <a:cs typeface="Arial" pitchFamily="34" charset="0"/>
               </a:rPr>
-              <a:t>1. </a:t>
-            </a:r>
+              <a:t>1. ACKNOWLEDGEMENT   ……………….………...4</a:t>
+            </a:r>
+          </a:p>
+          <a:p>
             <a:r>
               <a:rPr lang="en-US" sz="2000" dirty="0" smtClean="0">
                 <a:solidFill>
@@ -6292,8 +6432,10 @@
                 <a:latin typeface="Arial" pitchFamily="34" charset="0"/>
                 <a:cs typeface="Arial" pitchFamily="34" charset="0"/>
               </a:rPr>
-              <a:t>ACKNOWLEDGEMENT   </a:t>
-            </a:r>
+              <a:t>2 .PROBLEM STATEMENT   ..……………...............5</a:t>
+            </a:r>
+          </a:p>
+          <a:p>
             <a:r>
               <a:rPr lang="en-US" sz="2000" dirty="0" smtClean="0">
                 <a:solidFill>
@@ -6304,17 +6446,8 @@
                 <a:latin typeface="Arial" pitchFamily="34" charset="0"/>
                 <a:cs typeface="Arial" pitchFamily="34" charset="0"/>
               </a:rPr>
-              <a:t>……………….………...4</a:t>
-            </a:r>
-            <a:endParaRPr lang="en-US" sz="2000" dirty="0" smtClean="0">
-              <a:solidFill>
-                <a:schemeClr val="bg1">
-                  <a:lumMod val="95000"/>
-                </a:schemeClr>
-              </a:solidFill>
-              <a:latin typeface="Arial" pitchFamily="34" charset="0"/>
-              <a:cs typeface="Arial" pitchFamily="34" charset="0"/>
-            </a:endParaRPr>
+              <a:t>3. PROBLEM SOLUTION   ………….………………6</a:t>
+            </a:r>
           </a:p>
           <a:p>
             <a:r>
@@ -6327,113 +6460,7 @@
                 <a:latin typeface="Arial" pitchFamily="34" charset="0"/>
                 <a:cs typeface="Arial" pitchFamily="34" charset="0"/>
               </a:rPr>
-              <a:t>2 .PROBLEM </a:t>
-            </a:r>
-            <a:r>
-              <a:rPr lang="en-US" sz="2000" dirty="0" smtClean="0">
-                <a:solidFill>
-                  <a:schemeClr val="bg1">
-                    <a:lumMod val="95000"/>
-                  </a:schemeClr>
-                </a:solidFill>
-                <a:latin typeface="Arial" pitchFamily="34" charset="0"/>
-                <a:cs typeface="Arial" pitchFamily="34" charset="0"/>
-              </a:rPr>
-              <a:t>STATEMENT   ..……………...............</a:t>
-            </a:r>
-            <a:r>
-              <a:rPr lang="en-US" sz="2000" dirty="0" smtClean="0">
-                <a:solidFill>
-                  <a:schemeClr val="bg1">
-                    <a:lumMod val="95000"/>
-                  </a:schemeClr>
-                </a:solidFill>
-                <a:latin typeface="Arial" pitchFamily="34" charset="0"/>
-                <a:cs typeface="Arial" pitchFamily="34" charset="0"/>
-              </a:rPr>
-              <a:t>5</a:t>
-            </a:r>
-            <a:endParaRPr lang="en-US" sz="2000" dirty="0" smtClean="0">
-              <a:solidFill>
-                <a:schemeClr val="bg1">
-                  <a:lumMod val="95000"/>
-                </a:schemeClr>
-              </a:solidFill>
-              <a:latin typeface="Arial" pitchFamily="34" charset="0"/>
-              <a:cs typeface="Arial" pitchFamily="34" charset="0"/>
-            </a:endParaRPr>
-          </a:p>
-          <a:p>
-            <a:r>
-              <a:rPr lang="en-US" sz="2000" dirty="0" smtClean="0">
-                <a:solidFill>
-                  <a:schemeClr val="bg1">
-                    <a:lumMod val="95000"/>
-                  </a:schemeClr>
-                </a:solidFill>
-                <a:latin typeface="Arial" pitchFamily="34" charset="0"/>
-                <a:cs typeface="Arial" pitchFamily="34" charset="0"/>
-              </a:rPr>
-              <a:t>3. PROBLEM SOLUTION   </a:t>
-            </a:r>
-            <a:r>
-              <a:rPr lang="en-US" sz="2000" dirty="0" smtClean="0">
-                <a:solidFill>
-                  <a:schemeClr val="bg1">
-                    <a:lumMod val="95000"/>
-                  </a:schemeClr>
-                </a:solidFill>
-                <a:latin typeface="Arial" pitchFamily="34" charset="0"/>
-                <a:cs typeface="Arial" pitchFamily="34" charset="0"/>
-              </a:rPr>
-              <a:t>………….………………</a:t>
-            </a:r>
-            <a:r>
-              <a:rPr lang="en-US" sz="2000" dirty="0" smtClean="0">
-                <a:solidFill>
-                  <a:schemeClr val="bg1">
-                    <a:lumMod val="95000"/>
-                  </a:schemeClr>
-                </a:solidFill>
-                <a:latin typeface="Arial" pitchFamily="34" charset="0"/>
-                <a:cs typeface="Arial" pitchFamily="34" charset="0"/>
-              </a:rPr>
-              <a:t>6</a:t>
-            </a:r>
-            <a:endParaRPr lang="en-US" sz="2000" dirty="0" smtClean="0">
-              <a:solidFill>
-                <a:schemeClr val="bg1">
-                  <a:lumMod val="95000"/>
-                </a:schemeClr>
-              </a:solidFill>
-              <a:latin typeface="Arial" pitchFamily="34" charset="0"/>
-              <a:cs typeface="Arial" pitchFamily="34" charset="0"/>
-            </a:endParaRPr>
-          </a:p>
-          <a:p>
-            <a:r>
-              <a:rPr lang="en-US" sz="2000" dirty="0" smtClean="0">
-                <a:solidFill>
-                  <a:schemeClr val="bg1">
-                    <a:lumMod val="95000"/>
-                  </a:schemeClr>
-                </a:solidFill>
-                <a:latin typeface="Arial" pitchFamily="34" charset="0"/>
-                <a:cs typeface="Arial" pitchFamily="34" charset="0"/>
-              </a:rPr>
-              <a:t>4. REQUIREMENT ANALYSIS   </a:t>
-            </a:r>
-            <a:r>
-              <a:rPr lang="en-US" sz="2000" dirty="0" smtClean="0">
-                <a:solidFill>
-                  <a:schemeClr val="bg1">
-                    <a:lumMod val="95000"/>
-                  </a:schemeClr>
-                </a:solidFill>
-                <a:latin typeface="Arial" pitchFamily="34" charset="0"/>
-                <a:cs typeface="Arial" pitchFamily="34" charset="0"/>
-              </a:rPr>
-              <a:t>…………………….7</a:t>
+              <a:t>4. REQUIREMENT ANALYSIS   …………………….7</a:t>
             </a:r>
           </a:p>
           <a:p>
@@ -6449,15 +6476,6 @@
               </a:rPr>
               <a:t>5. FEATURES   ……………………………………….8</a:t>
             </a:r>
-            <a:endParaRPr lang="en-US" sz="2000" dirty="0" smtClean="0">
-              <a:solidFill>
-                <a:schemeClr val="bg1">
-                  <a:lumMod val="95000"/>
-                </a:schemeClr>
-              </a:solidFill>
-              <a:latin typeface="Arial" pitchFamily="34" charset="0"/>
-              <a:cs typeface="Arial" pitchFamily="34" charset="0"/>
-            </a:endParaRPr>
           </a:p>
           <a:p>
             <a:r>
@@ -6470,41 +6488,8 @@
                 <a:latin typeface="Arial" pitchFamily="34" charset="0"/>
                 <a:cs typeface="Arial" pitchFamily="34" charset="0"/>
               </a:rPr>
-              <a:t>5. DESIGN PHASE   </a:t>
-            </a:r>
-            <a:r>
-              <a:rPr lang="en-US" sz="2000" dirty="0" smtClean="0">
-                <a:solidFill>
-                  <a:schemeClr val="bg1">
-                    <a:lumMod val="95000"/>
-                  </a:schemeClr>
-                </a:solidFill>
-                <a:latin typeface="Arial" pitchFamily="34" charset="0"/>
-                <a:cs typeface="Arial" pitchFamily="34" charset="0"/>
-              </a:rPr>
-              <a:t>………………………...……….</a:t>
-            </a:r>
-            <a:r>
-              <a:rPr lang="en-US" sz="2000" dirty="0" smtClean="0">
-                <a:solidFill>
-                  <a:schemeClr val="bg1">
-                    <a:lumMod val="95000"/>
-                  </a:schemeClr>
-                </a:solidFill>
-                <a:latin typeface="Arial" pitchFamily="34" charset="0"/>
-                <a:cs typeface="Arial" pitchFamily="34" charset="0"/>
-              </a:rPr>
-              <a:t>9</a:t>
-            </a:r>
-            <a:endParaRPr lang="en-US" sz="2000" dirty="0" smtClean="0">
-              <a:solidFill>
-                <a:schemeClr val="bg1">
-                  <a:lumMod val="95000"/>
-                </a:schemeClr>
-              </a:solidFill>
-              <a:latin typeface="Arial" pitchFamily="34" charset="0"/>
-              <a:cs typeface="Arial" pitchFamily="34" charset="0"/>
-            </a:endParaRPr>
+              <a:t>5. DESIGN PHASE   ………………………...……….9</a:t>
+            </a:r>
           </a:p>
           <a:p>
             <a:r>
@@ -6529,41 +6514,8 @@
                 <a:latin typeface="Arial" pitchFamily="34" charset="0"/>
                 <a:cs typeface="Arial" pitchFamily="34" charset="0"/>
               </a:rPr>
-              <a:t>. </a:t>
-            </a:r>
-            <a:r>
-              <a:rPr lang="en-US" sz="2000" dirty="0" smtClean="0">
-                <a:solidFill>
-                  <a:schemeClr val="bg1">
-                    <a:lumMod val="95000"/>
-                  </a:schemeClr>
-                </a:solidFill>
-                <a:latin typeface="Arial" pitchFamily="34" charset="0"/>
-                <a:cs typeface="Arial" pitchFamily="34" charset="0"/>
-              </a:rPr>
-              <a:t>ARCHITECTURE OF WEB</a:t>
-            </a:r>
-            <a:r>
-              <a:rPr lang="en-US" sz="2000" dirty="0" smtClean="0">
-                <a:solidFill>
-                  <a:schemeClr val="bg1">
-                    <a:lumMod val="95000"/>
-                  </a:schemeClr>
-                </a:solidFill>
-                <a:latin typeface="Arial" pitchFamily="34" charset="0"/>
-                <a:cs typeface="Arial" pitchFamily="34" charset="0"/>
-              </a:rPr>
-              <a:t>   ……..………....10-15</a:t>
-            </a:r>
-            <a:endParaRPr lang="en-US" sz="2000" dirty="0" smtClean="0">
-              <a:solidFill>
-                <a:schemeClr val="bg1">
-                  <a:lumMod val="95000"/>
-                </a:schemeClr>
-              </a:solidFill>
-              <a:latin typeface="Arial" pitchFamily="34" charset="0"/>
-              <a:cs typeface="Arial" pitchFamily="34" charset="0"/>
-            </a:endParaRPr>
+              <a:t>. ARCHITECTURE OF WEB   ……..………....10-15</a:t>
+            </a:r>
           </a:p>
           <a:p>
             <a:r>
@@ -6588,41 +6540,8 @@
                 <a:latin typeface="Arial" pitchFamily="34" charset="0"/>
                 <a:cs typeface="Arial" pitchFamily="34" charset="0"/>
               </a:rPr>
-              <a:t>. </a:t>
-            </a:r>
-            <a:r>
-              <a:rPr lang="en-US" sz="2000" dirty="0" smtClean="0">
-                <a:solidFill>
-                  <a:schemeClr val="bg1">
-                    <a:lumMod val="95000"/>
-                  </a:schemeClr>
-                </a:solidFill>
-                <a:latin typeface="Arial" pitchFamily="34" charset="0"/>
-                <a:cs typeface="Arial" pitchFamily="34" charset="0"/>
-              </a:rPr>
-              <a:t>DATABASES   </a:t>
-            </a:r>
-            <a:r>
-              <a:rPr lang="en-US" sz="2000" dirty="0" smtClean="0">
-                <a:solidFill>
-                  <a:schemeClr val="bg1">
-                    <a:lumMod val="95000"/>
-                  </a:schemeClr>
-                </a:solidFill>
-                <a:latin typeface="Arial" pitchFamily="34" charset="0"/>
-                <a:cs typeface="Arial" pitchFamily="34" charset="0"/>
-              </a:rPr>
-              <a:t>…………………………………….16</a:t>
-            </a:r>
-            <a:endParaRPr lang="en-US" sz="2000" dirty="0" smtClean="0">
-              <a:solidFill>
-                <a:schemeClr val="bg1">
-                  <a:lumMod val="95000"/>
-                </a:schemeClr>
-              </a:solidFill>
-              <a:latin typeface="Arial" pitchFamily="34" charset="0"/>
-              <a:cs typeface="Arial" pitchFamily="34" charset="0"/>
-            </a:endParaRPr>
+              <a:t>. DATABASES   …………………………………….16</a:t>
+            </a:r>
           </a:p>
           <a:p>
             <a:r>
@@ -6647,31 +6566,7 @@
                 <a:latin typeface="Arial" pitchFamily="34" charset="0"/>
                 <a:cs typeface="Arial" pitchFamily="34" charset="0"/>
               </a:rPr>
-              <a:t>. </a:t>
-            </a:r>
-            <a:r>
-              <a:rPr lang="en-US" sz="2000" dirty="0" smtClean="0">
-                <a:solidFill>
-                  <a:schemeClr val="bg1">
-                    <a:lumMod val="95000"/>
-                  </a:schemeClr>
-                </a:solidFill>
-                <a:latin typeface="Arial" pitchFamily="34" charset="0"/>
-                <a:cs typeface="Arial" pitchFamily="34" charset="0"/>
-              </a:rPr>
-              <a:t>ARCHITECTURE OF ADMIN PANEL   </a:t>
-            </a:r>
-            <a:r>
-              <a:rPr lang="en-US" sz="2000" dirty="0" smtClean="0">
-                <a:solidFill>
-                  <a:schemeClr val="bg1">
-                    <a:lumMod val="95000"/>
-                  </a:schemeClr>
-                </a:solidFill>
-                <a:latin typeface="Arial" pitchFamily="34" charset="0"/>
-                <a:cs typeface="Arial" pitchFamily="34" charset="0"/>
-              </a:rPr>
-              <a:t>...………17</a:t>
+              <a:t>. ARCHITECTURE OF ADMIN PANEL   ...………17</a:t>
             </a:r>
             <a:endParaRPr lang="en-US" sz="2000" dirty="0">
               <a:solidFill>
@@ -7808,15 +7703,7 @@
           <a:p>
             <a:r>
               <a:rPr lang="en-US" sz="3200" dirty="0" smtClean="0"/>
-              <a:t>Design phase involves the </a:t>
-            </a:r>
-            <a:r>
-              <a:rPr lang="en-US" sz="3200" dirty="0" err="1" smtClean="0"/>
-              <a:t>prepration</a:t>
-            </a:r>
-            <a:r>
-              <a:rPr lang="en-US" sz="3200" dirty="0" smtClean="0"/>
-              <a:t> of our website which includes the following pages.</a:t>
+              <a:t>Design phase involves the preparation of our website which includes the following pages.</a:t>
             </a:r>
           </a:p>
           <a:p>
@@ -7871,7 +7758,6 @@
               <a:rPr lang="en-US" sz="3200" dirty="0" smtClean="0"/>
               <a:t>Login</a:t>
             </a:r>
-            <a:endParaRPr lang="en-US" sz="3200" dirty="0"/>
           </a:p>
         </p:txBody>
       </p:sp>

--- a/mydocs/Document.pptx
+++ b/mydocs/Document.pptx
@@ -5,10 +5,10 @@
     <p:sldMasterId id="2147483696" r:id="rId1"/>
   </p:sldMasterIdLst>
   <p:notesMasterIdLst>
-    <p:notesMasterId r:id="rId21"/>
+    <p:notesMasterId r:id="rId35"/>
   </p:notesMasterIdLst>
   <p:handoutMasterIdLst>
-    <p:handoutMasterId r:id="rId22"/>
+    <p:handoutMasterId r:id="rId36"/>
   </p:handoutMasterIdLst>
   <p:sldIdLst>
     <p:sldId id="256" r:id="rId2"/>
@@ -22,14 +22,28 @@
     <p:sldId id="264" r:id="rId10"/>
     <p:sldId id="265" r:id="rId11"/>
     <p:sldId id="266" r:id="rId12"/>
-    <p:sldId id="267" r:id="rId13"/>
-    <p:sldId id="268" r:id="rId14"/>
-    <p:sldId id="270" r:id="rId15"/>
-    <p:sldId id="269" r:id="rId16"/>
-    <p:sldId id="271" r:id="rId17"/>
-    <p:sldId id="276" r:id="rId18"/>
-    <p:sldId id="272" r:id="rId19"/>
-    <p:sldId id="275" r:id="rId20"/>
+    <p:sldId id="276" r:id="rId13"/>
+    <p:sldId id="267" r:id="rId14"/>
+    <p:sldId id="268" r:id="rId15"/>
+    <p:sldId id="288" r:id="rId16"/>
+    <p:sldId id="270" r:id="rId17"/>
+    <p:sldId id="269" r:id="rId18"/>
+    <p:sldId id="271" r:id="rId19"/>
+    <p:sldId id="272" r:id="rId20"/>
+    <p:sldId id="277" r:id="rId21"/>
+    <p:sldId id="278" r:id="rId22"/>
+    <p:sldId id="279" r:id="rId23"/>
+    <p:sldId id="280" r:id="rId24"/>
+    <p:sldId id="281" r:id="rId25"/>
+    <p:sldId id="282" r:id="rId26"/>
+    <p:sldId id="283" r:id="rId27"/>
+    <p:sldId id="284" r:id="rId28"/>
+    <p:sldId id="285" r:id="rId29"/>
+    <p:sldId id="286" r:id="rId30"/>
+    <p:sldId id="287" r:id="rId31"/>
+    <p:sldId id="289" r:id="rId32"/>
+    <p:sldId id="290" r:id="rId33"/>
+    <p:sldId id="275" r:id="rId34"/>
   </p:sldIdLst>
   <p:sldSz cx="9144000" cy="6858000" type="screen4x3"/>
   <p:notesSz cx="6858000" cy="9144000"/>
@@ -128,6 +142,22 @@
       </a:defRPr>
     </a:lvl9pPr>
   </p:defaultTextStyle>
+  <p:extLst>
+    <p:ext uri="{EFAFB233-063F-42B5-8137-9DF3F51BA10A}">
+      <p15:sldGuideLst xmlns:p15="http://schemas.microsoft.com/office/powerpoint/2012/main">
+        <p15:guide id="1" orient="horz" pos="2160">
+          <p15:clr>
+            <a:srgbClr val="A4A3A4"/>
+          </p15:clr>
+        </p15:guide>
+        <p15:guide id="2" pos="2880">
+          <p15:clr>
+            <a:srgbClr val="A4A3A4"/>
+          </p15:clr>
+        </p15:guide>
+      </p15:sldGuideLst>
+    </p:ext>
+  </p:extLst>
 </p:presentation>
 </file>
 
@@ -443,38 +473,37 @@
           <a:p>
             <a:pPr lvl="0"/>
             <a:r>
-              <a:rPr lang="en-US" smtClean="0"/>
+              <a:rPr lang="en-US"/>
               <a:t>Click to edit Master text styles</a:t>
             </a:r>
           </a:p>
           <a:p>
             <a:pPr lvl="1"/>
             <a:r>
-              <a:rPr lang="en-US" smtClean="0"/>
+              <a:rPr lang="en-US"/>
               <a:t>Second level</a:t>
             </a:r>
           </a:p>
           <a:p>
             <a:pPr lvl="2"/>
             <a:r>
-              <a:rPr lang="en-US" smtClean="0"/>
+              <a:rPr lang="en-US"/>
               <a:t>Third level</a:t>
             </a:r>
           </a:p>
           <a:p>
             <a:pPr lvl="3"/>
             <a:r>
-              <a:rPr lang="en-US" smtClean="0"/>
+              <a:rPr lang="en-US"/>
               <a:t>Fourth level</a:t>
             </a:r>
           </a:p>
           <a:p>
             <a:pPr lvl="4"/>
             <a:r>
-              <a:rPr lang="en-US" smtClean="0"/>
+              <a:rPr lang="en-US"/>
               <a:t>Fifth level</a:t>
             </a:r>
-            <a:endParaRPr lang="en-US"/>
           </a:p>
         </p:txBody>
       </p:sp>
@@ -876,9 +905,7 @@
         </p:style>
         <p:txBody>
           <a:bodyPr rtlCol="0" anchor="ctr"/>
-          <a:lstStyle>
-            <a:extLst/>
-          </a:lstStyle>
+          <a:lstStyle/>
           <a:p>
             <a:pPr algn="ctr" eaLnBrk="1" latinLnBrk="0" hangingPunct="1"/>
             <a:endParaRPr kumimoji="0" lang="en-US" dirty="0"/>
@@ -922,10 +949,9 @@
           </a:lstStyle>
           <a:p>
             <a:r>
-              <a:rPr kumimoji="0" lang="en-US" smtClean="0"/>
+              <a:rPr kumimoji="0" lang="en-US"/>
               <a:t>Click to edit Master title style</a:t>
             </a:r>
-            <a:endParaRPr kumimoji="0" lang="en-US"/>
           </a:p>
         </p:txBody>
       </p:sp>
@@ -1040,10 +1066,9 @@
           </a:lstStyle>
           <a:p>
             <a:r>
-              <a:rPr kumimoji="0" lang="en-US" smtClean="0"/>
+              <a:rPr kumimoji="0" lang="en-US"/>
               <a:t>Click to edit Master subtitle style</a:t>
             </a:r>
-            <a:endParaRPr kumimoji="0" lang="en-US"/>
           </a:p>
         </p:txBody>
       </p:sp>
@@ -1157,9 +1182,7 @@
         </p:style>
         <p:txBody>
           <a:bodyPr rtlCol="0" anchor="ctr"/>
-          <a:lstStyle>
-            <a:extLst/>
-          </a:lstStyle>
+          <a:lstStyle/>
           <a:p>
             <a:pPr algn="ctr" eaLnBrk="1" latinLnBrk="0" hangingPunct="1"/>
             <a:endParaRPr kumimoji="0" lang="en-US" dirty="0"/>
@@ -1204,15 +1227,12 @@
         <p:spPr/>
         <p:txBody>
           <a:bodyPr/>
-          <a:lstStyle>
-            <a:extLst/>
-          </a:lstStyle>
-          <a:p>
-            <a:r>
-              <a:rPr kumimoji="0" lang="en-US" smtClean="0"/>
+          <a:lstStyle/>
+          <a:p>
+            <a:r>
+              <a:rPr kumimoji="0" lang="en-US"/>
               <a:t>Click to edit Master title style</a:t>
             </a:r>
-            <a:endParaRPr kumimoji="0" lang="en-US"/>
           </a:p>
         </p:txBody>
       </p:sp>
@@ -1229,41 +1249,39 @@
         <p:spPr/>
         <p:txBody>
           <a:bodyPr vert="eaVert"/>
-          <a:lstStyle>
-            <a:extLst/>
-          </a:lstStyle>
+          <a:lstStyle/>
           <a:p>
             <a:pPr lvl="0" eaLnBrk="1" latinLnBrk="0" hangingPunct="1"/>
             <a:r>
-              <a:rPr lang="en-US" smtClean="0"/>
+              <a:rPr lang="en-US"/>
               <a:t>Click to edit Master text styles</a:t>
             </a:r>
           </a:p>
           <a:p>
             <a:pPr lvl="1" eaLnBrk="1" latinLnBrk="0" hangingPunct="1"/>
             <a:r>
-              <a:rPr lang="en-US" smtClean="0"/>
+              <a:rPr lang="en-US"/>
               <a:t>Second level</a:t>
             </a:r>
           </a:p>
           <a:p>
             <a:pPr lvl="2" eaLnBrk="1" latinLnBrk="0" hangingPunct="1"/>
             <a:r>
-              <a:rPr lang="en-US" smtClean="0"/>
+              <a:rPr lang="en-US"/>
               <a:t>Third level</a:t>
             </a:r>
           </a:p>
           <a:p>
             <a:pPr lvl="3" eaLnBrk="1" latinLnBrk="0" hangingPunct="1"/>
             <a:r>
-              <a:rPr lang="en-US" smtClean="0"/>
+              <a:rPr lang="en-US"/>
               <a:t>Fourth level</a:t>
             </a:r>
           </a:p>
           <a:p>
             <a:pPr lvl="4" eaLnBrk="1" latinLnBrk="0" hangingPunct="1"/>
             <a:r>
-              <a:rPr lang="en-US" smtClean="0"/>
+              <a:rPr lang="en-US"/>
               <a:t>Fifth level</a:t>
             </a:r>
             <a:endParaRPr kumimoji="0" lang="en-US"/>
@@ -1405,9 +1423,7 @@
         </p:style>
         <p:txBody>
           <a:bodyPr rtlCol="0" anchor="ctr"/>
-          <a:lstStyle>
-            <a:extLst/>
-          </a:lstStyle>
+          <a:lstStyle/>
           <a:p>
             <a:pPr algn="ctr" eaLnBrk="1" latinLnBrk="0" hangingPunct="1"/>
             <a:endParaRPr kumimoji="0" lang="en-US" dirty="0"/>
@@ -1452,9 +1468,7 @@
         </p:style>
         <p:txBody>
           <a:bodyPr rtlCol="0" anchor="ctr"/>
-          <a:lstStyle>
-            <a:extLst/>
-          </a:lstStyle>
+          <a:lstStyle/>
           <a:p>
             <a:pPr algn="ctr" eaLnBrk="1" latinLnBrk="0" hangingPunct="1"/>
             <a:endParaRPr kumimoji="0" lang="en-US" dirty="0"/>
@@ -1479,15 +1493,12 @@
         </p:spPr>
         <p:txBody>
           <a:bodyPr vert="eaVert"/>
-          <a:lstStyle>
-            <a:extLst/>
-          </a:lstStyle>
-          <a:p>
-            <a:r>
-              <a:rPr kumimoji="0" lang="en-US" smtClean="0"/>
+          <a:lstStyle/>
+          <a:p>
+            <a:r>
+              <a:rPr kumimoji="0" lang="en-US"/>
               <a:t>Click to edit Master title style</a:t>
             </a:r>
-            <a:endParaRPr kumimoji="0" lang="en-US"/>
           </a:p>
         </p:txBody>
       </p:sp>
@@ -1509,41 +1520,39 @@
         </p:spPr>
         <p:txBody>
           <a:bodyPr vert="eaVert"/>
-          <a:lstStyle>
-            <a:extLst/>
-          </a:lstStyle>
+          <a:lstStyle/>
           <a:p>
             <a:pPr lvl="0" eaLnBrk="1" latinLnBrk="0" hangingPunct="1"/>
             <a:r>
-              <a:rPr lang="en-US" smtClean="0"/>
+              <a:rPr lang="en-US"/>
               <a:t>Click to edit Master text styles</a:t>
             </a:r>
           </a:p>
           <a:p>
             <a:pPr lvl="1" eaLnBrk="1" latinLnBrk="0" hangingPunct="1"/>
             <a:r>
-              <a:rPr lang="en-US" smtClean="0"/>
+              <a:rPr lang="en-US"/>
               <a:t>Second level</a:t>
             </a:r>
           </a:p>
           <a:p>
             <a:pPr lvl="2" eaLnBrk="1" latinLnBrk="0" hangingPunct="1"/>
             <a:r>
-              <a:rPr lang="en-US" smtClean="0"/>
+              <a:rPr lang="en-US"/>
               <a:t>Third level</a:t>
             </a:r>
           </a:p>
           <a:p>
             <a:pPr lvl="3" eaLnBrk="1" latinLnBrk="0" hangingPunct="1"/>
             <a:r>
-              <a:rPr lang="en-US" smtClean="0"/>
+              <a:rPr lang="en-US"/>
               <a:t>Fourth level</a:t>
             </a:r>
           </a:p>
           <a:p>
             <a:pPr lvl="4" eaLnBrk="1" latinLnBrk="0" hangingPunct="1"/>
             <a:r>
-              <a:rPr lang="en-US" smtClean="0"/>
+              <a:rPr lang="en-US"/>
               <a:t>Fifth level</a:t>
             </a:r>
             <a:endParaRPr kumimoji="0" lang="en-US"/>
@@ -1663,15 +1672,12 @@
         </p:spPr>
         <p:txBody>
           <a:bodyPr/>
-          <a:lstStyle>
-            <a:extLst/>
-          </a:lstStyle>
-          <a:p>
-            <a:r>
-              <a:rPr kumimoji="0" lang="en-US" smtClean="0"/>
+          <a:lstStyle/>
+          <a:p>
+            <a:r>
+              <a:rPr kumimoji="0" lang="en-US"/>
               <a:t>Click to edit Master title style</a:t>
             </a:r>
-            <a:endParaRPr kumimoji="0" lang="en-US"/>
           </a:p>
         </p:txBody>
       </p:sp>
@@ -1688,41 +1694,39 @@
         <p:spPr/>
         <p:txBody>
           <a:bodyPr/>
-          <a:lstStyle>
-            <a:extLst/>
-          </a:lstStyle>
+          <a:lstStyle/>
           <a:p>
             <a:pPr lvl="0" eaLnBrk="1" latinLnBrk="0" hangingPunct="1"/>
             <a:r>
-              <a:rPr lang="en-US" smtClean="0"/>
+              <a:rPr lang="en-US"/>
               <a:t>Click to edit Master text styles</a:t>
             </a:r>
           </a:p>
           <a:p>
             <a:pPr lvl="1" eaLnBrk="1" latinLnBrk="0" hangingPunct="1"/>
             <a:r>
-              <a:rPr lang="en-US" smtClean="0"/>
+              <a:rPr lang="en-US"/>
               <a:t>Second level</a:t>
             </a:r>
           </a:p>
           <a:p>
             <a:pPr lvl="2" eaLnBrk="1" latinLnBrk="0" hangingPunct="1"/>
             <a:r>
-              <a:rPr lang="en-US" smtClean="0"/>
+              <a:rPr lang="en-US"/>
               <a:t>Third level</a:t>
             </a:r>
           </a:p>
           <a:p>
             <a:pPr lvl="3" eaLnBrk="1" latinLnBrk="0" hangingPunct="1"/>
             <a:r>
-              <a:rPr lang="en-US" smtClean="0"/>
+              <a:rPr lang="en-US"/>
               <a:t>Fourth level</a:t>
             </a:r>
           </a:p>
           <a:p>
             <a:pPr lvl="4" eaLnBrk="1" latinLnBrk="0" hangingPunct="1"/>
             <a:r>
-              <a:rPr lang="en-US" smtClean="0"/>
+              <a:rPr lang="en-US"/>
               <a:t>Fifth level</a:t>
             </a:r>
             <a:endParaRPr kumimoji="0" lang="en-US"/>
@@ -1862,9 +1866,7 @@
         </p:style>
         <p:txBody>
           <a:bodyPr rtlCol="0" anchor="ctr"/>
-          <a:lstStyle>
-            <a:extLst/>
-          </a:lstStyle>
+          <a:lstStyle/>
           <a:p>
             <a:pPr algn="ctr" eaLnBrk="1" latinLnBrk="0" hangingPunct="1"/>
             <a:endParaRPr kumimoji="0" lang="en-US" dirty="0"/>
@@ -1916,9 +1918,7 @@
         </p:style>
         <p:txBody>
           <a:bodyPr rtlCol="0" anchor="ctr"/>
-          <a:lstStyle>
-            <a:extLst/>
-          </a:lstStyle>
+          <a:lstStyle/>
           <a:p>
             <a:pPr algn="ctr" eaLnBrk="1" latinLnBrk="0" hangingPunct="1"/>
             <a:endParaRPr kumimoji="0" lang="en-US" dirty="0"/>
@@ -1962,10 +1962,9 @@
           </a:lstStyle>
           <a:p>
             <a:r>
-              <a:rPr kumimoji="0" lang="en-US" smtClean="0"/>
+              <a:rPr kumimoji="0" lang="en-US"/>
               <a:t>Click to edit Master title style</a:t>
             </a:r>
-            <a:endParaRPr kumimoji="0" lang="en-US"/>
           </a:p>
         </p:txBody>
       </p:sp>
@@ -2081,7 +2080,7 @@
           <a:p>
             <a:pPr lvl="0" eaLnBrk="1" latinLnBrk="0" hangingPunct="1"/>
             <a:r>
-              <a:rPr kumimoji="0" lang="en-US" smtClean="0"/>
+              <a:rPr kumimoji="0" lang="en-US"/>
               <a:t>Click to edit Master text styles</a:t>
             </a:r>
           </a:p>
@@ -2190,15 +2189,12 @@
         <p:spPr/>
         <p:txBody>
           <a:bodyPr/>
-          <a:lstStyle>
-            <a:extLst/>
-          </a:lstStyle>
-          <a:p>
-            <a:r>
-              <a:rPr kumimoji="0" lang="en-US" smtClean="0"/>
+          <a:lstStyle/>
+          <a:p>
+            <a:r>
+              <a:rPr kumimoji="0" lang="en-US"/>
               <a:t>Click to edit Master title style</a:t>
             </a:r>
-            <a:endParaRPr kumimoji="0" lang="en-US"/>
           </a:p>
         </p:txBody>
       </p:sp>
@@ -2253,35 +2249,35 @@
           <a:p>
             <a:pPr lvl="0" eaLnBrk="1" latinLnBrk="0" hangingPunct="1"/>
             <a:r>
-              <a:rPr lang="en-US" smtClean="0"/>
+              <a:rPr lang="en-US"/>
               <a:t>Click to edit Master text styles</a:t>
             </a:r>
           </a:p>
           <a:p>
             <a:pPr lvl="1" eaLnBrk="1" latinLnBrk="0" hangingPunct="1"/>
             <a:r>
-              <a:rPr lang="en-US" smtClean="0"/>
+              <a:rPr lang="en-US"/>
               <a:t>Second level</a:t>
             </a:r>
           </a:p>
           <a:p>
             <a:pPr lvl="2" eaLnBrk="1" latinLnBrk="0" hangingPunct="1"/>
             <a:r>
-              <a:rPr lang="en-US" smtClean="0"/>
+              <a:rPr lang="en-US"/>
               <a:t>Third level</a:t>
             </a:r>
           </a:p>
           <a:p>
             <a:pPr lvl="3" eaLnBrk="1" latinLnBrk="0" hangingPunct="1"/>
             <a:r>
-              <a:rPr lang="en-US" smtClean="0"/>
+              <a:rPr lang="en-US"/>
               <a:t>Fourth level</a:t>
             </a:r>
           </a:p>
           <a:p>
             <a:pPr lvl="4" eaLnBrk="1" latinLnBrk="0" hangingPunct="1"/>
             <a:r>
-              <a:rPr lang="en-US" smtClean="0"/>
+              <a:rPr lang="en-US"/>
               <a:t>Fifth level</a:t>
             </a:r>
             <a:endParaRPr kumimoji="0" lang="en-US"/>
@@ -2339,35 +2335,35 @@
           <a:p>
             <a:pPr lvl="0" eaLnBrk="1" latinLnBrk="0" hangingPunct="1"/>
             <a:r>
-              <a:rPr lang="en-US" smtClean="0"/>
+              <a:rPr lang="en-US"/>
               <a:t>Click to edit Master text styles</a:t>
             </a:r>
           </a:p>
           <a:p>
             <a:pPr lvl="1" eaLnBrk="1" latinLnBrk="0" hangingPunct="1"/>
             <a:r>
-              <a:rPr lang="en-US" smtClean="0"/>
+              <a:rPr lang="en-US"/>
               <a:t>Second level</a:t>
             </a:r>
           </a:p>
           <a:p>
             <a:pPr lvl="2" eaLnBrk="1" latinLnBrk="0" hangingPunct="1"/>
             <a:r>
-              <a:rPr lang="en-US" smtClean="0"/>
+              <a:rPr lang="en-US"/>
               <a:t>Third level</a:t>
             </a:r>
           </a:p>
           <a:p>
             <a:pPr lvl="3" eaLnBrk="1" latinLnBrk="0" hangingPunct="1"/>
             <a:r>
-              <a:rPr lang="en-US" smtClean="0"/>
+              <a:rPr lang="en-US"/>
               <a:t>Fourth level</a:t>
             </a:r>
           </a:p>
           <a:p>
             <a:pPr lvl="4" eaLnBrk="1" latinLnBrk="0" hangingPunct="1"/>
             <a:r>
-              <a:rPr lang="en-US" smtClean="0"/>
+              <a:rPr lang="en-US"/>
               <a:t>Fifth level</a:t>
             </a:r>
             <a:endParaRPr kumimoji="0" lang="en-US"/>
@@ -2485,10 +2481,9 @@
           </a:lstStyle>
           <a:p>
             <a:r>
-              <a:rPr kumimoji="0" lang="en-US" smtClean="0"/>
+              <a:rPr kumimoji="0" lang="en-US"/>
               <a:t>Click to edit Master title style</a:t>
             </a:r>
-            <a:endParaRPr kumimoji="0" lang="en-US"/>
           </a:p>
         </p:txBody>
       </p:sp>
@@ -2552,7 +2547,7 @@
           <a:p>
             <a:pPr lvl="0" eaLnBrk="1" latinLnBrk="0" hangingPunct="1"/>
             <a:r>
-              <a:rPr kumimoji="0" lang="en-US" smtClean="0"/>
+              <a:rPr kumimoji="0" lang="en-US"/>
               <a:t>Click to edit Master text styles</a:t>
             </a:r>
           </a:p>
@@ -2609,35 +2604,35 @@
           <a:p>
             <a:pPr lvl="0" eaLnBrk="1" latinLnBrk="0" hangingPunct="1"/>
             <a:r>
-              <a:rPr lang="en-US" smtClean="0"/>
+              <a:rPr lang="en-US"/>
               <a:t>Click to edit Master text styles</a:t>
             </a:r>
           </a:p>
           <a:p>
             <a:pPr lvl="1" eaLnBrk="1" latinLnBrk="0" hangingPunct="1"/>
             <a:r>
-              <a:rPr lang="en-US" smtClean="0"/>
+              <a:rPr lang="en-US"/>
               <a:t>Second level</a:t>
             </a:r>
           </a:p>
           <a:p>
             <a:pPr lvl="2" eaLnBrk="1" latinLnBrk="0" hangingPunct="1"/>
             <a:r>
-              <a:rPr lang="en-US" smtClean="0"/>
+              <a:rPr lang="en-US"/>
               <a:t>Third level</a:t>
             </a:r>
           </a:p>
           <a:p>
             <a:pPr lvl="3" eaLnBrk="1" latinLnBrk="0" hangingPunct="1"/>
             <a:r>
-              <a:rPr lang="en-US" smtClean="0"/>
+              <a:rPr lang="en-US"/>
               <a:t>Fourth level</a:t>
             </a:r>
           </a:p>
           <a:p>
             <a:pPr lvl="4" eaLnBrk="1" latinLnBrk="0" hangingPunct="1"/>
             <a:r>
-              <a:rPr lang="en-US" smtClean="0"/>
+              <a:rPr lang="en-US"/>
               <a:t>Fifth level</a:t>
             </a:r>
             <a:endParaRPr kumimoji="0" lang="en-US"/>
@@ -2704,7 +2699,7 @@
           <a:p>
             <a:pPr lvl="0" eaLnBrk="1" latinLnBrk="0" hangingPunct="1"/>
             <a:r>
-              <a:rPr kumimoji="0" lang="en-US" smtClean="0"/>
+              <a:rPr kumimoji="0" lang="en-US"/>
               <a:t>Click to edit Master text styles</a:t>
             </a:r>
           </a:p>
@@ -2761,35 +2756,35 @@
           <a:p>
             <a:pPr lvl="0" eaLnBrk="1" latinLnBrk="0" hangingPunct="1"/>
             <a:r>
-              <a:rPr lang="en-US" smtClean="0"/>
+              <a:rPr lang="en-US"/>
               <a:t>Click to edit Master text styles</a:t>
             </a:r>
           </a:p>
           <a:p>
             <a:pPr lvl="1" eaLnBrk="1" latinLnBrk="0" hangingPunct="1"/>
             <a:r>
-              <a:rPr lang="en-US" smtClean="0"/>
+              <a:rPr lang="en-US"/>
               <a:t>Second level</a:t>
             </a:r>
           </a:p>
           <a:p>
             <a:pPr lvl="2" eaLnBrk="1" latinLnBrk="0" hangingPunct="1"/>
             <a:r>
-              <a:rPr lang="en-US" smtClean="0"/>
+              <a:rPr lang="en-US"/>
               <a:t>Third level</a:t>
             </a:r>
           </a:p>
           <a:p>
             <a:pPr lvl="3" eaLnBrk="1" latinLnBrk="0" hangingPunct="1"/>
             <a:r>
-              <a:rPr lang="en-US" smtClean="0"/>
+              <a:rPr lang="en-US"/>
               <a:t>Fourth level</a:t>
             </a:r>
           </a:p>
           <a:p>
             <a:pPr lvl="4" eaLnBrk="1" latinLnBrk="0" hangingPunct="1"/>
             <a:r>
-              <a:rPr lang="en-US" smtClean="0"/>
+              <a:rPr lang="en-US"/>
               <a:t>Fifth level</a:t>
             </a:r>
             <a:endParaRPr kumimoji="0" lang="en-US"/>
@@ -2899,15 +2894,12 @@
         <p:spPr/>
         <p:txBody>
           <a:bodyPr/>
-          <a:lstStyle>
-            <a:extLst/>
-          </a:lstStyle>
-          <a:p>
-            <a:r>
-              <a:rPr kumimoji="0" lang="en-US" smtClean="0"/>
+          <a:lstStyle/>
+          <a:p>
+            <a:r>
+              <a:rPr kumimoji="0" lang="en-US"/>
               <a:t>Click to edit Master title style</a:t>
             </a:r>
-            <a:endParaRPr kumimoji="0" lang="en-US"/>
           </a:p>
         </p:txBody>
       </p:sp>
@@ -3120,10 +3112,9 @@
           </a:lstStyle>
           <a:p>
             <a:r>
-              <a:rPr kumimoji="0" lang="en-US" smtClean="0"/>
+              <a:rPr kumimoji="0" lang="en-US"/>
               <a:t>Click to edit Master title style</a:t>
             </a:r>
-            <a:endParaRPr kumimoji="0" lang="en-US"/>
           </a:p>
         </p:txBody>
       </p:sp>
@@ -3178,35 +3169,35 @@
           <a:p>
             <a:pPr lvl="0" eaLnBrk="1" latinLnBrk="0" hangingPunct="1"/>
             <a:r>
-              <a:rPr lang="en-US" smtClean="0"/>
+              <a:rPr lang="en-US"/>
               <a:t>Click to edit Master text styles</a:t>
             </a:r>
           </a:p>
           <a:p>
             <a:pPr lvl="1" eaLnBrk="1" latinLnBrk="0" hangingPunct="1"/>
             <a:r>
-              <a:rPr lang="en-US" smtClean="0"/>
+              <a:rPr lang="en-US"/>
               <a:t>Second level</a:t>
             </a:r>
           </a:p>
           <a:p>
             <a:pPr lvl="2" eaLnBrk="1" latinLnBrk="0" hangingPunct="1"/>
             <a:r>
-              <a:rPr lang="en-US" smtClean="0"/>
+              <a:rPr lang="en-US"/>
               <a:t>Third level</a:t>
             </a:r>
           </a:p>
           <a:p>
             <a:pPr lvl="3" eaLnBrk="1" latinLnBrk="0" hangingPunct="1"/>
             <a:r>
-              <a:rPr lang="en-US" smtClean="0"/>
+              <a:rPr lang="en-US"/>
               <a:t>Fourth level</a:t>
             </a:r>
           </a:p>
           <a:p>
             <a:pPr lvl="4" eaLnBrk="1" latinLnBrk="0" hangingPunct="1"/>
             <a:r>
-              <a:rPr lang="en-US" smtClean="0"/>
+              <a:rPr lang="en-US"/>
               <a:t>Fifth level</a:t>
             </a:r>
             <a:endParaRPr kumimoji="0" lang="en-US"/>
@@ -3273,7 +3264,7 @@
           <a:p>
             <a:pPr lvl="0" eaLnBrk="1" latinLnBrk="0" hangingPunct="1"/>
             <a:r>
-              <a:rPr kumimoji="0" lang="en-US" smtClean="0"/>
+              <a:rPr kumimoji="0" lang="en-US"/>
               <a:t>Click to edit Master text styles</a:t>
             </a:r>
           </a:p>
@@ -3382,9 +3373,7 @@
         </p:style>
         <p:txBody>
           <a:bodyPr rtlCol="0" anchor="ctr"/>
-          <a:lstStyle>
-            <a:extLst/>
-          </a:lstStyle>
+          <a:lstStyle/>
           <a:p>
             <a:pPr algn="ctr" eaLnBrk="1" latinLnBrk="0" hangingPunct="1"/>
             <a:endParaRPr kumimoji="0" lang="en-US" dirty="0"/>
@@ -3429,9 +3418,7 @@
         </p:style>
         <p:txBody>
           <a:bodyPr rtlCol="0" anchor="ctr"/>
-          <a:lstStyle>
-            <a:extLst/>
-          </a:lstStyle>
+          <a:lstStyle/>
           <a:p>
             <a:pPr algn="ctr" eaLnBrk="1" latinLnBrk="0" hangingPunct="1"/>
             <a:endParaRPr kumimoji="0" lang="en-US" dirty="0"/>
@@ -3496,10 +3483,9 @@
           </a:lstStyle>
           <a:p>
             <a:r>
-              <a:rPr kumimoji="0" lang="en-US" smtClean="0"/>
+              <a:rPr kumimoji="0" lang="en-US"/>
               <a:t>Click to edit Master title style</a:t>
             </a:r>
-            <a:endParaRPr kumimoji="0" lang="en-US"/>
           </a:p>
         </p:txBody>
       </p:sp>
@@ -3567,10 +3553,9 @@
           </a:lstStyle>
           <a:p>
             <a:r>
-              <a:rPr kumimoji="0" lang="en-US" dirty="0" smtClean="0"/>
+              <a:rPr kumimoji="0" lang="en-US" dirty="0"/>
               <a:t>Click icon to add picture</a:t>
             </a:r>
-            <a:endParaRPr kumimoji="0" lang="en-US" dirty="0"/>
           </a:p>
         </p:txBody>
       </p:sp>
@@ -3634,7 +3619,7 @@
           <a:p>
             <a:pPr lvl="0" eaLnBrk="1" latinLnBrk="0" hangingPunct="1"/>
             <a:r>
-              <a:rPr kumimoji="0" lang="en-US" smtClean="0"/>
+              <a:rPr kumimoji="0" lang="en-US"/>
               <a:t>Click to edit Master text styles</a:t>
             </a:r>
           </a:p>
@@ -3706,9 +3691,7 @@
         </p:style>
         <p:txBody>
           <a:bodyPr rtlCol="0" anchor="ctr"/>
-          <a:lstStyle>
-            <a:extLst/>
-          </a:lstStyle>
+          <a:lstStyle/>
           <a:p>
             <a:pPr algn="ctr" eaLnBrk="1" latinLnBrk="0" hangingPunct="1"/>
             <a:endParaRPr kumimoji="0" lang="en-US" dirty="0"/>
@@ -3753,9 +3736,7 @@
         </p:style>
         <p:txBody>
           <a:bodyPr rtlCol="0" anchor="ctr"/>
-          <a:lstStyle>
-            <a:extLst/>
-          </a:lstStyle>
+          <a:lstStyle/>
           <a:p>
             <a:pPr algn="ctr" eaLnBrk="1" latinLnBrk="0" hangingPunct="1"/>
             <a:endParaRPr kumimoji="0" lang="en-US" dirty="0"/>
@@ -3899,9 +3880,7 @@
         </p:style>
         <p:txBody>
           <a:bodyPr rtlCol="0" anchor="ctr"/>
-          <a:lstStyle>
-            <a:extLst/>
-          </a:lstStyle>
+          <a:lstStyle/>
           <a:p>
             <a:pPr algn="ctr" eaLnBrk="1" latinLnBrk="0" hangingPunct="1"/>
             <a:endParaRPr kumimoji="0" lang="en-US" dirty="0"/>
@@ -3946,9 +3925,7 @@
         </p:style>
         <p:txBody>
           <a:bodyPr rtlCol="0" anchor="ctr"/>
-          <a:lstStyle>
-            <a:extLst/>
-          </a:lstStyle>
+          <a:lstStyle/>
           <a:p>
             <a:pPr algn="ctr" eaLnBrk="1" latinLnBrk="0" hangingPunct="1"/>
             <a:endParaRPr kumimoji="0" lang="en-US" dirty="0"/>
@@ -3987,15 +3964,12 @@
               <a:bevelT w="50800" h="10160"/>
             </a:sp3d>
           </a:bodyPr>
-          <a:lstStyle>
-            <a:extLst/>
-          </a:lstStyle>
-          <a:p>
-            <a:r>
-              <a:rPr kumimoji="0" lang="en-US" smtClean="0"/>
+          <a:lstStyle/>
+          <a:p>
+            <a:r>
+              <a:rPr kumimoji="0" lang="en-US"/>
               <a:t>Click to edit Master title style</a:t>
             </a:r>
-            <a:endParaRPr kumimoji="0" lang="en-US"/>
           </a:p>
         </p:txBody>
       </p:sp>
@@ -4022,44 +3996,41 @@
           <a:bodyPr vert="horz" lIns="54864" tIns="91440" rtlCol="0">
             <a:normAutofit/>
           </a:bodyPr>
-          <a:lstStyle>
-            <a:extLst/>
-          </a:lstStyle>
+          <a:lstStyle/>
           <a:p>
             <a:pPr lvl="0" eaLnBrk="1" latinLnBrk="0" hangingPunct="1"/>
             <a:r>
-              <a:rPr kumimoji="0" lang="en-US" smtClean="0"/>
+              <a:rPr kumimoji="0" lang="en-US"/>
               <a:t>Click to edit Master text styles</a:t>
             </a:r>
           </a:p>
           <a:p>
             <a:pPr lvl="1" eaLnBrk="1" latinLnBrk="0" hangingPunct="1"/>
             <a:r>
-              <a:rPr kumimoji="0" lang="en-US" smtClean="0"/>
+              <a:rPr kumimoji="0" lang="en-US"/>
               <a:t>Second level</a:t>
             </a:r>
           </a:p>
           <a:p>
             <a:pPr lvl="2" eaLnBrk="1" latinLnBrk="0" hangingPunct="1"/>
             <a:r>
-              <a:rPr kumimoji="0" lang="en-US" smtClean="0"/>
+              <a:rPr kumimoji="0" lang="en-US"/>
               <a:t>Third level</a:t>
             </a:r>
           </a:p>
           <a:p>
             <a:pPr lvl="3" eaLnBrk="1" latinLnBrk="0" hangingPunct="1"/>
             <a:r>
-              <a:rPr kumimoji="0" lang="en-US" smtClean="0"/>
+              <a:rPr kumimoji="0" lang="en-US"/>
               <a:t>Fourth level</a:t>
             </a:r>
           </a:p>
           <a:p>
             <a:pPr lvl="4" eaLnBrk="1" latinLnBrk="0" hangingPunct="1"/>
             <a:r>
-              <a:rPr kumimoji="0" lang="en-US" smtClean="0"/>
+              <a:rPr kumimoji="0" lang="en-US"/>
               <a:t>Fifth level</a:t>
             </a:r>
-            <a:endParaRPr kumimoji="0" lang="en-US"/>
           </a:p>
         </p:txBody>
       </p:sp>
@@ -4528,10 +4499,9 @@
           <a:p>
             <a:pPr algn="ctr"/>
             <a:r>
-              <a:rPr lang="en-US" sz="3200" dirty="0" smtClean="0"/>
+              <a:rPr lang="en-US" sz="3200" dirty="0"/>
               <a:t>ONLINE MOVIE BOOKING SYSTEM</a:t>
             </a:r>
-            <a:endParaRPr lang="en-US" sz="3200" dirty="0"/>
           </a:p>
         </p:txBody>
       </p:sp>
@@ -4559,10 +4529,9 @@
           <a:p>
             <a:pPr algn="ctr"/>
             <a:r>
-              <a:rPr lang="en-US" sz="2800" dirty="0" smtClean="0"/>
+              <a:rPr lang="en-US" sz="2800" dirty="0"/>
               <a:t>An E-project presentation 2022</a:t>
             </a:r>
-            <a:endParaRPr lang="en-US" sz="2800" dirty="0"/>
           </a:p>
         </p:txBody>
       </p:sp>
@@ -4571,7 +4540,7 @@
           <p:cNvPr id="4" name="Picture 3">
             <a:extLst>
               <a:ext uri="{FF2B5EF4-FFF2-40B4-BE49-F238E27FC236}">
-                <a16:creationId xmlns:a16="http://schemas.microsoft.com/office/drawing/2014/main" xmlns="" id="{7C93401F-A52C-4C56-87F1-A8AA33F96B8C}"/>
+                <a16:creationId xmlns:a16="http://schemas.microsoft.com/office/drawing/2014/main" id="{7C93401F-A52C-4C56-87F1-A8AA33F96B8C}"/>
               </a:ext>
             </a:extLst>
           </p:cNvPr>
@@ -4655,13 +4624,6 @@
   <p:clrMapOvr>
     <a:masterClrMapping/>
   </p:clrMapOvr>
-  <p:timing>
-    <p:tnLst>
-      <p:par>
-        <p:cTn id="1" dur="indefinite" restart="never" nodeType="tmRoot"/>
-      </p:par>
-    </p:tnLst>
-  </p:timing>
 </p:sld>
 </file>
 
@@ -4699,10 +4661,9 @@
           <a:p>
             <a:pPr algn="ctr"/>
             <a:r>
-              <a:rPr lang="en-US" dirty="0" smtClean="0"/>
+              <a:rPr lang="en-US" dirty="0"/>
               <a:t>ARCHITECTURE OF WEB</a:t>
             </a:r>
-            <a:endParaRPr lang="en-US" dirty="0"/>
           </a:p>
         </p:txBody>
       </p:sp>
@@ -4735,10 +4696,9 @@
               <a:buNone/>
             </a:pPr>
             <a:r>
-              <a:rPr lang="en-US" sz="4000" dirty="0" smtClean="0"/>
+              <a:rPr lang="en-US" sz="4000" dirty="0"/>
               <a:t>SIGNUP</a:t>
             </a:r>
-            <a:endParaRPr lang="en-US" sz="4000" dirty="0"/>
           </a:p>
         </p:txBody>
       </p:sp>
@@ -4852,10 +4812,9 @@
           <a:p>
             <a:pPr algn="ctr"/>
             <a:r>
-              <a:rPr lang="en-US" sz="4000" dirty="0" smtClean="0"/>
+              <a:rPr lang="en-US" sz="4000" dirty="0"/>
               <a:t>LOGIN</a:t>
             </a:r>
-            <a:endParaRPr lang="en-US" sz="4000" dirty="0"/>
           </a:p>
         </p:txBody>
       </p:sp>
@@ -4955,14 +4914,37 @@
       </p:grpSpPr>
       <p:sp>
         <p:nvSpPr>
-          <p:cNvPr id="2" name="TextBox 1"/>
+          <p:cNvPr id="2" name="Slide Number Placeholder 1"/>
+          <p:cNvSpPr>
+            <a:spLocks noGrp="1"/>
+          </p:cNvSpPr>
+          <p:nvPr>
+            <p:ph type="sldNum" sz="quarter" idx="12"/>
+          </p:nvPr>
+        </p:nvSpPr>
+        <p:spPr/>
+        <p:txBody>
+          <a:bodyPr/>
+          <a:lstStyle/>
+          <a:p>
+            <a:fld id="{F5D2F33F-CF48-4A62-BD46-4F8E8BF64B22}" type="slidenum">
+              <a:rPr lang="en-US" smtClean="0"/>
+              <a:t>12</a:t>
+            </a:fld>
+            <a:endParaRPr lang="en-US" dirty="0"/>
+          </a:p>
+        </p:txBody>
+      </p:sp>
+      <p:sp>
+        <p:nvSpPr>
+          <p:cNvPr id="3" name="TextBox 2"/>
           <p:cNvSpPr txBox="1"/>
           <p:nvPr/>
         </p:nvSpPr>
         <p:spPr>
           <a:xfrm>
-            <a:off x="228600" y="152400"/>
-            <a:ext cx="800219" cy="6400800"/>
+            <a:off x="533400" y="457200"/>
+            <a:ext cx="800219" cy="5715000"/>
           </a:xfrm>
           <a:prstGeom prst="rect">
             <a:avLst/>
@@ -4981,18 +4963,17 @@
           <a:p>
             <a:pPr algn="ctr"/>
             <a:r>
-              <a:rPr lang="en-US" sz="4000" dirty="0" smtClean="0"/>
-              <a:t>HEADER &amp; FOOTER</a:t>
-            </a:r>
-            <a:endParaRPr lang="en-US" sz="4000" dirty="0"/>
+              <a:rPr lang="en-US" sz="4000" dirty="0"/>
+              <a:t>PROFILE  </a:t>
+            </a:r>
           </a:p>
         </p:txBody>
       </p:sp>
       <p:pic>
         <p:nvPicPr>
-          <p:cNvPr id="2052" name="Picture 4" descr="C:\Users\Next in\Pictures\Camera Roll\FOOTER.png"/>
+          <p:cNvPr id="4" name="Picture 3"/>
           <p:cNvPicPr>
-            <a:picLocks noChangeAspect="1" noChangeArrowheads="1"/>
+            <a:picLocks noChangeAspect="1"/>
           </p:cNvPicPr>
           <p:nvPr/>
         </p:nvPicPr>
@@ -5004,78 +4985,14 @@
               </a:ext>
             </a:extLst>
           </a:blip>
-          <a:srcRect/>
-          <a:stretch>
-            <a:fillRect/>
-          </a:stretch>
-        </p:blipFill>
-        <p:spPr bwMode="auto">
-          <a:xfrm>
-            <a:off x="1295400" y="2514600"/>
-            <a:ext cx="7696200" cy="4114800"/>
-          </a:xfrm>
-          <a:prstGeom prst="rect">
-            <a:avLst/>
-          </a:prstGeom>
-          <a:noFill/>
-          <a:extLst>
-            <a:ext uri="{909E8E84-426E-40DD-AFC4-6F175D3DCCD1}">
-              <a14:hiddenFill xmlns:a14="http://schemas.microsoft.com/office/drawing/2010/main">
-                <a:solidFill>
-                  <a:srgbClr val="FFFFFF"/>
-                </a:solidFill>
-              </a14:hiddenFill>
-            </a:ext>
-          </a:extLst>
-        </p:spPr>
-      </p:pic>
-      <p:sp>
-        <p:nvSpPr>
-          <p:cNvPr id="6" name="Slide Number Placeholder 5"/>
-          <p:cNvSpPr>
-            <a:spLocks noGrp="1"/>
-          </p:cNvSpPr>
-          <p:nvPr>
-            <p:ph type="sldNum" sz="quarter" idx="12"/>
-          </p:nvPr>
-        </p:nvSpPr>
-        <p:spPr/>
-        <p:txBody>
-          <a:bodyPr/>
-          <a:lstStyle/>
-          <a:p>
-            <a:fld id="{F5D2F33F-CF48-4A62-BD46-4F8E8BF64B22}" type="slidenum">
-              <a:rPr lang="en-US" smtClean="0"/>
-              <a:t>12</a:t>
-            </a:fld>
-            <a:endParaRPr lang="en-US" dirty="0"/>
-          </a:p>
-        </p:txBody>
-      </p:sp>
-      <p:pic>
-        <p:nvPicPr>
-          <p:cNvPr id="3" name="Picture 2"/>
-          <p:cNvPicPr>
-            <a:picLocks noChangeAspect="1"/>
-          </p:cNvPicPr>
-          <p:nvPr/>
-        </p:nvPicPr>
-        <p:blipFill>
-          <a:blip r:embed="rId3">
-            <a:extLst>
-              <a:ext uri="{28A0092B-C50C-407E-A947-70E740481C1C}">
-                <a14:useLocalDpi xmlns:a14="http://schemas.microsoft.com/office/drawing/2010/main" val="0"/>
-              </a:ext>
-            </a:extLst>
-          </a:blip>
           <a:stretch>
             <a:fillRect/>
           </a:stretch>
         </p:blipFill>
         <p:spPr>
           <a:xfrm>
-            <a:off x="1371600" y="152401"/>
-            <a:ext cx="7620000" cy="1523999"/>
+            <a:off x="1752601" y="457201"/>
+            <a:ext cx="7086600" cy="5715000"/>
           </a:xfrm>
           <a:prstGeom prst="rect">
             <a:avLst/>
@@ -5085,7 +5002,7 @@
     </p:spTree>
     <p:extLst>
       <p:ext uri="{BB962C8B-B14F-4D97-AF65-F5344CB8AC3E}">
-        <p14:creationId xmlns:p14="http://schemas.microsoft.com/office/powerpoint/2010/main" val="4259877429"/>
+        <p14:creationId xmlns:p14="http://schemas.microsoft.com/office/powerpoint/2010/main" val="1888896312"/>
       </p:ext>
     </p:extLst>
   </p:cSld>
@@ -5120,8 +5037,8 @@
         </p:nvSpPr>
         <p:spPr>
           <a:xfrm>
-            <a:off x="304800" y="381000"/>
-            <a:ext cx="800219" cy="6248400"/>
+            <a:off x="228600" y="152400"/>
+            <a:ext cx="800219" cy="6400800"/>
           </a:xfrm>
           <a:prstGeom prst="rect">
             <a:avLst/>
@@ -5140,10 +5057,167 @@
           <a:p>
             <a:pPr algn="ctr"/>
             <a:r>
-              <a:rPr lang="en-US" sz="4000" dirty="0" smtClean="0"/>
+              <a:rPr lang="en-US" sz="4000" dirty="0"/>
+              <a:t>HEADER &amp; FOOTER</a:t>
+            </a:r>
+          </a:p>
+        </p:txBody>
+      </p:sp>
+      <p:pic>
+        <p:nvPicPr>
+          <p:cNvPr id="2052" name="Picture 4" descr="C:\Users\Next in\Pictures\Camera Roll\FOOTER.png"/>
+          <p:cNvPicPr>
+            <a:picLocks noChangeAspect="1" noChangeArrowheads="1"/>
+          </p:cNvPicPr>
+          <p:nvPr/>
+        </p:nvPicPr>
+        <p:blipFill>
+          <a:blip r:embed="rId2">
+            <a:extLst>
+              <a:ext uri="{28A0092B-C50C-407E-A947-70E740481C1C}">
+                <a14:useLocalDpi xmlns:a14="http://schemas.microsoft.com/office/drawing/2010/main" val="0"/>
+              </a:ext>
+            </a:extLst>
+          </a:blip>
+          <a:srcRect/>
+          <a:stretch>
+            <a:fillRect/>
+          </a:stretch>
+        </p:blipFill>
+        <p:spPr bwMode="auto">
+          <a:xfrm>
+            <a:off x="1295400" y="2514600"/>
+            <a:ext cx="7696200" cy="4114800"/>
+          </a:xfrm>
+          <a:prstGeom prst="rect">
+            <a:avLst/>
+          </a:prstGeom>
+          <a:noFill/>
+          <a:extLst>
+            <a:ext uri="{909E8E84-426E-40DD-AFC4-6F175D3DCCD1}">
+              <a14:hiddenFill xmlns:a14="http://schemas.microsoft.com/office/drawing/2010/main">
+                <a:solidFill>
+                  <a:srgbClr val="FFFFFF"/>
+                </a:solidFill>
+              </a14:hiddenFill>
+            </a:ext>
+          </a:extLst>
+        </p:spPr>
+      </p:pic>
+      <p:sp>
+        <p:nvSpPr>
+          <p:cNvPr id="6" name="Slide Number Placeholder 5"/>
+          <p:cNvSpPr>
+            <a:spLocks noGrp="1"/>
+          </p:cNvSpPr>
+          <p:nvPr>
+            <p:ph type="sldNum" sz="quarter" idx="12"/>
+          </p:nvPr>
+        </p:nvSpPr>
+        <p:spPr/>
+        <p:txBody>
+          <a:bodyPr/>
+          <a:lstStyle/>
+          <a:p>
+            <a:fld id="{F5D2F33F-CF48-4A62-BD46-4F8E8BF64B22}" type="slidenum">
+              <a:rPr lang="en-US" smtClean="0"/>
+              <a:t>13</a:t>
+            </a:fld>
+            <a:endParaRPr lang="en-US" dirty="0"/>
+          </a:p>
+        </p:txBody>
+      </p:sp>
+      <p:pic>
+        <p:nvPicPr>
+          <p:cNvPr id="3" name="Picture 2"/>
+          <p:cNvPicPr>
+            <a:picLocks noChangeAspect="1"/>
+          </p:cNvPicPr>
+          <p:nvPr/>
+        </p:nvPicPr>
+        <p:blipFill>
+          <a:blip r:embed="rId3">
+            <a:extLst>
+              <a:ext uri="{28A0092B-C50C-407E-A947-70E740481C1C}">
+                <a14:useLocalDpi xmlns:a14="http://schemas.microsoft.com/office/drawing/2010/main" val="0"/>
+              </a:ext>
+            </a:extLst>
+          </a:blip>
+          <a:stretch>
+            <a:fillRect/>
+          </a:stretch>
+        </p:blipFill>
+        <p:spPr>
+          <a:xfrm>
+            <a:off x="1371600" y="152401"/>
+            <a:ext cx="7620000" cy="1523999"/>
+          </a:xfrm>
+          <a:prstGeom prst="rect">
+            <a:avLst/>
+          </a:prstGeom>
+        </p:spPr>
+      </p:pic>
+    </p:spTree>
+    <p:extLst>
+      <p:ext uri="{BB962C8B-B14F-4D97-AF65-F5344CB8AC3E}">
+        <p14:creationId xmlns:p14="http://schemas.microsoft.com/office/powerpoint/2010/main" val="4259877429"/>
+      </p:ext>
+    </p:extLst>
+  </p:cSld>
+  <p:clrMapOvr>
+    <a:masterClrMapping/>
+  </p:clrMapOvr>
+</p:sld>
+</file>
+
+<file path=ppt/slides/slide14.xml><?xml version="1.0" encoding="utf-8"?>
+<p:sld xmlns:a="http://schemas.openxmlformats.org/drawingml/2006/main" xmlns:r="http://schemas.openxmlformats.org/officeDocument/2006/relationships" xmlns:p="http://schemas.openxmlformats.org/presentationml/2006/main">
+  <p:cSld>
+    <p:spTree>
+      <p:nvGrpSpPr>
+        <p:cNvPr id="1" name=""/>
+        <p:cNvGrpSpPr/>
+        <p:nvPr/>
+      </p:nvGrpSpPr>
+      <p:grpSpPr>
+        <a:xfrm>
+          <a:off x="0" y="0"/>
+          <a:ext cx="0" cy="0"/>
+          <a:chOff x="0" y="0"/>
+          <a:chExt cx="0" cy="0"/>
+        </a:xfrm>
+      </p:grpSpPr>
+      <p:sp>
+        <p:nvSpPr>
+          <p:cNvPr id="2" name="TextBox 1"/>
+          <p:cNvSpPr txBox="1"/>
+          <p:nvPr/>
+        </p:nvSpPr>
+        <p:spPr>
+          <a:xfrm>
+            <a:off x="304800" y="381000"/>
+            <a:ext cx="800219" cy="6248400"/>
+          </a:xfrm>
+          <a:prstGeom prst="rect">
+            <a:avLst/>
+          </a:prstGeom>
+          <a:solidFill>
+            <a:schemeClr val="bg1">
+              <a:lumMod val="65000"/>
+            </a:schemeClr>
+          </a:solidFill>
+        </p:spPr>
+        <p:txBody>
+          <a:bodyPr vert="vert270" wrap="square" rtlCol="0">
+            <a:spAutoFit/>
+          </a:bodyPr>
+          <a:lstStyle/>
+          <a:p>
+            <a:pPr algn="ctr"/>
+            <a:r>
+              <a:rPr lang="en-US" sz="4000" dirty="0"/>
               <a:t>HOME PAGE</a:t>
             </a:r>
-            <a:endParaRPr lang="en-US" sz="4000" dirty="0"/>
           </a:p>
         </p:txBody>
       </p:sp>
@@ -5205,7 +5279,7 @@
           <a:p>
             <a:fld id="{F5D2F33F-CF48-4A62-BD46-4F8E8BF64B22}" type="slidenum">
               <a:rPr lang="en-US" smtClean="0"/>
-              <a:t>13</a:t>
+              <a:t>14</a:t>
             </a:fld>
             <a:endParaRPr lang="en-US" dirty="0"/>
           </a:p>
@@ -5221,17 +5295,10 @@
   <p:clrMapOvr>
     <a:masterClrMapping/>
   </p:clrMapOvr>
-  <p:timing>
-    <p:tnLst>
-      <p:par>
-        <p:cTn id="1" dur="indefinite" restart="never" nodeType="tmRoot"/>
-      </p:par>
-    </p:tnLst>
-  </p:timing>
 </p:sld>
 </file>
 
-<file path=ppt/slides/slide14.xml><?xml version="1.0" encoding="utf-8"?>
+<file path=ppt/slides/slide15.xml><?xml version="1.0" encoding="utf-8"?>
 <p:sld xmlns:a="http://schemas.openxmlformats.org/drawingml/2006/main" xmlns:r="http://schemas.openxmlformats.org/officeDocument/2006/relationships" xmlns:p="http://schemas.openxmlformats.org/presentationml/2006/main">
   <p:cSld>
     <p:spTree>
@@ -5256,8 +5323,8 @@
         </p:nvSpPr>
         <p:spPr>
           <a:xfrm>
-            <a:off x="381000" y="381000"/>
-            <a:ext cx="800219" cy="5715000"/>
+            <a:off x="304800" y="381000"/>
+            <a:ext cx="800219" cy="6248400"/>
           </a:xfrm>
           <a:prstGeom prst="rect">
             <a:avLst/>
@@ -5276,10 +5343,9 @@
           <a:p>
             <a:pPr algn="ctr"/>
             <a:r>
-              <a:rPr lang="en-US" sz="4000" dirty="0" smtClean="0"/>
-              <a:t>TICKET BOOKING</a:t>
-            </a:r>
-            <a:endParaRPr lang="en-US" sz="4000" dirty="0"/>
+              <a:rPr lang="en-US" sz="4000" dirty="0"/>
+              <a:t>HOME PAGE</a:t>
+            </a:r>
           </a:p>
         </p:txBody>
       </p:sp>
@@ -5300,7 +5366,154 @@
           <a:p>
             <a:fld id="{F5D2F33F-CF48-4A62-BD46-4F8E8BF64B22}" type="slidenum">
               <a:rPr lang="en-US" smtClean="0"/>
-              <a:t>14</a:t>
+              <a:t>15</a:t>
+            </a:fld>
+            <a:endParaRPr lang="en-US" dirty="0"/>
+          </a:p>
+        </p:txBody>
+      </p:sp>
+      <p:pic>
+        <p:nvPicPr>
+          <p:cNvPr id="4" name="Picture 3">
+            <a:extLst>
+              <a:ext uri="{FF2B5EF4-FFF2-40B4-BE49-F238E27FC236}">
+                <a16:creationId xmlns:a16="http://schemas.microsoft.com/office/drawing/2014/main" id="{5AC9FB15-8183-1350-09B0-1F564DC093AE}"/>
+              </a:ext>
+            </a:extLst>
+          </p:cNvPr>
+          <p:cNvPicPr>
+            <a:picLocks noChangeAspect="1"/>
+          </p:cNvPicPr>
+          <p:nvPr/>
+        </p:nvPicPr>
+        <p:blipFill>
+          <a:blip r:embed="rId2"/>
+          <a:stretch>
+            <a:fillRect/>
+          </a:stretch>
+        </p:blipFill>
+        <p:spPr>
+          <a:xfrm>
+            <a:off x="1905000" y="381000"/>
+            <a:ext cx="4777814" cy="3048000"/>
+          </a:xfrm>
+          <a:prstGeom prst="rect">
+            <a:avLst/>
+          </a:prstGeom>
+        </p:spPr>
+      </p:pic>
+      <p:pic>
+        <p:nvPicPr>
+          <p:cNvPr id="7" name="Picture 6">
+            <a:extLst>
+              <a:ext uri="{FF2B5EF4-FFF2-40B4-BE49-F238E27FC236}">
+                <a16:creationId xmlns:a16="http://schemas.microsoft.com/office/drawing/2014/main" id="{ADC03ACA-74BE-BA51-75BE-12DB69DE147E}"/>
+              </a:ext>
+            </a:extLst>
+          </p:cNvPr>
+          <p:cNvPicPr>
+            <a:picLocks noChangeAspect="1"/>
+          </p:cNvPicPr>
+          <p:nvPr/>
+        </p:nvPicPr>
+        <p:blipFill>
+          <a:blip r:embed="rId3"/>
+          <a:stretch>
+            <a:fillRect/>
+          </a:stretch>
+        </p:blipFill>
+        <p:spPr>
+          <a:xfrm>
+            <a:off x="3962400" y="3606799"/>
+            <a:ext cx="4420463" cy="2870200"/>
+          </a:xfrm>
+          <a:prstGeom prst="rect">
+            <a:avLst/>
+          </a:prstGeom>
+        </p:spPr>
+      </p:pic>
+    </p:spTree>
+    <p:extLst>
+      <p:ext uri="{BB962C8B-B14F-4D97-AF65-F5344CB8AC3E}">
+        <p14:creationId xmlns:p14="http://schemas.microsoft.com/office/powerpoint/2010/main" val="3578165595"/>
+      </p:ext>
+    </p:extLst>
+  </p:cSld>
+  <p:clrMapOvr>
+    <a:masterClrMapping/>
+  </p:clrMapOvr>
+</p:sld>
+</file>
+
+<file path=ppt/slides/slide16.xml><?xml version="1.0" encoding="utf-8"?>
+<p:sld xmlns:a="http://schemas.openxmlformats.org/drawingml/2006/main" xmlns:r="http://schemas.openxmlformats.org/officeDocument/2006/relationships" xmlns:p="http://schemas.openxmlformats.org/presentationml/2006/main">
+  <p:cSld>
+    <p:spTree>
+      <p:nvGrpSpPr>
+        <p:cNvPr id="1" name=""/>
+        <p:cNvGrpSpPr/>
+        <p:nvPr/>
+      </p:nvGrpSpPr>
+      <p:grpSpPr>
+        <a:xfrm>
+          <a:off x="0" y="0"/>
+          <a:ext cx="0" cy="0"/>
+          <a:chOff x="0" y="0"/>
+          <a:chExt cx="0" cy="0"/>
+        </a:xfrm>
+      </p:grpSpPr>
+      <p:sp>
+        <p:nvSpPr>
+          <p:cNvPr id="2" name="TextBox 1"/>
+          <p:cNvSpPr txBox="1"/>
+          <p:nvPr/>
+        </p:nvSpPr>
+        <p:spPr>
+          <a:xfrm>
+            <a:off x="381000" y="381000"/>
+            <a:ext cx="800219" cy="5715000"/>
+          </a:xfrm>
+          <a:prstGeom prst="rect">
+            <a:avLst/>
+          </a:prstGeom>
+          <a:solidFill>
+            <a:schemeClr val="bg1">
+              <a:lumMod val="65000"/>
+            </a:schemeClr>
+          </a:solidFill>
+        </p:spPr>
+        <p:txBody>
+          <a:bodyPr vert="vert270" wrap="square" rtlCol="0">
+            <a:spAutoFit/>
+          </a:bodyPr>
+          <a:lstStyle/>
+          <a:p>
+            <a:pPr algn="ctr"/>
+            <a:r>
+              <a:rPr lang="en-US" sz="4000" dirty="0"/>
+              <a:t>TICKET BOOKING</a:t>
+            </a:r>
+          </a:p>
+        </p:txBody>
+      </p:sp>
+      <p:sp>
+        <p:nvSpPr>
+          <p:cNvPr id="6" name="Slide Number Placeholder 5"/>
+          <p:cNvSpPr>
+            <a:spLocks noGrp="1"/>
+          </p:cNvSpPr>
+          <p:nvPr>
+            <p:ph type="sldNum" sz="quarter" idx="12"/>
+          </p:nvPr>
+        </p:nvSpPr>
+        <p:spPr/>
+        <p:txBody>
+          <a:bodyPr/>
+          <a:lstStyle/>
+          <a:p>
+            <a:fld id="{F5D2F33F-CF48-4A62-BD46-4F8E8BF64B22}" type="slidenum">
+              <a:rPr lang="en-US" smtClean="0"/>
+              <a:t>16</a:t>
             </a:fld>
             <a:endParaRPr lang="en-US" dirty="0"/>
           </a:p>
@@ -5346,17 +5559,10 @@
   <p:clrMapOvr>
     <a:masterClrMapping/>
   </p:clrMapOvr>
-  <p:timing>
-    <p:tnLst>
-      <p:par>
-        <p:cTn id="1" dur="indefinite" restart="never" nodeType="tmRoot"/>
-      </p:par>
-    </p:tnLst>
-  </p:timing>
 </p:sld>
 </file>
 
-<file path=ppt/slides/slide15.xml><?xml version="1.0" encoding="utf-8"?>
+<file path=ppt/slides/slide17.xml><?xml version="1.0" encoding="utf-8"?>
 <p:sld xmlns:a="http://schemas.openxmlformats.org/drawingml/2006/main" xmlns:r="http://schemas.openxmlformats.org/officeDocument/2006/relationships" xmlns:p="http://schemas.openxmlformats.org/presentationml/2006/main">
   <p:cSld>
     <p:spTree>
@@ -5401,10 +5607,9 @@
           <a:p>
             <a:pPr algn="ctr"/>
             <a:r>
-              <a:rPr lang="en-US" sz="4000" dirty="0" smtClean="0"/>
+              <a:rPr lang="en-US" sz="4000" dirty="0"/>
               <a:t>CONTACT</a:t>
             </a:r>
-            <a:endParaRPr lang="en-US" sz="4000" dirty="0"/>
           </a:p>
         </p:txBody>
       </p:sp>
@@ -5466,7 +5671,7 @@
           <a:p>
             <a:fld id="{F5D2F33F-CF48-4A62-BD46-4F8E8BF64B22}" type="slidenum">
               <a:rPr lang="en-US" smtClean="0"/>
-              <a:t>15</a:t>
+              <a:t>17</a:t>
             </a:fld>
             <a:endParaRPr lang="en-US" dirty="0"/>
           </a:p>
@@ -5476,245 +5681,6 @@
     <p:extLst>
       <p:ext uri="{BB962C8B-B14F-4D97-AF65-F5344CB8AC3E}">
         <p14:creationId xmlns:p14="http://schemas.microsoft.com/office/powerpoint/2010/main" val="101896390"/>
-      </p:ext>
-    </p:extLst>
-  </p:cSld>
-  <p:clrMapOvr>
-    <a:masterClrMapping/>
-  </p:clrMapOvr>
-  <p:timing>
-    <p:tnLst>
-      <p:par>
-        <p:cTn id="1" dur="indefinite" restart="never" nodeType="tmRoot"/>
-      </p:par>
-    </p:tnLst>
-  </p:timing>
-</p:sld>
-</file>
-
-<file path=ppt/slides/slide16.xml><?xml version="1.0" encoding="utf-8"?>
-<p:sld xmlns:a="http://schemas.openxmlformats.org/drawingml/2006/main" xmlns:r="http://schemas.openxmlformats.org/officeDocument/2006/relationships" xmlns:p="http://schemas.openxmlformats.org/presentationml/2006/main">
-  <p:cSld>
-    <p:spTree>
-      <p:nvGrpSpPr>
-        <p:cNvPr id="1" name=""/>
-        <p:cNvGrpSpPr/>
-        <p:nvPr/>
-      </p:nvGrpSpPr>
-      <p:grpSpPr>
-        <a:xfrm>
-          <a:off x="0" y="0"/>
-          <a:ext cx="0" cy="0"/>
-          <a:chOff x="0" y="0"/>
-          <a:chExt cx="0" cy="0"/>
-        </a:xfrm>
-      </p:grpSpPr>
-      <p:sp>
-        <p:nvSpPr>
-          <p:cNvPr id="2" name="Title 1"/>
-          <p:cNvSpPr>
-            <a:spLocks noGrp="1"/>
-          </p:cNvSpPr>
-          <p:nvPr>
-            <p:ph type="title"/>
-          </p:nvPr>
-        </p:nvSpPr>
-        <p:spPr/>
-        <p:txBody>
-          <a:bodyPr/>
-          <a:lstStyle/>
-          <a:p>
-            <a:pPr algn="ctr"/>
-            <a:r>
-              <a:rPr lang="en-US" dirty="0" smtClean="0"/>
-              <a:t>DATABASES</a:t>
-            </a:r>
-            <a:endParaRPr lang="en-US" dirty="0"/>
-          </a:p>
-        </p:txBody>
-      </p:sp>
-      <p:pic>
-        <p:nvPicPr>
-          <p:cNvPr id="7" name="Picture 6"/>
-          <p:cNvPicPr>
-            <a:picLocks noChangeAspect="1"/>
-          </p:cNvPicPr>
-          <p:nvPr/>
-        </p:nvPicPr>
-        <p:blipFill>
-          <a:blip r:embed="rId2">
-            <a:extLst>
-              <a:ext uri="{28A0092B-C50C-407E-A947-70E740481C1C}">
-                <a14:useLocalDpi xmlns:a14="http://schemas.microsoft.com/office/drawing/2010/main" val="0"/>
-              </a:ext>
-            </a:extLst>
-          </a:blip>
-          <a:stretch>
-            <a:fillRect/>
-          </a:stretch>
-        </p:blipFill>
-        <p:spPr>
-          <a:xfrm>
-            <a:off x="2819400" y="2014340"/>
-            <a:ext cx="2971800" cy="3853060"/>
-          </a:xfrm>
-          <a:prstGeom prst="rect">
-            <a:avLst/>
-          </a:prstGeom>
-        </p:spPr>
-      </p:pic>
-      <p:sp>
-        <p:nvSpPr>
-          <p:cNvPr id="6" name="Slide Number Placeholder 5"/>
-          <p:cNvSpPr>
-            <a:spLocks noGrp="1"/>
-          </p:cNvSpPr>
-          <p:nvPr>
-            <p:ph type="sldNum" sz="quarter" idx="12"/>
-          </p:nvPr>
-        </p:nvSpPr>
-        <p:spPr/>
-        <p:txBody>
-          <a:bodyPr/>
-          <a:lstStyle/>
-          <a:p>
-            <a:fld id="{F5D2F33F-CF48-4A62-BD46-4F8E8BF64B22}" type="slidenum">
-              <a:rPr lang="en-US" smtClean="0"/>
-              <a:t>16</a:t>
-            </a:fld>
-            <a:endParaRPr lang="en-US" dirty="0"/>
-          </a:p>
-        </p:txBody>
-      </p:sp>
-    </p:spTree>
-    <p:extLst>
-      <p:ext uri="{BB962C8B-B14F-4D97-AF65-F5344CB8AC3E}">
-        <p14:creationId xmlns:p14="http://schemas.microsoft.com/office/powerpoint/2010/main" val="1813580609"/>
-      </p:ext>
-    </p:extLst>
-  </p:cSld>
-  <p:clrMapOvr>
-    <a:masterClrMapping/>
-  </p:clrMapOvr>
-  <p:timing>
-    <p:tnLst>
-      <p:par>
-        <p:cTn id="1" dur="indefinite" restart="never" nodeType="tmRoot"/>
-      </p:par>
-    </p:tnLst>
-  </p:timing>
-</p:sld>
-</file>
-
-<file path=ppt/slides/slide17.xml><?xml version="1.0" encoding="utf-8"?>
-<p:sld xmlns:a="http://schemas.openxmlformats.org/drawingml/2006/main" xmlns:r="http://schemas.openxmlformats.org/officeDocument/2006/relationships" xmlns:p="http://schemas.openxmlformats.org/presentationml/2006/main">
-  <p:cSld>
-    <p:spTree>
-      <p:nvGrpSpPr>
-        <p:cNvPr id="1" name=""/>
-        <p:cNvGrpSpPr/>
-        <p:nvPr/>
-      </p:nvGrpSpPr>
-      <p:grpSpPr>
-        <a:xfrm>
-          <a:off x="0" y="0"/>
-          <a:ext cx="0" cy="0"/>
-          <a:chOff x="0" y="0"/>
-          <a:chExt cx="0" cy="0"/>
-        </a:xfrm>
-      </p:grpSpPr>
-      <p:sp>
-        <p:nvSpPr>
-          <p:cNvPr id="2" name="Slide Number Placeholder 1"/>
-          <p:cNvSpPr>
-            <a:spLocks noGrp="1"/>
-          </p:cNvSpPr>
-          <p:nvPr>
-            <p:ph type="sldNum" sz="quarter" idx="12"/>
-          </p:nvPr>
-        </p:nvSpPr>
-        <p:spPr/>
-        <p:txBody>
-          <a:bodyPr/>
-          <a:lstStyle/>
-          <a:p>
-            <a:fld id="{F5D2F33F-CF48-4A62-BD46-4F8E8BF64B22}" type="slidenum">
-              <a:rPr lang="en-US" smtClean="0"/>
-              <a:t>17</a:t>
-            </a:fld>
-            <a:endParaRPr lang="en-US" dirty="0"/>
-          </a:p>
-        </p:txBody>
-      </p:sp>
-      <p:sp>
-        <p:nvSpPr>
-          <p:cNvPr id="3" name="TextBox 2"/>
-          <p:cNvSpPr txBox="1"/>
-          <p:nvPr/>
-        </p:nvSpPr>
-        <p:spPr>
-          <a:xfrm>
-            <a:off x="533400" y="457200"/>
-            <a:ext cx="800219" cy="5715000"/>
-          </a:xfrm>
-          <a:prstGeom prst="rect">
-            <a:avLst/>
-          </a:prstGeom>
-          <a:solidFill>
-            <a:schemeClr val="bg1">
-              <a:lumMod val="65000"/>
-            </a:schemeClr>
-          </a:solidFill>
-        </p:spPr>
-        <p:txBody>
-          <a:bodyPr vert="vert270" wrap="square" rtlCol="0">
-            <a:spAutoFit/>
-          </a:bodyPr>
-          <a:lstStyle/>
-          <a:p>
-            <a:pPr algn="ctr"/>
-            <a:r>
-              <a:rPr lang="en-US" sz="4000" dirty="0" smtClean="0"/>
-              <a:t>PROFILE  </a:t>
-            </a:r>
-            <a:endParaRPr lang="en-US" sz="4000" dirty="0"/>
-          </a:p>
-        </p:txBody>
-      </p:sp>
-      <p:pic>
-        <p:nvPicPr>
-          <p:cNvPr id="4" name="Picture 3"/>
-          <p:cNvPicPr>
-            <a:picLocks noChangeAspect="1"/>
-          </p:cNvPicPr>
-          <p:nvPr/>
-        </p:nvPicPr>
-        <p:blipFill>
-          <a:blip r:embed="rId2">
-            <a:extLst>
-              <a:ext uri="{28A0092B-C50C-407E-A947-70E740481C1C}">
-                <a14:useLocalDpi xmlns:a14="http://schemas.microsoft.com/office/drawing/2010/main" val="0"/>
-              </a:ext>
-            </a:extLst>
-          </a:blip>
-          <a:stretch>
-            <a:fillRect/>
-          </a:stretch>
-        </p:blipFill>
-        <p:spPr>
-          <a:xfrm>
-            <a:off x="1752601" y="457201"/>
-            <a:ext cx="7086600" cy="5715000"/>
-          </a:xfrm>
-          <a:prstGeom prst="rect">
-            <a:avLst/>
-          </a:prstGeom>
-        </p:spPr>
-      </p:pic>
-    </p:spTree>
-    <p:extLst>
-      <p:ext uri="{BB962C8B-B14F-4D97-AF65-F5344CB8AC3E}">
-        <p14:creationId xmlns:p14="http://schemas.microsoft.com/office/powerpoint/2010/main" val="1888896312"/>
       </p:ext>
     </p:extLst>
   </p:cSld>
@@ -5743,14 +5709,120 @@
       </p:grpSpPr>
       <p:sp>
         <p:nvSpPr>
+          <p:cNvPr id="2" name="Title 1"/>
+          <p:cNvSpPr>
+            <a:spLocks noGrp="1"/>
+          </p:cNvSpPr>
+          <p:nvPr>
+            <p:ph type="title"/>
+          </p:nvPr>
+        </p:nvSpPr>
+        <p:spPr/>
+        <p:txBody>
+          <a:bodyPr/>
+          <a:lstStyle/>
+          <a:p>
+            <a:pPr algn="ctr"/>
+            <a:r>
+              <a:rPr lang="en-US" dirty="0"/>
+              <a:t>DATABASES</a:t>
+            </a:r>
+          </a:p>
+        </p:txBody>
+      </p:sp>
+      <p:pic>
+        <p:nvPicPr>
+          <p:cNvPr id="7" name="Picture 6"/>
+          <p:cNvPicPr>
+            <a:picLocks noChangeAspect="1"/>
+          </p:cNvPicPr>
+          <p:nvPr/>
+        </p:nvPicPr>
+        <p:blipFill>
+          <a:blip r:embed="rId2">
+            <a:extLst>
+              <a:ext uri="{28A0092B-C50C-407E-A947-70E740481C1C}">
+                <a14:useLocalDpi xmlns:a14="http://schemas.microsoft.com/office/drawing/2010/main" val="0"/>
+              </a:ext>
+            </a:extLst>
+          </a:blip>
+          <a:stretch>
+            <a:fillRect/>
+          </a:stretch>
+        </p:blipFill>
+        <p:spPr>
+          <a:xfrm>
+            <a:off x="2819400" y="2014340"/>
+            <a:ext cx="2971800" cy="3853060"/>
+          </a:xfrm>
+          <a:prstGeom prst="rect">
+            <a:avLst/>
+          </a:prstGeom>
+        </p:spPr>
+      </p:pic>
+      <p:sp>
+        <p:nvSpPr>
+          <p:cNvPr id="6" name="Slide Number Placeholder 5"/>
+          <p:cNvSpPr>
+            <a:spLocks noGrp="1"/>
+          </p:cNvSpPr>
+          <p:nvPr>
+            <p:ph type="sldNum" sz="quarter" idx="12"/>
+          </p:nvPr>
+        </p:nvSpPr>
+        <p:spPr/>
+        <p:txBody>
+          <a:bodyPr/>
+          <a:lstStyle/>
+          <a:p>
+            <a:fld id="{F5D2F33F-CF48-4A62-BD46-4F8E8BF64B22}" type="slidenum">
+              <a:rPr lang="en-US" smtClean="0"/>
+              <a:t>18</a:t>
+            </a:fld>
+            <a:endParaRPr lang="en-US" dirty="0"/>
+          </a:p>
+        </p:txBody>
+      </p:sp>
+    </p:spTree>
+    <p:extLst>
+      <p:ext uri="{BB962C8B-B14F-4D97-AF65-F5344CB8AC3E}">
+        <p14:creationId xmlns:p14="http://schemas.microsoft.com/office/powerpoint/2010/main" val="1813580609"/>
+      </p:ext>
+    </p:extLst>
+  </p:cSld>
+  <p:clrMapOvr>
+    <a:masterClrMapping/>
+  </p:clrMapOvr>
+</p:sld>
+</file>
+
+<file path=ppt/slides/slide19.xml><?xml version="1.0" encoding="utf-8"?>
+<p:sld xmlns:a="http://schemas.openxmlformats.org/drawingml/2006/main" xmlns:r="http://schemas.openxmlformats.org/officeDocument/2006/relationships" xmlns:p="http://schemas.openxmlformats.org/presentationml/2006/main">
+  <p:cSld>
+    <p:spTree>
+      <p:nvGrpSpPr>
+        <p:cNvPr id="1" name=""/>
+        <p:cNvGrpSpPr/>
+        <p:nvPr/>
+      </p:nvGrpSpPr>
+      <p:grpSpPr>
+        <a:xfrm>
+          <a:off x="0" y="0"/>
+          <a:ext cx="0" cy="0"/>
+          <a:chOff x="0" y="0"/>
+          <a:chExt cx="0" cy="0"/>
+        </a:xfrm>
+      </p:grpSpPr>
+      <p:sp>
+        <p:nvSpPr>
           <p:cNvPr id="2" name="TextBox 1"/>
           <p:cNvSpPr txBox="1"/>
           <p:nvPr/>
         </p:nvSpPr>
         <p:spPr>
           <a:xfrm>
-            <a:off x="533400" y="457200"/>
-            <a:ext cx="800219" cy="5867400"/>
+            <a:off x="457200" y="1524000"/>
+            <a:ext cx="800219" cy="5029200"/>
           </a:xfrm>
           <a:prstGeom prst="rect">
             <a:avLst/>
@@ -5769,10 +5841,9 @@
           <a:p>
             <a:pPr algn="ctr"/>
             <a:r>
-              <a:rPr lang="en-US" sz="4000" dirty="0" smtClean="0"/>
-              <a:t>ADMIN PANEL INTERFACE</a:t>
-            </a:r>
-            <a:endParaRPr lang="en-US" sz="4000" dirty="0"/>
+              <a:rPr lang="en-US" sz="4000" dirty="0"/>
+              <a:t>DASHBOARD</a:t>
+            </a:r>
           </a:p>
         </p:txBody>
       </p:sp>
@@ -5798,8 +5869,8 @@
         </p:blipFill>
         <p:spPr>
           <a:xfrm>
-            <a:off x="1600200" y="457200"/>
-            <a:ext cx="7239000" cy="5867400"/>
+            <a:off x="2209800" y="1524000"/>
+            <a:ext cx="6204853" cy="5029200"/>
           </a:xfrm>
           <a:prstGeom prst="rect">
             <a:avLst/>
@@ -5808,217 +5879,32 @@
       </p:pic>
       <p:sp>
         <p:nvSpPr>
-          <p:cNvPr id="7" name="Slide Number Placeholder 6"/>
-          <p:cNvSpPr>
-            <a:spLocks noGrp="1"/>
-          </p:cNvSpPr>
-          <p:nvPr>
-            <p:ph type="sldNum" sz="quarter" idx="12"/>
-          </p:nvPr>
-        </p:nvSpPr>
-        <p:spPr/>
-        <p:txBody>
-          <a:bodyPr/>
-          <a:lstStyle/>
-          <a:p>
-            <a:fld id="{F5D2F33F-CF48-4A62-BD46-4F8E8BF64B22}" type="slidenum">
-              <a:rPr lang="en-US" smtClean="0"/>
-              <a:t>18</a:t>
-            </a:fld>
-            <a:endParaRPr lang="en-US" dirty="0"/>
-          </a:p>
-        </p:txBody>
-      </p:sp>
-    </p:spTree>
-    <p:extLst>
-      <p:ext uri="{BB962C8B-B14F-4D97-AF65-F5344CB8AC3E}">
-        <p14:creationId xmlns:p14="http://schemas.microsoft.com/office/powerpoint/2010/main" val="3709143200"/>
-      </p:ext>
-    </p:extLst>
-  </p:cSld>
-  <p:clrMapOvr>
-    <a:masterClrMapping/>
-  </p:clrMapOvr>
-  <p:timing>
-    <p:tnLst>
-      <p:par>
-        <p:cTn id="1" dur="indefinite" restart="never" nodeType="tmRoot"/>
-      </p:par>
-    </p:tnLst>
-  </p:timing>
-</p:sld>
-</file>
-
-<file path=ppt/slides/slide19.xml><?xml version="1.0" encoding="utf-8"?>
-<p:sld xmlns:a="http://schemas.openxmlformats.org/drawingml/2006/main" xmlns:r="http://schemas.openxmlformats.org/officeDocument/2006/relationships" xmlns:p="http://schemas.openxmlformats.org/presentationml/2006/main">
-  <p:cSld>
-    <p:spTree>
-      <p:nvGrpSpPr>
-        <p:cNvPr id="1" name=""/>
-        <p:cNvGrpSpPr/>
-        <p:nvPr/>
-      </p:nvGrpSpPr>
-      <p:grpSpPr>
-        <a:xfrm>
-          <a:off x="0" y="0"/>
-          <a:ext cx="0" cy="0"/>
-          <a:chOff x="0" y="0"/>
-          <a:chExt cx="0" cy="0"/>
-        </a:xfrm>
-      </p:grpSpPr>
-      <p:pic>
-        <p:nvPicPr>
-          <p:cNvPr id="1028" name="Picture 4" descr="Premium Vector | Cinema background with stars and glowing lamp"/>
-          <p:cNvPicPr>
-            <a:picLocks noChangeAspect="1" noChangeArrowheads="1"/>
-          </p:cNvPicPr>
-          <p:nvPr/>
-        </p:nvPicPr>
-        <p:blipFill>
-          <a:blip r:embed="rId2">
+          <p:cNvPr id="4" name="Title 3">
             <a:extLst>
-              <a:ext uri="{28A0092B-C50C-407E-A947-70E740481C1C}">
-                <a14:useLocalDpi xmlns:a14="http://schemas.microsoft.com/office/drawing/2010/main" val="0"/>
+              <a:ext uri="{FF2B5EF4-FFF2-40B4-BE49-F238E27FC236}">
+                <a16:creationId xmlns:a16="http://schemas.microsoft.com/office/drawing/2014/main" id="{33636318-9B41-052A-7F46-4A207E95E47E}"/>
               </a:ext>
             </a:extLst>
-          </a:blip>
-          <a:srcRect/>
-          <a:stretch>
-            <a:fillRect/>
-          </a:stretch>
-        </p:blipFill>
-        <p:spPr bwMode="auto">
-          <a:xfrm>
-            <a:off x="1" y="0"/>
-            <a:ext cx="9143999" cy="6858000"/>
-          </a:xfrm>
-          <a:prstGeom prst="rect">
-            <a:avLst/>
-          </a:prstGeom>
-          <a:noFill/>
-          <a:extLst>
-            <a:ext uri="{909E8E84-426E-40DD-AFC4-6F175D3DCCD1}">
-              <a14:hiddenFill xmlns:a14="http://schemas.microsoft.com/office/drawing/2010/main">
-                <a:solidFill>
-                  <a:srgbClr val="FFFFFF"/>
-                </a:solidFill>
-              </a14:hiddenFill>
-            </a:ext>
-          </a:extLst>
-        </p:spPr>
-      </p:pic>
-      <p:sp>
-        <p:nvSpPr>
-          <p:cNvPr id="3" name="TextBox 2"/>
-          <p:cNvSpPr txBox="1"/>
-          <p:nvPr/>
-        </p:nvSpPr>
-        <p:spPr>
-          <a:xfrm>
-            <a:off x="2290767" y="2514600"/>
-            <a:ext cx="4471240" cy="1938992"/>
-          </a:xfrm>
-          <a:prstGeom prst="rect">
-            <a:avLst/>
-          </a:prstGeom>
-          <a:noFill/>
-        </p:spPr>
-        <p:txBody>
-          <a:bodyPr wrap="square" rtlCol="0">
-            <a:spAutoFit/>
-            <a:scene3d>
-              <a:camera prst="orthographicFront"/>
-              <a:lightRig rig="flat" dir="tl">
-                <a:rot lat="0" lon="0" rev="6600000"/>
-              </a:lightRig>
-            </a:scene3d>
-            <a:sp3d extrusionH="25400" contourW="8890">
-              <a:bevelT w="38100" h="31750"/>
-              <a:contourClr>
-                <a:schemeClr val="accent2">
-                  <a:shade val="75000"/>
-                </a:schemeClr>
-              </a:contourClr>
-            </a:sp3d>
+          </p:cNvPr>
+          <p:cNvSpPr>
+            <a:spLocks noGrp="1"/>
+          </p:cNvSpPr>
+          <p:nvPr>
+            <p:ph type="title"/>
+          </p:nvPr>
+        </p:nvSpPr>
+        <p:spPr/>
+        <p:txBody>
+          <a:bodyPr>
+            <a:normAutofit/>
           </a:bodyPr>
           <a:lstStyle/>
           <a:p>
-            <a:pPr algn="ctr"/>
-            <a:r>
-              <a:rPr lang="en-US" sz="6000" b="1" dirty="0" smtClean="0">
-                <a:ln w="11430"/>
-                <a:gradFill>
-                  <a:gsLst>
-                    <a:gs pos="0">
-                      <a:schemeClr val="accent2">
-                        <a:tint val="70000"/>
-                        <a:satMod val="245000"/>
-                      </a:schemeClr>
-                    </a:gs>
-                    <a:gs pos="75000">
-                      <a:schemeClr val="accent2">
-                        <a:tint val="90000"/>
-                        <a:shade val="60000"/>
-                        <a:satMod val="240000"/>
-                      </a:schemeClr>
-                    </a:gs>
-                    <a:gs pos="100000">
-                      <a:schemeClr val="accent2">
-                        <a:tint val="100000"/>
-                        <a:shade val="50000"/>
-                        <a:satMod val="240000"/>
-                      </a:schemeClr>
-                    </a:gs>
-                  </a:gsLst>
-                  <a:lin ang="5400000"/>
-                </a:gradFill>
-                <a:effectLst>
-                  <a:outerShdw blurRad="50800" dist="39000" dir="5460000" algn="tl">
-                    <a:srgbClr val="000000">
-                      <a:alpha val="38000"/>
-                    </a:srgbClr>
-                  </a:outerShdw>
-                </a:effectLst>
-                <a:latin typeface="Arial Rounded MT Bold" pitchFamily="34" charset="0"/>
-              </a:rPr>
-              <a:t>THANK YOU</a:t>
-            </a:r>
-            <a:endParaRPr lang="en-US" sz="6000" b="1" dirty="0">
-              <a:ln w="11430"/>
-              <a:gradFill>
-                <a:gsLst>
-                  <a:gs pos="0">
-                    <a:schemeClr val="accent2">
-                      <a:tint val="70000"/>
-                      <a:satMod val="245000"/>
-                    </a:schemeClr>
-                  </a:gs>
-                  <a:gs pos="75000">
-                    <a:schemeClr val="accent2">
-                      <a:tint val="90000"/>
-                      <a:shade val="60000"/>
-                      <a:satMod val="240000"/>
-                    </a:schemeClr>
-                  </a:gs>
-                  <a:gs pos="100000">
-                    <a:schemeClr val="accent2">
-                      <a:tint val="100000"/>
-                      <a:shade val="50000"/>
-                      <a:satMod val="240000"/>
-                    </a:schemeClr>
-                  </a:gs>
-                </a:gsLst>
-                <a:lin ang="5400000"/>
-              </a:gradFill>
-              <a:effectLst>
-                <a:outerShdw blurRad="50800" dist="39000" dir="5460000" algn="tl">
-                  <a:srgbClr val="000000">
-                    <a:alpha val="38000"/>
-                  </a:srgbClr>
-                </a:outerShdw>
-              </a:effectLst>
-              <a:latin typeface="Arial Rounded MT Bold" pitchFamily="34" charset="0"/>
-            </a:endParaRPr>
+            <a:r>
+              <a:rPr lang="en-US" sz="4800" dirty="0"/>
+              <a:t>ADMIN PANEL INTERFACE</a:t>
+            </a:r>
+            <a:endParaRPr lang="en-US" dirty="0"/>
           </a:p>
         </p:txBody>
       </p:sp>
@@ -6048,7 +5934,7 @@
     </p:spTree>
     <p:extLst>
       <p:ext uri="{BB962C8B-B14F-4D97-AF65-F5344CB8AC3E}">
-        <p14:creationId xmlns:p14="http://schemas.microsoft.com/office/powerpoint/2010/main" val="691113282"/>
+        <p14:creationId xmlns:p14="http://schemas.microsoft.com/office/powerpoint/2010/main" val="3709143200"/>
       </p:ext>
     </p:extLst>
   </p:cSld>
@@ -6097,10 +5983,9 @@
           <a:p>
             <a:pPr algn="ctr"/>
             <a:r>
-              <a:rPr lang="en-US" dirty="0" smtClean="0"/>
+              <a:rPr lang="en-US" dirty="0"/>
               <a:t>DESIGN DEVELOPED &amp; MANAGED BY</a:t>
             </a:r>
-            <a:endParaRPr lang="en-US" dirty="0"/>
           </a:p>
         </p:txBody>
       </p:sp>
@@ -6156,7 +6041,7 @@
           </a:bodyPr>
           <a:lstStyle/>
           <a:p>
-            <a:endParaRPr lang="en-US" sz="2400" dirty="0" smtClean="0">
+            <a:endParaRPr lang="en-US" sz="2400" dirty="0">
               <a:solidFill>
                 <a:schemeClr val="bg1"/>
               </a:solidFill>
@@ -6166,7 +6051,7 @@
           </a:p>
           <a:p>
             <a:r>
-              <a:rPr lang="en-US" sz="2400" dirty="0" smtClean="0">
+              <a:rPr lang="en-US" sz="2400" dirty="0">
                 <a:solidFill>
                   <a:schemeClr val="bg1"/>
                 </a:solidFill>
@@ -6178,7 +6063,7 @@
           </a:p>
           <a:p>
             <a:r>
-              <a:rPr lang="en-US" sz="2400" dirty="0" smtClean="0">
+              <a:rPr lang="en-US" sz="2400" dirty="0">
                 <a:solidFill>
                   <a:schemeClr val="bg1"/>
                 </a:solidFill>
@@ -6199,7 +6084,7 @@
           </a:p>
           <a:p>
             <a:r>
-              <a:rPr lang="en-US" sz="2400" dirty="0" smtClean="0">
+              <a:rPr lang="en-US" sz="2400" dirty="0">
                 <a:solidFill>
                   <a:schemeClr val="bg1"/>
                 </a:solidFill>
@@ -6211,7 +6096,7 @@
           </a:p>
           <a:p>
             <a:r>
-              <a:rPr lang="en-US" sz="2400" dirty="0" smtClean="0">
+              <a:rPr lang="en-US" sz="2400" dirty="0">
                 <a:solidFill>
                   <a:schemeClr val="bg1"/>
                 </a:solidFill>
@@ -6232,7 +6117,7 @@
           </a:p>
           <a:p>
             <a:r>
-              <a:rPr lang="en-US" sz="2400" dirty="0" smtClean="0">
+              <a:rPr lang="en-US" sz="2400" dirty="0">
                 <a:solidFill>
                   <a:schemeClr val="bg1"/>
                 </a:solidFill>
@@ -6244,7 +6129,7 @@
           </a:p>
           <a:p>
             <a:r>
-              <a:rPr lang="en-US" sz="2400" dirty="0" smtClean="0">
+              <a:rPr lang="en-US" sz="2400" dirty="0">
                 <a:solidFill>
                   <a:schemeClr val="bg1"/>
                 </a:solidFill>
@@ -6253,13 +6138,6 @@
               </a:rPr>
               <a:t>(STUDENT1320303)</a:t>
             </a:r>
-            <a:endParaRPr lang="en-US" sz="2400" dirty="0">
-              <a:solidFill>
-                <a:schemeClr val="bg1"/>
-              </a:solidFill>
-              <a:latin typeface="Arial" pitchFamily="34" charset="0"/>
-              <a:cs typeface="Arial" pitchFamily="34" charset="0"/>
-            </a:endParaRPr>
           </a:p>
         </p:txBody>
       </p:sp>
@@ -6296,13 +6174,1242 @@
   <p:clrMapOvr>
     <a:masterClrMapping/>
   </p:clrMapOvr>
-  <p:timing>
-    <p:tnLst>
-      <p:par>
-        <p:cTn id="1" dur="indefinite" restart="never" nodeType="tmRoot"/>
-      </p:par>
-    </p:tnLst>
-  </p:timing>
+</p:sld>
+</file>
+
+<file path=ppt/slides/slide20.xml><?xml version="1.0" encoding="utf-8"?>
+<p:sld xmlns:a="http://schemas.openxmlformats.org/drawingml/2006/main" xmlns:r="http://schemas.openxmlformats.org/officeDocument/2006/relationships" xmlns:p="http://schemas.openxmlformats.org/presentationml/2006/main">
+  <p:cSld>
+    <p:spTree>
+      <p:nvGrpSpPr>
+        <p:cNvPr id="1" name=""/>
+        <p:cNvGrpSpPr/>
+        <p:nvPr/>
+      </p:nvGrpSpPr>
+      <p:grpSpPr>
+        <a:xfrm>
+          <a:off x="0" y="0"/>
+          <a:ext cx="0" cy="0"/>
+          <a:chOff x="0" y="0"/>
+          <a:chExt cx="0" cy="0"/>
+        </a:xfrm>
+      </p:grpSpPr>
+      <p:sp>
+        <p:nvSpPr>
+          <p:cNvPr id="2" name="TextBox 1"/>
+          <p:cNvSpPr txBox="1"/>
+          <p:nvPr/>
+        </p:nvSpPr>
+        <p:spPr>
+          <a:xfrm>
+            <a:off x="304800" y="457200"/>
+            <a:ext cx="800219" cy="5867400"/>
+          </a:xfrm>
+          <a:prstGeom prst="rect">
+            <a:avLst/>
+          </a:prstGeom>
+          <a:solidFill>
+            <a:schemeClr val="bg1">
+              <a:lumMod val="65000"/>
+            </a:schemeClr>
+          </a:solidFill>
+        </p:spPr>
+        <p:txBody>
+          <a:bodyPr vert="vert270" wrap="square" rtlCol="0">
+            <a:spAutoFit/>
+          </a:bodyPr>
+          <a:lstStyle/>
+          <a:p>
+            <a:pPr algn="ctr"/>
+            <a:r>
+              <a:rPr lang="en-US" sz="4000" dirty="0"/>
+              <a:t>MOVIES</a:t>
+            </a:r>
+          </a:p>
+        </p:txBody>
+      </p:sp>
+      <p:sp>
+        <p:nvSpPr>
+          <p:cNvPr id="7" name="Slide Number Placeholder 6"/>
+          <p:cNvSpPr>
+            <a:spLocks noGrp="1"/>
+          </p:cNvSpPr>
+          <p:nvPr>
+            <p:ph type="sldNum" sz="quarter" idx="12"/>
+          </p:nvPr>
+        </p:nvSpPr>
+        <p:spPr/>
+        <p:txBody>
+          <a:bodyPr/>
+          <a:lstStyle/>
+          <a:p>
+            <a:fld id="{F5D2F33F-CF48-4A62-BD46-4F8E8BF64B22}" type="slidenum">
+              <a:rPr lang="en-US" smtClean="0"/>
+              <a:t>20</a:t>
+            </a:fld>
+            <a:endParaRPr lang="en-US" dirty="0"/>
+          </a:p>
+        </p:txBody>
+      </p:sp>
+      <p:pic>
+        <p:nvPicPr>
+          <p:cNvPr id="5" name="Picture 4">
+            <a:extLst>
+              <a:ext uri="{FF2B5EF4-FFF2-40B4-BE49-F238E27FC236}">
+                <a16:creationId xmlns:a16="http://schemas.microsoft.com/office/drawing/2014/main" id="{BB8ADD53-0E44-93EF-9B93-BB20AF6C50E9}"/>
+              </a:ext>
+            </a:extLst>
+          </p:cNvPr>
+          <p:cNvPicPr>
+            <a:picLocks noChangeAspect="1"/>
+          </p:cNvPicPr>
+          <p:nvPr/>
+        </p:nvPicPr>
+        <p:blipFill>
+          <a:blip r:embed="rId2">
+            <a:extLst>
+              <a:ext uri="{28A0092B-C50C-407E-A947-70E740481C1C}">
+                <a14:useLocalDpi xmlns:a14="http://schemas.microsoft.com/office/drawing/2010/main" val="0"/>
+              </a:ext>
+            </a:extLst>
+          </a:blip>
+          <a:stretch>
+            <a:fillRect/>
+          </a:stretch>
+        </p:blipFill>
+        <p:spPr>
+          <a:xfrm>
+            <a:off x="1345727" y="1249680"/>
+            <a:ext cx="7645873" cy="4663440"/>
+          </a:xfrm>
+          <a:prstGeom prst="rect">
+            <a:avLst/>
+          </a:prstGeom>
+        </p:spPr>
+      </p:pic>
+    </p:spTree>
+    <p:extLst>
+      <p:ext uri="{BB962C8B-B14F-4D97-AF65-F5344CB8AC3E}">
+        <p14:creationId xmlns:p14="http://schemas.microsoft.com/office/powerpoint/2010/main" val="1994399297"/>
+      </p:ext>
+    </p:extLst>
+  </p:cSld>
+  <p:clrMapOvr>
+    <a:masterClrMapping/>
+  </p:clrMapOvr>
+</p:sld>
+</file>
+
+<file path=ppt/slides/slide21.xml><?xml version="1.0" encoding="utf-8"?>
+<p:sld xmlns:a="http://schemas.openxmlformats.org/drawingml/2006/main" xmlns:r="http://schemas.openxmlformats.org/officeDocument/2006/relationships" xmlns:p="http://schemas.openxmlformats.org/presentationml/2006/main">
+  <p:cSld>
+    <p:spTree>
+      <p:nvGrpSpPr>
+        <p:cNvPr id="1" name=""/>
+        <p:cNvGrpSpPr/>
+        <p:nvPr/>
+      </p:nvGrpSpPr>
+      <p:grpSpPr>
+        <a:xfrm>
+          <a:off x="0" y="0"/>
+          <a:ext cx="0" cy="0"/>
+          <a:chOff x="0" y="0"/>
+          <a:chExt cx="0" cy="0"/>
+        </a:xfrm>
+      </p:grpSpPr>
+      <p:sp>
+        <p:nvSpPr>
+          <p:cNvPr id="2" name="TextBox 1"/>
+          <p:cNvSpPr txBox="1"/>
+          <p:nvPr/>
+        </p:nvSpPr>
+        <p:spPr>
+          <a:xfrm>
+            <a:off x="304800" y="457200"/>
+            <a:ext cx="800219" cy="5867400"/>
+          </a:xfrm>
+          <a:prstGeom prst="rect">
+            <a:avLst/>
+          </a:prstGeom>
+          <a:solidFill>
+            <a:schemeClr val="bg1">
+              <a:lumMod val="65000"/>
+            </a:schemeClr>
+          </a:solidFill>
+        </p:spPr>
+        <p:txBody>
+          <a:bodyPr vert="vert270" wrap="square" rtlCol="0">
+            <a:spAutoFit/>
+          </a:bodyPr>
+          <a:lstStyle/>
+          <a:p>
+            <a:pPr algn="ctr"/>
+            <a:r>
+              <a:rPr lang="en-US" sz="4000" dirty="0"/>
+              <a:t>THEATER</a:t>
+            </a:r>
+          </a:p>
+        </p:txBody>
+      </p:sp>
+      <p:sp>
+        <p:nvSpPr>
+          <p:cNvPr id="7" name="Slide Number Placeholder 6"/>
+          <p:cNvSpPr>
+            <a:spLocks noGrp="1"/>
+          </p:cNvSpPr>
+          <p:nvPr>
+            <p:ph type="sldNum" sz="quarter" idx="12"/>
+          </p:nvPr>
+        </p:nvSpPr>
+        <p:spPr/>
+        <p:txBody>
+          <a:bodyPr/>
+          <a:lstStyle/>
+          <a:p>
+            <a:fld id="{F5D2F33F-CF48-4A62-BD46-4F8E8BF64B22}" type="slidenum">
+              <a:rPr lang="en-US" smtClean="0"/>
+              <a:t>21</a:t>
+            </a:fld>
+            <a:endParaRPr lang="en-US" dirty="0"/>
+          </a:p>
+        </p:txBody>
+      </p:sp>
+      <p:pic>
+        <p:nvPicPr>
+          <p:cNvPr id="4" name="Picture 3">
+            <a:extLst>
+              <a:ext uri="{FF2B5EF4-FFF2-40B4-BE49-F238E27FC236}">
+                <a16:creationId xmlns:a16="http://schemas.microsoft.com/office/drawing/2014/main" id="{C8A28856-FE05-BA65-A4FE-D6063206FB91}"/>
+              </a:ext>
+            </a:extLst>
+          </p:cNvPr>
+          <p:cNvPicPr>
+            <a:picLocks noChangeAspect="1"/>
+          </p:cNvPicPr>
+          <p:nvPr/>
+        </p:nvPicPr>
+        <p:blipFill>
+          <a:blip r:embed="rId2">
+            <a:extLst>
+              <a:ext uri="{28A0092B-C50C-407E-A947-70E740481C1C}">
+                <a14:useLocalDpi xmlns:a14="http://schemas.microsoft.com/office/drawing/2010/main" val="0"/>
+              </a:ext>
+            </a:extLst>
+          </a:blip>
+          <a:stretch>
+            <a:fillRect/>
+          </a:stretch>
+        </p:blipFill>
+        <p:spPr>
+          <a:xfrm>
+            <a:off x="1315979" y="1254833"/>
+            <a:ext cx="7613814" cy="4348334"/>
+          </a:xfrm>
+          <a:prstGeom prst="rect">
+            <a:avLst/>
+          </a:prstGeom>
+        </p:spPr>
+      </p:pic>
+    </p:spTree>
+    <p:extLst>
+      <p:ext uri="{BB962C8B-B14F-4D97-AF65-F5344CB8AC3E}">
+        <p14:creationId xmlns:p14="http://schemas.microsoft.com/office/powerpoint/2010/main" val="3459294605"/>
+      </p:ext>
+    </p:extLst>
+  </p:cSld>
+  <p:clrMapOvr>
+    <a:masterClrMapping/>
+  </p:clrMapOvr>
+</p:sld>
+</file>
+
+<file path=ppt/slides/slide22.xml><?xml version="1.0" encoding="utf-8"?>
+<p:sld xmlns:a="http://schemas.openxmlformats.org/drawingml/2006/main" xmlns:r="http://schemas.openxmlformats.org/officeDocument/2006/relationships" xmlns:p="http://schemas.openxmlformats.org/presentationml/2006/main">
+  <p:cSld>
+    <p:spTree>
+      <p:nvGrpSpPr>
+        <p:cNvPr id="1" name=""/>
+        <p:cNvGrpSpPr/>
+        <p:nvPr/>
+      </p:nvGrpSpPr>
+      <p:grpSpPr>
+        <a:xfrm>
+          <a:off x="0" y="0"/>
+          <a:ext cx="0" cy="0"/>
+          <a:chOff x="0" y="0"/>
+          <a:chExt cx="0" cy="0"/>
+        </a:xfrm>
+      </p:grpSpPr>
+      <p:sp>
+        <p:nvSpPr>
+          <p:cNvPr id="2" name="TextBox 1"/>
+          <p:cNvSpPr txBox="1"/>
+          <p:nvPr/>
+        </p:nvSpPr>
+        <p:spPr>
+          <a:xfrm>
+            <a:off x="457200" y="1524000"/>
+            <a:ext cx="800219" cy="5029200"/>
+          </a:xfrm>
+          <a:prstGeom prst="rect">
+            <a:avLst/>
+          </a:prstGeom>
+          <a:solidFill>
+            <a:schemeClr val="bg1">
+              <a:lumMod val="65000"/>
+            </a:schemeClr>
+          </a:solidFill>
+        </p:spPr>
+        <p:txBody>
+          <a:bodyPr vert="vert270" wrap="square" rtlCol="0">
+            <a:spAutoFit/>
+          </a:bodyPr>
+          <a:lstStyle/>
+          <a:p>
+            <a:pPr algn="ctr"/>
+            <a:r>
+              <a:rPr lang="en-US" sz="4000" dirty="0"/>
+              <a:t>DASHBOARD</a:t>
+            </a:r>
+          </a:p>
+        </p:txBody>
+      </p:sp>
+      <p:sp>
+        <p:nvSpPr>
+          <p:cNvPr id="4" name="Title 3">
+            <a:extLst>
+              <a:ext uri="{FF2B5EF4-FFF2-40B4-BE49-F238E27FC236}">
+                <a16:creationId xmlns:a16="http://schemas.microsoft.com/office/drawing/2014/main" id="{33636318-9B41-052A-7F46-4A207E95E47E}"/>
+              </a:ext>
+            </a:extLst>
+          </p:cNvPr>
+          <p:cNvSpPr>
+            <a:spLocks noGrp="1"/>
+          </p:cNvSpPr>
+          <p:nvPr>
+            <p:ph type="title"/>
+          </p:nvPr>
+        </p:nvSpPr>
+        <p:spPr/>
+        <p:txBody>
+          <a:bodyPr>
+            <a:normAutofit/>
+          </a:bodyPr>
+          <a:lstStyle/>
+          <a:p>
+            <a:pPr algn="ctr"/>
+            <a:r>
+              <a:rPr lang="en-US" dirty="0"/>
+              <a:t>SOURCE CODE</a:t>
+            </a:r>
+          </a:p>
+        </p:txBody>
+      </p:sp>
+      <p:sp>
+        <p:nvSpPr>
+          <p:cNvPr id="7" name="Slide Number Placeholder 6"/>
+          <p:cNvSpPr>
+            <a:spLocks noGrp="1"/>
+          </p:cNvSpPr>
+          <p:nvPr>
+            <p:ph type="sldNum" sz="quarter" idx="12"/>
+          </p:nvPr>
+        </p:nvSpPr>
+        <p:spPr/>
+        <p:txBody>
+          <a:bodyPr/>
+          <a:lstStyle/>
+          <a:p>
+            <a:fld id="{F5D2F33F-CF48-4A62-BD46-4F8E8BF64B22}" type="slidenum">
+              <a:rPr lang="en-US" smtClean="0"/>
+              <a:t>22</a:t>
+            </a:fld>
+            <a:endParaRPr lang="en-US" dirty="0"/>
+          </a:p>
+        </p:txBody>
+      </p:sp>
+      <p:pic>
+        <p:nvPicPr>
+          <p:cNvPr id="6" name="Picture 5">
+            <a:extLst>
+              <a:ext uri="{FF2B5EF4-FFF2-40B4-BE49-F238E27FC236}">
+                <a16:creationId xmlns:a16="http://schemas.microsoft.com/office/drawing/2014/main" id="{BE696103-6AEE-A037-6963-90F8A2581EEA}"/>
+              </a:ext>
+            </a:extLst>
+          </p:cNvPr>
+          <p:cNvPicPr>
+            <a:picLocks noChangeAspect="1"/>
+          </p:cNvPicPr>
+          <p:nvPr/>
+        </p:nvPicPr>
+        <p:blipFill>
+          <a:blip r:embed="rId2"/>
+          <a:stretch>
+            <a:fillRect/>
+          </a:stretch>
+        </p:blipFill>
+        <p:spPr>
+          <a:xfrm>
+            <a:off x="2224046" y="1628024"/>
+            <a:ext cx="5629275" cy="5088865"/>
+          </a:xfrm>
+          <a:prstGeom prst="rect">
+            <a:avLst/>
+          </a:prstGeom>
+        </p:spPr>
+      </p:pic>
+    </p:spTree>
+    <p:extLst>
+      <p:ext uri="{BB962C8B-B14F-4D97-AF65-F5344CB8AC3E}">
+        <p14:creationId xmlns:p14="http://schemas.microsoft.com/office/powerpoint/2010/main" val="4035309877"/>
+      </p:ext>
+    </p:extLst>
+  </p:cSld>
+  <p:clrMapOvr>
+    <a:masterClrMapping/>
+  </p:clrMapOvr>
+</p:sld>
+</file>
+
+<file path=ppt/slides/slide23.xml><?xml version="1.0" encoding="utf-8"?>
+<p:sld xmlns:a="http://schemas.openxmlformats.org/drawingml/2006/main" xmlns:r="http://schemas.openxmlformats.org/officeDocument/2006/relationships" xmlns:p="http://schemas.openxmlformats.org/presentationml/2006/main">
+  <p:cSld>
+    <p:spTree>
+      <p:nvGrpSpPr>
+        <p:cNvPr id="1" name=""/>
+        <p:cNvGrpSpPr/>
+        <p:nvPr/>
+      </p:nvGrpSpPr>
+      <p:grpSpPr>
+        <a:xfrm>
+          <a:off x="0" y="0"/>
+          <a:ext cx="0" cy="0"/>
+          <a:chOff x="0" y="0"/>
+          <a:chExt cx="0" cy="0"/>
+        </a:xfrm>
+      </p:grpSpPr>
+      <p:sp>
+        <p:nvSpPr>
+          <p:cNvPr id="2" name="TextBox 1"/>
+          <p:cNvSpPr txBox="1"/>
+          <p:nvPr/>
+        </p:nvSpPr>
+        <p:spPr>
+          <a:xfrm>
+            <a:off x="304800" y="457200"/>
+            <a:ext cx="800219" cy="5867400"/>
+          </a:xfrm>
+          <a:prstGeom prst="rect">
+            <a:avLst/>
+          </a:prstGeom>
+          <a:solidFill>
+            <a:schemeClr val="bg1">
+              <a:lumMod val="65000"/>
+            </a:schemeClr>
+          </a:solidFill>
+        </p:spPr>
+        <p:txBody>
+          <a:bodyPr vert="vert270" wrap="square" rtlCol="0">
+            <a:spAutoFit/>
+          </a:bodyPr>
+          <a:lstStyle/>
+          <a:p>
+            <a:pPr algn="ctr"/>
+            <a:r>
+              <a:rPr lang="en-US" sz="4000" dirty="0"/>
+              <a:t>SCHEDULE (</a:t>
+            </a:r>
+            <a:r>
+              <a:rPr lang="en-US" sz="4000" dirty="0" err="1"/>
+              <a:t>php</a:t>
+            </a:r>
+            <a:r>
+              <a:rPr lang="en-US" sz="4000" dirty="0"/>
+              <a:t>)</a:t>
+            </a:r>
+          </a:p>
+        </p:txBody>
+      </p:sp>
+      <p:sp>
+        <p:nvSpPr>
+          <p:cNvPr id="7" name="Slide Number Placeholder 6"/>
+          <p:cNvSpPr>
+            <a:spLocks noGrp="1"/>
+          </p:cNvSpPr>
+          <p:nvPr>
+            <p:ph type="sldNum" sz="quarter" idx="12"/>
+          </p:nvPr>
+        </p:nvSpPr>
+        <p:spPr/>
+        <p:txBody>
+          <a:bodyPr/>
+          <a:lstStyle/>
+          <a:p>
+            <a:fld id="{F5D2F33F-CF48-4A62-BD46-4F8E8BF64B22}" type="slidenum">
+              <a:rPr lang="en-US" smtClean="0"/>
+              <a:t>23</a:t>
+            </a:fld>
+            <a:endParaRPr lang="en-US" dirty="0"/>
+          </a:p>
+        </p:txBody>
+      </p:sp>
+      <p:pic>
+        <p:nvPicPr>
+          <p:cNvPr id="5" name="Picture 4">
+            <a:extLst>
+              <a:ext uri="{FF2B5EF4-FFF2-40B4-BE49-F238E27FC236}">
+                <a16:creationId xmlns:a16="http://schemas.microsoft.com/office/drawing/2014/main" id="{6C36772C-18D5-CE66-FA43-163F52A85416}"/>
+              </a:ext>
+            </a:extLst>
+          </p:cNvPr>
+          <p:cNvPicPr>
+            <a:picLocks noChangeAspect="1"/>
+          </p:cNvPicPr>
+          <p:nvPr/>
+        </p:nvPicPr>
+        <p:blipFill>
+          <a:blip r:embed="rId2"/>
+          <a:stretch>
+            <a:fillRect/>
+          </a:stretch>
+        </p:blipFill>
+        <p:spPr>
+          <a:xfrm>
+            <a:off x="1676400" y="762000"/>
+            <a:ext cx="6156509" cy="5181600"/>
+          </a:xfrm>
+          <a:prstGeom prst="rect">
+            <a:avLst/>
+          </a:prstGeom>
+        </p:spPr>
+      </p:pic>
+    </p:spTree>
+    <p:extLst>
+      <p:ext uri="{BB962C8B-B14F-4D97-AF65-F5344CB8AC3E}">
+        <p14:creationId xmlns:p14="http://schemas.microsoft.com/office/powerpoint/2010/main" val="1520021772"/>
+      </p:ext>
+    </p:extLst>
+  </p:cSld>
+  <p:clrMapOvr>
+    <a:masterClrMapping/>
+  </p:clrMapOvr>
+</p:sld>
+</file>
+
+<file path=ppt/slides/slide24.xml><?xml version="1.0" encoding="utf-8"?>
+<p:sld xmlns:a="http://schemas.openxmlformats.org/drawingml/2006/main" xmlns:r="http://schemas.openxmlformats.org/officeDocument/2006/relationships" xmlns:p="http://schemas.openxmlformats.org/presentationml/2006/main">
+  <p:cSld>
+    <p:spTree>
+      <p:nvGrpSpPr>
+        <p:cNvPr id="1" name=""/>
+        <p:cNvGrpSpPr/>
+        <p:nvPr/>
+      </p:nvGrpSpPr>
+      <p:grpSpPr>
+        <a:xfrm>
+          <a:off x="0" y="0"/>
+          <a:ext cx="0" cy="0"/>
+          <a:chOff x="0" y="0"/>
+          <a:chExt cx="0" cy="0"/>
+        </a:xfrm>
+      </p:grpSpPr>
+      <p:sp>
+        <p:nvSpPr>
+          <p:cNvPr id="2" name="TextBox 1"/>
+          <p:cNvSpPr txBox="1"/>
+          <p:nvPr/>
+        </p:nvSpPr>
+        <p:spPr>
+          <a:xfrm>
+            <a:off x="304800" y="457200"/>
+            <a:ext cx="800219" cy="5867400"/>
+          </a:xfrm>
+          <a:prstGeom prst="rect">
+            <a:avLst/>
+          </a:prstGeom>
+          <a:solidFill>
+            <a:schemeClr val="bg1">
+              <a:lumMod val="65000"/>
+            </a:schemeClr>
+          </a:solidFill>
+        </p:spPr>
+        <p:txBody>
+          <a:bodyPr vert="vert270" wrap="square" rtlCol="0">
+            <a:spAutoFit/>
+          </a:bodyPr>
+          <a:lstStyle/>
+          <a:p>
+            <a:pPr algn="ctr"/>
+            <a:r>
+              <a:rPr lang="en-US" sz="4000" dirty="0"/>
+              <a:t>SCHEDULE (html)</a:t>
+            </a:r>
+          </a:p>
+        </p:txBody>
+      </p:sp>
+      <p:sp>
+        <p:nvSpPr>
+          <p:cNvPr id="7" name="Slide Number Placeholder 6"/>
+          <p:cNvSpPr>
+            <a:spLocks noGrp="1"/>
+          </p:cNvSpPr>
+          <p:nvPr>
+            <p:ph type="sldNum" sz="quarter" idx="12"/>
+          </p:nvPr>
+        </p:nvSpPr>
+        <p:spPr/>
+        <p:txBody>
+          <a:bodyPr/>
+          <a:lstStyle/>
+          <a:p>
+            <a:fld id="{F5D2F33F-CF48-4A62-BD46-4F8E8BF64B22}" type="slidenum">
+              <a:rPr lang="en-US" smtClean="0"/>
+              <a:t>24</a:t>
+            </a:fld>
+            <a:endParaRPr lang="en-US" dirty="0"/>
+          </a:p>
+        </p:txBody>
+      </p:sp>
+      <p:pic>
+        <p:nvPicPr>
+          <p:cNvPr id="4" name="Picture 3">
+            <a:extLst>
+              <a:ext uri="{FF2B5EF4-FFF2-40B4-BE49-F238E27FC236}">
+                <a16:creationId xmlns:a16="http://schemas.microsoft.com/office/drawing/2014/main" id="{AF1302BA-5D41-E5F2-8A0E-A213E5CE4185}"/>
+              </a:ext>
+            </a:extLst>
+          </p:cNvPr>
+          <p:cNvPicPr>
+            <a:picLocks noChangeAspect="1"/>
+          </p:cNvPicPr>
+          <p:nvPr/>
+        </p:nvPicPr>
+        <p:blipFill>
+          <a:blip r:embed="rId2"/>
+          <a:stretch>
+            <a:fillRect/>
+          </a:stretch>
+        </p:blipFill>
+        <p:spPr>
+          <a:xfrm>
+            <a:off x="1600200" y="457200"/>
+            <a:ext cx="7083708" cy="5867400"/>
+          </a:xfrm>
+          <a:prstGeom prst="rect">
+            <a:avLst/>
+          </a:prstGeom>
+        </p:spPr>
+      </p:pic>
+    </p:spTree>
+    <p:extLst>
+      <p:ext uri="{BB962C8B-B14F-4D97-AF65-F5344CB8AC3E}">
+        <p14:creationId xmlns:p14="http://schemas.microsoft.com/office/powerpoint/2010/main" val="1128028857"/>
+      </p:ext>
+    </p:extLst>
+  </p:cSld>
+  <p:clrMapOvr>
+    <a:masterClrMapping/>
+  </p:clrMapOvr>
+</p:sld>
+</file>
+
+<file path=ppt/slides/slide25.xml><?xml version="1.0" encoding="utf-8"?>
+<p:sld xmlns:a="http://schemas.openxmlformats.org/drawingml/2006/main" xmlns:r="http://schemas.openxmlformats.org/officeDocument/2006/relationships" xmlns:p="http://schemas.openxmlformats.org/presentationml/2006/main">
+  <p:cSld>
+    <p:spTree>
+      <p:nvGrpSpPr>
+        <p:cNvPr id="1" name=""/>
+        <p:cNvGrpSpPr/>
+        <p:nvPr/>
+      </p:nvGrpSpPr>
+      <p:grpSpPr>
+        <a:xfrm>
+          <a:off x="0" y="0"/>
+          <a:ext cx="0" cy="0"/>
+          <a:chOff x="0" y="0"/>
+          <a:chExt cx="0" cy="0"/>
+        </a:xfrm>
+      </p:grpSpPr>
+      <p:sp>
+        <p:nvSpPr>
+          <p:cNvPr id="2" name="TextBox 1"/>
+          <p:cNvSpPr txBox="1"/>
+          <p:nvPr/>
+        </p:nvSpPr>
+        <p:spPr>
+          <a:xfrm>
+            <a:off x="304800" y="457200"/>
+            <a:ext cx="800219" cy="5867400"/>
+          </a:xfrm>
+          <a:prstGeom prst="rect">
+            <a:avLst/>
+          </a:prstGeom>
+          <a:solidFill>
+            <a:schemeClr val="bg1">
+              <a:lumMod val="65000"/>
+            </a:schemeClr>
+          </a:solidFill>
+        </p:spPr>
+        <p:txBody>
+          <a:bodyPr vert="vert270" wrap="square" rtlCol="0">
+            <a:spAutoFit/>
+          </a:bodyPr>
+          <a:lstStyle/>
+          <a:p>
+            <a:pPr algn="ctr"/>
+            <a:r>
+              <a:rPr lang="en-US" sz="4000" dirty="0"/>
+              <a:t>THEATER (</a:t>
+            </a:r>
+            <a:r>
+              <a:rPr lang="en-US" sz="4000" dirty="0" err="1"/>
+              <a:t>php</a:t>
+            </a:r>
+            <a:r>
+              <a:rPr lang="en-US" sz="4000" dirty="0"/>
+              <a:t>)</a:t>
+            </a:r>
+          </a:p>
+        </p:txBody>
+      </p:sp>
+      <p:sp>
+        <p:nvSpPr>
+          <p:cNvPr id="7" name="Slide Number Placeholder 6"/>
+          <p:cNvSpPr>
+            <a:spLocks noGrp="1"/>
+          </p:cNvSpPr>
+          <p:nvPr>
+            <p:ph type="sldNum" sz="quarter" idx="12"/>
+          </p:nvPr>
+        </p:nvSpPr>
+        <p:spPr/>
+        <p:txBody>
+          <a:bodyPr/>
+          <a:lstStyle/>
+          <a:p>
+            <a:fld id="{F5D2F33F-CF48-4A62-BD46-4F8E8BF64B22}" type="slidenum">
+              <a:rPr lang="en-US" smtClean="0"/>
+              <a:t>25</a:t>
+            </a:fld>
+            <a:endParaRPr lang="en-US" dirty="0"/>
+          </a:p>
+        </p:txBody>
+      </p:sp>
+      <p:pic>
+        <p:nvPicPr>
+          <p:cNvPr id="5" name="Picture 4">
+            <a:extLst>
+              <a:ext uri="{FF2B5EF4-FFF2-40B4-BE49-F238E27FC236}">
+                <a16:creationId xmlns:a16="http://schemas.microsoft.com/office/drawing/2014/main" id="{1A5706C6-04CB-0801-4C7C-05A7D1692DF7}"/>
+              </a:ext>
+            </a:extLst>
+          </p:cNvPr>
+          <p:cNvPicPr>
+            <a:picLocks noChangeAspect="1"/>
+          </p:cNvPicPr>
+          <p:nvPr/>
+        </p:nvPicPr>
+        <p:blipFill>
+          <a:blip r:embed="rId2"/>
+          <a:stretch>
+            <a:fillRect/>
+          </a:stretch>
+        </p:blipFill>
+        <p:spPr>
+          <a:xfrm>
+            <a:off x="1600200" y="453278"/>
+            <a:ext cx="7119938" cy="5863478"/>
+          </a:xfrm>
+          <a:prstGeom prst="rect">
+            <a:avLst/>
+          </a:prstGeom>
+        </p:spPr>
+      </p:pic>
+    </p:spTree>
+    <p:extLst>
+      <p:ext uri="{BB962C8B-B14F-4D97-AF65-F5344CB8AC3E}">
+        <p14:creationId xmlns:p14="http://schemas.microsoft.com/office/powerpoint/2010/main" val="1531256805"/>
+      </p:ext>
+    </p:extLst>
+  </p:cSld>
+  <p:clrMapOvr>
+    <a:masterClrMapping/>
+  </p:clrMapOvr>
+</p:sld>
+</file>
+
+<file path=ppt/slides/slide26.xml><?xml version="1.0" encoding="utf-8"?>
+<p:sld xmlns:a="http://schemas.openxmlformats.org/drawingml/2006/main" xmlns:r="http://schemas.openxmlformats.org/officeDocument/2006/relationships" xmlns:p="http://schemas.openxmlformats.org/presentationml/2006/main">
+  <p:cSld>
+    <p:spTree>
+      <p:nvGrpSpPr>
+        <p:cNvPr id="1" name=""/>
+        <p:cNvGrpSpPr/>
+        <p:nvPr/>
+      </p:nvGrpSpPr>
+      <p:grpSpPr>
+        <a:xfrm>
+          <a:off x="0" y="0"/>
+          <a:ext cx="0" cy="0"/>
+          <a:chOff x="0" y="0"/>
+          <a:chExt cx="0" cy="0"/>
+        </a:xfrm>
+      </p:grpSpPr>
+      <p:sp>
+        <p:nvSpPr>
+          <p:cNvPr id="2" name="TextBox 1"/>
+          <p:cNvSpPr txBox="1"/>
+          <p:nvPr/>
+        </p:nvSpPr>
+        <p:spPr>
+          <a:xfrm>
+            <a:off x="304800" y="457200"/>
+            <a:ext cx="800219" cy="5867400"/>
+          </a:xfrm>
+          <a:prstGeom prst="rect">
+            <a:avLst/>
+          </a:prstGeom>
+          <a:solidFill>
+            <a:schemeClr val="bg1">
+              <a:lumMod val="65000"/>
+            </a:schemeClr>
+          </a:solidFill>
+        </p:spPr>
+        <p:txBody>
+          <a:bodyPr vert="vert270" wrap="square" rtlCol="0">
+            <a:spAutoFit/>
+          </a:bodyPr>
+          <a:lstStyle/>
+          <a:p>
+            <a:pPr algn="ctr"/>
+            <a:r>
+              <a:rPr lang="en-US" sz="4000" dirty="0"/>
+              <a:t>THEATER (html)</a:t>
+            </a:r>
+          </a:p>
+        </p:txBody>
+      </p:sp>
+      <p:sp>
+        <p:nvSpPr>
+          <p:cNvPr id="7" name="Slide Number Placeholder 6"/>
+          <p:cNvSpPr>
+            <a:spLocks noGrp="1"/>
+          </p:cNvSpPr>
+          <p:nvPr>
+            <p:ph type="sldNum" sz="quarter" idx="12"/>
+          </p:nvPr>
+        </p:nvSpPr>
+        <p:spPr/>
+        <p:txBody>
+          <a:bodyPr/>
+          <a:lstStyle/>
+          <a:p>
+            <a:fld id="{F5D2F33F-CF48-4A62-BD46-4F8E8BF64B22}" type="slidenum">
+              <a:rPr lang="en-US" smtClean="0"/>
+              <a:t>26</a:t>
+            </a:fld>
+            <a:endParaRPr lang="en-US" dirty="0"/>
+          </a:p>
+        </p:txBody>
+      </p:sp>
+      <p:pic>
+        <p:nvPicPr>
+          <p:cNvPr id="4" name="Picture 3">
+            <a:extLst>
+              <a:ext uri="{FF2B5EF4-FFF2-40B4-BE49-F238E27FC236}">
+                <a16:creationId xmlns:a16="http://schemas.microsoft.com/office/drawing/2014/main" id="{82F9D88D-287E-35A9-EFD4-AF582E2CAD71}"/>
+              </a:ext>
+            </a:extLst>
+          </p:cNvPr>
+          <p:cNvPicPr>
+            <a:picLocks noChangeAspect="1"/>
+          </p:cNvPicPr>
+          <p:nvPr/>
+        </p:nvPicPr>
+        <p:blipFill>
+          <a:blip r:embed="rId2"/>
+          <a:stretch>
+            <a:fillRect/>
+          </a:stretch>
+        </p:blipFill>
+        <p:spPr>
+          <a:xfrm>
+            <a:off x="1600200" y="447337"/>
+            <a:ext cx="7239000" cy="5880085"/>
+          </a:xfrm>
+          <a:prstGeom prst="rect">
+            <a:avLst/>
+          </a:prstGeom>
+        </p:spPr>
+      </p:pic>
+    </p:spTree>
+    <p:extLst>
+      <p:ext uri="{BB962C8B-B14F-4D97-AF65-F5344CB8AC3E}">
+        <p14:creationId xmlns:p14="http://schemas.microsoft.com/office/powerpoint/2010/main" val="3543483449"/>
+      </p:ext>
+    </p:extLst>
+  </p:cSld>
+  <p:clrMapOvr>
+    <a:masterClrMapping/>
+  </p:clrMapOvr>
+</p:sld>
+</file>
+
+<file path=ppt/slides/slide27.xml><?xml version="1.0" encoding="utf-8"?>
+<p:sld xmlns:a="http://schemas.openxmlformats.org/drawingml/2006/main" xmlns:r="http://schemas.openxmlformats.org/officeDocument/2006/relationships" xmlns:p="http://schemas.openxmlformats.org/presentationml/2006/main">
+  <p:cSld>
+    <p:spTree>
+      <p:nvGrpSpPr>
+        <p:cNvPr id="1" name=""/>
+        <p:cNvGrpSpPr/>
+        <p:nvPr/>
+      </p:nvGrpSpPr>
+      <p:grpSpPr>
+        <a:xfrm>
+          <a:off x="0" y="0"/>
+          <a:ext cx="0" cy="0"/>
+          <a:chOff x="0" y="0"/>
+          <a:chExt cx="0" cy="0"/>
+        </a:xfrm>
+      </p:grpSpPr>
+      <p:sp>
+        <p:nvSpPr>
+          <p:cNvPr id="2" name="TextBox 1"/>
+          <p:cNvSpPr txBox="1"/>
+          <p:nvPr/>
+        </p:nvSpPr>
+        <p:spPr>
+          <a:xfrm>
+            <a:off x="304800" y="457200"/>
+            <a:ext cx="800219" cy="5867400"/>
+          </a:xfrm>
+          <a:prstGeom prst="rect">
+            <a:avLst/>
+          </a:prstGeom>
+          <a:solidFill>
+            <a:schemeClr val="bg1">
+              <a:lumMod val="65000"/>
+            </a:schemeClr>
+          </a:solidFill>
+        </p:spPr>
+        <p:txBody>
+          <a:bodyPr vert="vert270" wrap="square" rtlCol="0">
+            <a:spAutoFit/>
+          </a:bodyPr>
+          <a:lstStyle/>
+          <a:p>
+            <a:pPr algn="ctr"/>
+            <a:r>
+              <a:rPr lang="en-US" sz="4000" dirty="0"/>
+              <a:t>MOVIE (</a:t>
+            </a:r>
+            <a:r>
+              <a:rPr lang="en-US" sz="4000" dirty="0" err="1"/>
+              <a:t>php</a:t>
+            </a:r>
+            <a:r>
+              <a:rPr lang="en-US" sz="4000" dirty="0"/>
+              <a:t>)</a:t>
+            </a:r>
+          </a:p>
+        </p:txBody>
+      </p:sp>
+      <p:sp>
+        <p:nvSpPr>
+          <p:cNvPr id="7" name="Slide Number Placeholder 6"/>
+          <p:cNvSpPr>
+            <a:spLocks noGrp="1"/>
+          </p:cNvSpPr>
+          <p:nvPr>
+            <p:ph type="sldNum" sz="quarter" idx="12"/>
+          </p:nvPr>
+        </p:nvSpPr>
+        <p:spPr/>
+        <p:txBody>
+          <a:bodyPr/>
+          <a:lstStyle/>
+          <a:p>
+            <a:fld id="{F5D2F33F-CF48-4A62-BD46-4F8E8BF64B22}" type="slidenum">
+              <a:rPr lang="en-US" smtClean="0"/>
+              <a:t>27</a:t>
+            </a:fld>
+            <a:endParaRPr lang="en-US" dirty="0"/>
+          </a:p>
+        </p:txBody>
+      </p:sp>
+      <p:pic>
+        <p:nvPicPr>
+          <p:cNvPr id="5" name="Picture 4">
+            <a:extLst>
+              <a:ext uri="{FF2B5EF4-FFF2-40B4-BE49-F238E27FC236}">
+                <a16:creationId xmlns:a16="http://schemas.microsoft.com/office/drawing/2014/main" id="{E959C34B-D34A-B129-8DF8-798D05E190D9}"/>
+              </a:ext>
+            </a:extLst>
+          </p:cNvPr>
+          <p:cNvPicPr>
+            <a:picLocks noChangeAspect="1"/>
+          </p:cNvPicPr>
+          <p:nvPr/>
+        </p:nvPicPr>
+        <p:blipFill rotWithShape="1">
+          <a:blip r:embed="rId2"/>
+          <a:srcRect r="13393"/>
+          <a:stretch/>
+        </p:blipFill>
+        <p:spPr>
+          <a:xfrm>
+            <a:off x="1322294" y="451556"/>
+            <a:ext cx="7593106" cy="5867400"/>
+          </a:xfrm>
+          <a:prstGeom prst="rect">
+            <a:avLst/>
+          </a:prstGeom>
+        </p:spPr>
+      </p:pic>
+    </p:spTree>
+    <p:extLst>
+      <p:ext uri="{BB962C8B-B14F-4D97-AF65-F5344CB8AC3E}">
+        <p14:creationId xmlns:p14="http://schemas.microsoft.com/office/powerpoint/2010/main" val="1446856528"/>
+      </p:ext>
+    </p:extLst>
+  </p:cSld>
+  <p:clrMapOvr>
+    <a:masterClrMapping/>
+  </p:clrMapOvr>
+</p:sld>
+</file>
+
+<file path=ppt/slides/slide28.xml><?xml version="1.0" encoding="utf-8"?>
+<p:sld xmlns:a="http://schemas.openxmlformats.org/drawingml/2006/main" xmlns:r="http://schemas.openxmlformats.org/officeDocument/2006/relationships" xmlns:p="http://schemas.openxmlformats.org/presentationml/2006/main">
+  <p:cSld>
+    <p:spTree>
+      <p:nvGrpSpPr>
+        <p:cNvPr id="1" name=""/>
+        <p:cNvGrpSpPr/>
+        <p:nvPr/>
+      </p:nvGrpSpPr>
+      <p:grpSpPr>
+        <a:xfrm>
+          <a:off x="0" y="0"/>
+          <a:ext cx="0" cy="0"/>
+          <a:chOff x="0" y="0"/>
+          <a:chExt cx="0" cy="0"/>
+        </a:xfrm>
+      </p:grpSpPr>
+      <p:sp>
+        <p:nvSpPr>
+          <p:cNvPr id="2" name="TextBox 1"/>
+          <p:cNvSpPr txBox="1"/>
+          <p:nvPr/>
+        </p:nvSpPr>
+        <p:spPr>
+          <a:xfrm>
+            <a:off x="304800" y="457200"/>
+            <a:ext cx="800219" cy="5867400"/>
+          </a:xfrm>
+          <a:prstGeom prst="rect">
+            <a:avLst/>
+          </a:prstGeom>
+          <a:solidFill>
+            <a:schemeClr val="bg1">
+              <a:lumMod val="65000"/>
+            </a:schemeClr>
+          </a:solidFill>
+        </p:spPr>
+        <p:txBody>
+          <a:bodyPr vert="vert270" wrap="square" rtlCol="0">
+            <a:spAutoFit/>
+          </a:bodyPr>
+          <a:lstStyle/>
+          <a:p>
+            <a:pPr algn="ctr"/>
+            <a:r>
+              <a:rPr lang="en-US" sz="4000" dirty="0"/>
+              <a:t>MOVIE (html)</a:t>
+            </a:r>
+          </a:p>
+        </p:txBody>
+      </p:sp>
+      <p:sp>
+        <p:nvSpPr>
+          <p:cNvPr id="7" name="Slide Number Placeholder 6"/>
+          <p:cNvSpPr>
+            <a:spLocks noGrp="1"/>
+          </p:cNvSpPr>
+          <p:nvPr>
+            <p:ph type="sldNum" sz="quarter" idx="12"/>
+          </p:nvPr>
+        </p:nvSpPr>
+        <p:spPr/>
+        <p:txBody>
+          <a:bodyPr/>
+          <a:lstStyle/>
+          <a:p>
+            <a:fld id="{F5D2F33F-CF48-4A62-BD46-4F8E8BF64B22}" type="slidenum">
+              <a:rPr lang="en-US" smtClean="0"/>
+              <a:t>28</a:t>
+            </a:fld>
+            <a:endParaRPr lang="en-US" dirty="0"/>
+          </a:p>
+        </p:txBody>
+      </p:sp>
+      <p:pic>
+        <p:nvPicPr>
+          <p:cNvPr id="4" name="Picture 3">
+            <a:extLst>
+              <a:ext uri="{FF2B5EF4-FFF2-40B4-BE49-F238E27FC236}">
+                <a16:creationId xmlns:a16="http://schemas.microsoft.com/office/drawing/2014/main" id="{8C45D245-E920-FEFF-81EA-B9E1AC8628A1}"/>
+              </a:ext>
+            </a:extLst>
+          </p:cNvPr>
+          <p:cNvPicPr>
+            <a:picLocks noChangeAspect="1"/>
+          </p:cNvPicPr>
+          <p:nvPr/>
+        </p:nvPicPr>
+        <p:blipFill>
+          <a:blip r:embed="rId2"/>
+          <a:stretch>
+            <a:fillRect/>
+          </a:stretch>
+        </p:blipFill>
+        <p:spPr>
+          <a:xfrm>
+            <a:off x="2133600" y="485215"/>
+            <a:ext cx="5934075" cy="5887570"/>
+          </a:xfrm>
+          <a:prstGeom prst="rect">
+            <a:avLst/>
+          </a:prstGeom>
+        </p:spPr>
+      </p:pic>
+    </p:spTree>
+    <p:extLst>
+      <p:ext uri="{BB962C8B-B14F-4D97-AF65-F5344CB8AC3E}">
+        <p14:creationId xmlns:p14="http://schemas.microsoft.com/office/powerpoint/2010/main" val="2246574967"/>
+      </p:ext>
+    </p:extLst>
+  </p:cSld>
+  <p:clrMapOvr>
+    <a:masterClrMapping/>
+  </p:clrMapOvr>
+</p:sld>
+</file>
+
+<file path=ppt/slides/slide29.xml><?xml version="1.0" encoding="utf-8"?>
+<p:sld xmlns:a="http://schemas.openxmlformats.org/drawingml/2006/main" xmlns:r="http://schemas.openxmlformats.org/officeDocument/2006/relationships" xmlns:p="http://schemas.openxmlformats.org/presentationml/2006/main">
+  <p:cSld>
+    <p:spTree>
+      <p:nvGrpSpPr>
+        <p:cNvPr id="1" name=""/>
+        <p:cNvGrpSpPr/>
+        <p:nvPr/>
+      </p:nvGrpSpPr>
+      <p:grpSpPr>
+        <a:xfrm>
+          <a:off x="0" y="0"/>
+          <a:ext cx="0" cy="0"/>
+          <a:chOff x="0" y="0"/>
+          <a:chExt cx="0" cy="0"/>
+        </a:xfrm>
+      </p:grpSpPr>
+      <p:sp>
+        <p:nvSpPr>
+          <p:cNvPr id="2" name="TextBox 1"/>
+          <p:cNvSpPr txBox="1"/>
+          <p:nvPr/>
+        </p:nvSpPr>
+        <p:spPr>
+          <a:xfrm>
+            <a:off x="304800" y="457200"/>
+            <a:ext cx="800219" cy="5867400"/>
+          </a:xfrm>
+          <a:prstGeom prst="rect">
+            <a:avLst/>
+          </a:prstGeom>
+          <a:solidFill>
+            <a:schemeClr val="bg1">
+              <a:lumMod val="65000"/>
+            </a:schemeClr>
+          </a:solidFill>
+        </p:spPr>
+        <p:txBody>
+          <a:bodyPr vert="vert270" wrap="square" rtlCol="0">
+            <a:spAutoFit/>
+          </a:bodyPr>
+          <a:lstStyle/>
+          <a:p>
+            <a:pPr algn="ctr"/>
+            <a:r>
+              <a:rPr lang="en-US" sz="4000" dirty="0"/>
+              <a:t>HOME</a:t>
+            </a:r>
+          </a:p>
+        </p:txBody>
+      </p:sp>
+      <p:sp>
+        <p:nvSpPr>
+          <p:cNvPr id="7" name="Slide Number Placeholder 6"/>
+          <p:cNvSpPr>
+            <a:spLocks noGrp="1"/>
+          </p:cNvSpPr>
+          <p:nvPr>
+            <p:ph type="sldNum" sz="quarter" idx="12"/>
+          </p:nvPr>
+        </p:nvSpPr>
+        <p:spPr/>
+        <p:txBody>
+          <a:bodyPr/>
+          <a:lstStyle/>
+          <a:p>
+            <a:fld id="{F5D2F33F-CF48-4A62-BD46-4F8E8BF64B22}" type="slidenum">
+              <a:rPr lang="en-US" smtClean="0"/>
+              <a:t>29</a:t>
+            </a:fld>
+            <a:endParaRPr lang="en-US" dirty="0"/>
+          </a:p>
+        </p:txBody>
+      </p:sp>
+      <p:pic>
+        <p:nvPicPr>
+          <p:cNvPr id="5" name="Picture 4">
+            <a:extLst>
+              <a:ext uri="{FF2B5EF4-FFF2-40B4-BE49-F238E27FC236}">
+                <a16:creationId xmlns:a16="http://schemas.microsoft.com/office/drawing/2014/main" id="{E2AA7B59-B1C0-EAFD-E4A5-F872798CE06E}"/>
+              </a:ext>
+            </a:extLst>
+          </p:cNvPr>
+          <p:cNvPicPr>
+            <a:picLocks noChangeAspect="1"/>
+          </p:cNvPicPr>
+          <p:nvPr/>
+        </p:nvPicPr>
+        <p:blipFill>
+          <a:blip r:embed="rId2"/>
+          <a:stretch>
+            <a:fillRect/>
+          </a:stretch>
+        </p:blipFill>
+        <p:spPr>
+          <a:xfrm>
+            <a:off x="1600200" y="457200"/>
+            <a:ext cx="7169229" cy="5867400"/>
+          </a:xfrm>
+          <a:prstGeom prst="rect">
+            <a:avLst/>
+          </a:prstGeom>
+        </p:spPr>
+      </p:pic>
+    </p:spTree>
+    <p:extLst>
+      <p:ext uri="{BB962C8B-B14F-4D97-AF65-F5344CB8AC3E}">
+        <p14:creationId xmlns:p14="http://schemas.microsoft.com/office/powerpoint/2010/main" val="4226308475"/>
+      </p:ext>
+    </p:extLst>
+  </p:cSld>
+  <p:clrMapOvr>
+    <a:masterClrMapping/>
+  </p:clrMapOvr>
 </p:sld>
 </file>
 
@@ -6373,7 +7480,7 @@
         <p:spPr>
           <a:xfrm>
             <a:off x="914400" y="1371600"/>
-            <a:ext cx="6096000" cy="3570208"/>
+            <a:ext cx="6096000" cy="3877985"/>
           </a:xfrm>
           <a:prstGeom prst="rect">
             <a:avLst/>
@@ -6388,7 +7495,7 @@
           <a:p>
             <a:pPr algn="ctr"/>
             <a:r>
-              <a:rPr lang="en-US" sz="2800" dirty="0" smtClean="0">
+              <a:rPr lang="en-US" sz="2800" dirty="0">
                 <a:solidFill>
                   <a:schemeClr val="bg1">
                     <a:lumMod val="95000"/>
@@ -6409,7 +7516,7 @@
           </a:p>
           <a:p>
             <a:r>
-              <a:rPr lang="en-US" sz="2000" dirty="0" smtClean="0">
+              <a:rPr lang="en-US" sz="2000" dirty="0">
                 <a:solidFill>
                   <a:schemeClr val="bg1">
                     <a:lumMod val="95000"/>
@@ -6423,7 +7530,7 @@
           </a:p>
           <a:p>
             <a:r>
-              <a:rPr lang="en-US" sz="2000" dirty="0" smtClean="0">
+              <a:rPr lang="en-US" sz="2000" dirty="0">
                 <a:solidFill>
                   <a:schemeClr val="bg1">
                     <a:lumMod val="95000"/>
@@ -6437,7 +7544,7 @@
           </a:p>
           <a:p>
             <a:r>
-              <a:rPr lang="en-US" sz="2000" dirty="0" smtClean="0">
+              <a:rPr lang="en-US" sz="2000" dirty="0">
                 <a:solidFill>
                   <a:schemeClr val="bg1">
                     <a:lumMod val="95000"/>
@@ -6451,7 +7558,7 @@
           </a:p>
           <a:p>
             <a:r>
-              <a:rPr lang="en-US" sz="2000" dirty="0" smtClean="0">
+              <a:rPr lang="en-US" sz="2000" dirty="0">
                 <a:solidFill>
                   <a:schemeClr val="bg1">
                     <a:lumMod val="95000"/>
@@ -6465,7 +7572,7 @@
           </a:p>
           <a:p>
             <a:r>
-              <a:rPr lang="en-US" sz="2000" dirty="0" smtClean="0">
+              <a:rPr lang="en-US" sz="2000" dirty="0">
                 <a:solidFill>
                   <a:schemeClr val="bg1">
                     <a:lumMod val="95000"/>
@@ -6479,7 +7586,7 @@
           </a:p>
           <a:p>
             <a:r>
-              <a:rPr lang="en-US" sz="2000" dirty="0" smtClean="0">
+              <a:rPr lang="en-US" sz="2000" dirty="0">
                 <a:solidFill>
                   <a:schemeClr val="bg1">
                     <a:lumMod val="95000"/>
@@ -6502,19 +7609,7 @@
                 <a:latin typeface="Arial" pitchFamily="34" charset="0"/>
                 <a:cs typeface="Arial" pitchFamily="34" charset="0"/>
               </a:rPr>
-              <a:t>6</a:t>
-            </a:r>
-            <a:r>
-              <a:rPr lang="en-US" sz="2000" dirty="0" smtClean="0">
-                <a:solidFill>
-                  <a:schemeClr val="bg1">
-                    <a:lumMod val="95000"/>
-                  </a:schemeClr>
-                </a:solidFill>
-                <a:latin typeface="Arial" pitchFamily="34" charset="0"/>
-                <a:cs typeface="Arial" pitchFamily="34" charset="0"/>
-              </a:rPr>
-              <a:t>. ARCHITECTURE OF WEB   ……..………....10-15</a:t>
+              <a:t>6. ARCHITECTURE OF WEB   ……..………....10-17</a:t>
             </a:r>
           </a:p>
           <a:p>
@@ -6528,19 +7623,7 @@
                 <a:latin typeface="Arial" pitchFamily="34" charset="0"/>
                 <a:cs typeface="Arial" pitchFamily="34" charset="0"/>
               </a:rPr>
-              <a:t>7</a:t>
-            </a:r>
-            <a:r>
-              <a:rPr lang="en-US" sz="2000" dirty="0" smtClean="0">
-                <a:solidFill>
-                  <a:schemeClr val="bg1">
-                    <a:lumMod val="95000"/>
-                  </a:schemeClr>
-                </a:solidFill>
-                <a:latin typeface="Arial" pitchFamily="34" charset="0"/>
-                <a:cs typeface="Arial" pitchFamily="34" charset="0"/>
-              </a:rPr>
-              <a:t>. DATABASES   …………………………………….16</a:t>
+              <a:t>7. DATABASES   …………………………………….18</a:t>
             </a:r>
           </a:p>
           <a:p>
@@ -6554,10 +7637,12 @@
                 <a:latin typeface="Arial" pitchFamily="34" charset="0"/>
                 <a:cs typeface="Arial" pitchFamily="34" charset="0"/>
               </a:rPr>
-              <a:t>8</a:t>
-            </a:r>
-            <a:r>
-              <a:rPr lang="en-US" sz="2000" dirty="0" smtClean="0">
+              <a:t>8. ARCHITECTURE OF ADMIN PANEL  .….…19-21</a:t>
+            </a:r>
+          </a:p>
+          <a:p>
+            <a:r>
+              <a:rPr lang="en-US" sz="2000" dirty="0">
                 <a:solidFill>
                   <a:schemeClr val="bg1">
                     <a:lumMod val="95000"/>
@@ -6566,17 +7651,8 @@
                 <a:latin typeface="Arial" pitchFamily="34" charset="0"/>
                 <a:cs typeface="Arial" pitchFamily="34" charset="0"/>
               </a:rPr>
-              <a:t>. ARCHITECTURE OF ADMIN PANEL   ...………17</a:t>
-            </a:r>
-            <a:endParaRPr lang="en-US" sz="2000" dirty="0">
-              <a:solidFill>
-                <a:schemeClr val="bg1">
-                  <a:lumMod val="95000"/>
-                </a:schemeClr>
-              </a:solidFill>
-              <a:latin typeface="Arial" pitchFamily="34" charset="0"/>
-              <a:cs typeface="Arial" pitchFamily="34" charset="0"/>
-            </a:endParaRPr>
+              <a:t>9. SOURCE CODE  …………………………….22-32</a:t>
+            </a:r>
           </a:p>
         </p:txBody>
       </p:sp>
@@ -6613,13 +7689,590 @@
   <p:clrMapOvr>
     <a:masterClrMapping/>
   </p:clrMapOvr>
-  <p:timing>
-    <p:tnLst>
-      <p:par>
-        <p:cTn id="1" dur="indefinite" restart="never" nodeType="tmRoot"/>
-      </p:par>
-    </p:tnLst>
-  </p:timing>
+</p:sld>
+</file>
+
+<file path=ppt/slides/slide30.xml><?xml version="1.0" encoding="utf-8"?>
+<p:sld xmlns:a="http://schemas.openxmlformats.org/drawingml/2006/main" xmlns:r="http://schemas.openxmlformats.org/officeDocument/2006/relationships" xmlns:p="http://schemas.openxmlformats.org/presentationml/2006/main">
+  <p:cSld>
+    <p:spTree>
+      <p:nvGrpSpPr>
+        <p:cNvPr id="1" name=""/>
+        <p:cNvGrpSpPr/>
+        <p:nvPr/>
+      </p:nvGrpSpPr>
+      <p:grpSpPr>
+        <a:xfrm>
+          <a:off x="0" y="0"/>
+          <a:ext cx="0" cy="0"/>
+          <a:chOff x="0" y="0"/>
+          <a:chExt cx="0" cy="0"/>
+        </a:xfrm>
+      </p:grpSpPr>
+      <p:sp>
+        <p:nvSpPr>
+          <p:cNvPr id="2" name="TextBox 1"/>
+          <p:cNvSpPr txBox="1"/>
+          <p:nvPr/>
+        </p:nvSpPr>
+        <p:spPr>
+          <a:xfrm>
+            <a:off x="304800" y="457200"/>
+            <a:ext cx="800219" cy="5867400"/>
+          </a:xfrm>
+          <a:prstGeom prst="rect">
+            <a:avLst/>
+          </a:prstGeom>
+          <a:solidFill>
+            <a:schemeClr val="bg1">
+              <a:lumMod val="65000"/>
+            </a:schemeClr>
+          </a:solidFill>
+        </p:spPr>
+        <p:txBody>
+          <a:bodyPr vert="vert270" wrap="square" rtlCol="0">
+            <a:spAutoFit/>
+          </a:bodyPr>
+          <a:lstStyle/>
+          <a:p>
+            <a:pPr algn="ctr"/>
+            <a:r>
+              <a:rPr lang="en-US" sz="4000" dirty="0"/>
+              <a:t>MOVIE</a:t>
+            </a:r>
+          </a:p>
+        </p:txBody>
+      </p:sp>
+      <p:sp>
+        <p:nvSpPr>
+          <p:cNvPr id="7" name="Slide Number Placeholder 6"/>
+          <p:cNvSpPr>
+            <a:spLocks noGrp="1"/>
+          </p:cNvSpPr>
+          <p:nvPr>
+            <p:ph type="sldNum" sz="quarter" idx="12"/>
+          </p:nvPr>
+        </p:nvSpPr>
+        <p:spPr/>
+        <p:txBody>
+          <a:bodyPr/>
+          <a:lstStyle/>
+          <a:p>
+            <a:fld id="{F5D2F33F-CF48-4A62-BD46-4F8E8BF64B22}" type="slidenum">
+              <a:rPr lang="en-US" smtClean="0"/>
+              <a:t>30</a:t>
+            </a:fld>
+            <a:endParaRPr lang="en-US" dirty="0"/>
+          </a:p>
+        </p:txBody>
+      </p:sp>
+      <p:pic>
+        <p:nvPicPr>
+          <p:cNvPr id="4" name="Picture 3">
+            <a:extLst>
+              <a:ext uri="{FF2B5EF4-FFF2-40B4-BE49-F238E27FC236}">
+                <a16:creationId xmlns:a16="http://schemas.microsoft.com/office/drawing/2014/main" id="{E68ADF24-2223-73C2-4440-711D92062793}"/>
+              </a:ext>
+            </a:extLst>
+          </p:cNvPr>
+          <p:cNvPicPr>
+            <a:picLocks noChangeAspect="1"/>
+          </p:cNvPicPr>
+          <p:nvPr/>
+        </p:nvPicPr>
+        <p:blipFill>
+          <a:blip r:embed="rId2"/>
+          <a:stretch>
+            <a:fillRect/>
+          </a:stretch>
+        </p:blipFill>
+        <p:spPr>
+          <a:xfrm>
+            <a:off x="1455074" y="590550"/>
+            <a:ext cx="7483186" cy="5676900"/>
+          </a:xfrm>
+          <a:prstGeom prst="rect">
+            <a:avLst/>
+          </a:prstGeom>
+        </p:spPr>
+      </p:pic>
+    </p:spTree>
+    <p:extLst>
+      <p:ext uri="{BB962C8B-B14F-4D97-AF65-F5344CB8AC3E}">
+        <p14:creationId xmlns:p14="http://schemas.microsoft.com/office/powerpoint/2010/main" val="4261611739"/>
+      </p:ext>
+    </p:extLst>
+  </p:cSld>
+  <p:clrMapOvr>
+    <a:masterClrMapping/>
+  </p:clrMapOvr>
+</p:sld>
+</file>
+
+<file path=ppt/slides/slide31.xml><?xml version="1.0" encoding="utf-8"?>
+<p:sld xmlns:a="http://schemas.openxmlformats.org/drawingml/2006/main" xmlns:r="http://schemas.openxmlformats.org/officeDocument/2006/relationships" xmlns:p="http://schemas.openxmlformats.org/presentationml/2006/main">
+  <p:cSld>
+    <p:spTree>
+      <p:nvGrpSpPr>
+        <p:cNvPr id="1" name=""/>
+        <p:cNvGrpSpPr/>
+        <p:nvPr/>
+      </p:nvGrpSpPr>
+      <p:grpSpPr>
+        <a:xfrm>
+          <a:off x="0" y="0"/>
+          <a:ext cx="0" cy="0"/>
+          <a:chOff x="0" y="0"/>
+          <a:chExt cx="0" cy="0"/>
+        </a:xfrm>
+      </p:grpSpPr>
+      <p:sp>
+        <p:nvSpPr>
+          <p:cNvPr id="2" name="TextBox 1"/>
+          <p:cNvSpPr txBox="1"/>
+          <p:nvPr/>
+        </p:nvSpPr>
+        <p:spPr>
+          <a:xfrm>
+            <a:off x="304800" y="457200"/>
+            <a:ext cx="800219" cy="5867400"/>
+          </a:xfrm>
+          <a:prstGeom prst="rect">
+            <a:avLst/>
+          </a:prstGeom>
+          <a:solidFill>
+            <a:schemeClr val="bg1">
+              <a:lumMod val="65000"/>
+            </a:schemeClr>
+          </a:solidFill>
+        </p:spPr>
+        <p:txBody>
+          <a:bodyPr vert="vert270" wrap="square" rtlCol="0">
+            <a:spAutoFit/>
+          </a:bodyPr>
+          <a:lstStyle/>
+          <a:p>
+            <a:pPr algn="ctr"/>
+            <a:r>
+              <a:rPr lang="en-US" sz="4000" dirty="0"/>
+              <a:t>TICKET BOOKING</a:t>
+            </a:r>
+          </a:p>
+        </p:txBody>
+      </p:sp>
+      <p:sp>
+        <p:nvSpPr>
+          <p:cNvPr id="7" name="Slide Number Placeholder 6"/>
+          <p:cNvSpPr>
+            <a:spLocks noGrp="1"/>
+          </p:cNvSpPr>
+          <p:nvPr>
+            <p:ph type="sldNum" sz="quarter" idx="12"/>
+          </p:nvPr>
+        </p:nvSpPr>
+        <p:spPr/>
+        <p:txBody>
+          <a:bodyPr/>
+          <a:lstStyle/>
+          <a:p>
+            <a:fld id="{F5D2F33F-CF48-4A62-BD46-4F8E8BF64B22}" type="slidenum">
+              <a:rPr lang="en-US" smtClean="0"/>
+              <a:t>31</a:t>
+            </a:fld>
+            <a:endParaRPr lang="en-US" dirty="0"/>
+          </a:p>
+        </p:txBody>
+      </p:sp>
+      <p:pic>
+        <p:nvPicPr>
+          <p:cNvPr id="5" name="Picture 4">
+            <a:extLst>
+              <a:ext uri="{FF2B5EF4-FFF2-40B4-BE49-F238E27FC236}">
+                <a16:creationId xmlns:a16="http://schemas.microsoft.com/office/drawing/2014/main" id="{D180EA9A-4666-CE6C-1A82-E069642A2EB2}"/>
+              </a:ext>
+            </a:extLst>
+          </p:cNvPr>
+          <p:cNvPicPr>
+            <a:picLocks noChangeAspect="1"/>
+          </p:cNvPicPr>
+          <p:nvPr/>
+        </p:nvPicPr>
+        <p:blipFill>
+          <a:blip r:embed="rId2"/>
+          <a:stretch>
+            <a:fillRect/>
+          </a:stretch>
+        </p:blipFill>
+        <p:spPr>
+          <a:xfrm>
+            <a:off x="1524000" y="457199"/>
+            <a:ext cx="2986161" cy="2667001"/>
+          </a:xfrm>
+          <a:prstGeom prst="rect">
+            <a:avLst/>
+          </a:prstGeom>
+        </p:spPr>
+      </p:pic>
+      <p:pic>
+        <p:nvPicPr>
+          <p:cNvPr id="8" name="Picture 7">
+            <a:extLst>
+              <a:ext uri="{FF2B5EF4-FFF2-40B4-BE49-F238E27FC236}">
+                <a16:creationId xmlns:a16="http://schemas.microsoft.com/office/drawing/2014/main" id="{DBB0F3C7-9427-FD1E-B7BA-9FCFFCF18EC6}"/>
+              </a:ext>
+            </a:extLst>
+          </p:cNvPr>
+          <p:cNvPicPr>
+            <a:picLocks noChangeAspect="1"/>
+          </p:cNvPicPr>
+          <p:nvPr/>
+        </p:nvPicPr>
+        <p:blipFill>
+          <a:blip r:embed="rId3"/>
+          <a:stretch>
+            <a:fillRect/>
+          </a:stretch>
+        </p:blipFill>
+        <p:spPr>
+          <a:xfrm>
+            <a:off x="5116178" y="471311"/>
+            <a:ext cx="3355641" cy="2652889"/>
+          </a:xfrm>
+          <a:prstGeom prst="rect">
+            <a:avLst/>
+          </a:prstGeom>
+        </p:spPr>
+      </p:pic>
+      <p:pic>
+        <p:nvPicPr>
+          <p:cNvPr id="10" name="Picture 9">
+            <a:extLst>
+              <a:ext uri="{FF2B5EF4-FFF2-40B4-BE49-F238E27FC236}">
+                <a16:creationId xmlns:a16="http://schemas.microsoft.com/office/drawing/2014/main" id="{02E7713E-9C8A-FE5E-0CD6-BDB4DE48EC17}"/>
+              </a:ext>
+            </a:extLst>
+          </p:cNvPr>
+          <p:cNvPicPr>
+            <a:picLocks noChangeAspect="1"/>
+          </p:cNvPicPr>
+          <p:nvPr/>
+        </p:nvPicPr>
+        <p:blipFill>
+          <a:blip r:embed="rId4"/>
+          <a:stretch>
+            <a:fillRect/>
+          </a:stretch>
+        </p:blipFill>
+        <p:spPr>
+          <a:xfrm>
+            <a:off x="2057400" y="3388078"/>
+            <a:ext cx="5805886" cy="2909888"/>
+          </a:xfrm>
+          <a:prstGeom prst="rect">
+            <a:avLst/>
+          </a:prstGeom>
+        </p:spPr>
+      </p:pic>
+    </p:spTree>
+    <p:extLst>
+      <p:ext uri="{BB962C8B-B14F-4D97-AF65-F5344CB8AC3E}">
+        <p14:creationId xmlns:p14="http://schemas.microsoft.com/office/powerpoint/2010/main" val="460736657"/>
+      </p:ext>
+    </p:extLst>
+  </p:cSld>
+  <p:clrMapOvr>
+    <a:masterClrMapping/>
+  </p:clrMapOvr>
+</p:sld>
+</file>
+
+<file path=ppt/slides/slide32.xml><?xml version="1.0" encoding="utf-8"?>
+<p:sld xmlns:a="http://schemas.openxmlformats.org/drawingml/2006/main" xmlns:r="http://schemas.openxmlformats.org/officeDocument/2006/relationships" xmlns:p="http://schemas.openxmlformats.org/presentationml/2006/main">
+  <p:cSld>
+    <p:spTree>
+      <p:nvGrpSpPr>
+        <p:cNvPr id="1" name=""/>
+        <p:cNvGrpSpPr/>
+        <p:nvPr/>
+      </p:nvGrpSpPr>
+      <p:grpSpPr>
+        <a:xfrm>
+          <a:off x="0" y="0"/>
+          <a:ext cx="0" cy="0"/>
+          <a:chOff x="0" y="0"/>
+          <a:chExt cx="0" cy="0"/>
+        </a:xfrm>
+      </p:grpSpPr>
+      <p:sp>
+        <p:nvSpPr>
+          <p:cNvPr id="2" name="TextBox 1"/>
+          <p:cNvSpPr txBox="1"/>
+          <p:nvPr/>
+        </p:nvSpPr>
+        <p:spPr>
+          <a:xfrm>
+            <a:off x="304800" y="457200"/>
+            <a:ext cx="800219" cy="5867400"/>
+          </a:xfrm>
+          <a:prstGeom prst="rect">
+            <a:avLst/>
+          </a:prstGeom>
+          <a:solidFill>
+            <a:schemeClr val="bg1">
+              <a:lumMod val="65000"/>
+            </a:schemeClr>
+          </a:solidFill>
+        </p:spPr>
+        <p:txBody>
+          <a:bodyPr vert="vert270" wrap="square" rtlCol="0">
+            <a:spAutoFit/>
+          </a:bodyPr>
+          <a:lstStyle/>
+          <a:p>
+            <a:pPr algn="ctr"/>
+            <a:r>
+              <a:rPr lang="en-US" sz="4000" dirty="0"/>
+              <a:t>CONTACT</a:t>
+            </a:r>
+          </a:p>
+        </p:txBody>
+      </p:sp>
+      <p:sp>
+        <p:nvSpPr>
+          <p:cNvPr id="7" name="Slide Number Placeholder 6"/>
+          <p:cNvSpPr>
+            <a:spLocks noGrp="1"/>
+          </p:cNvSpPr>
+          <p:nvPr>
+            <p:ph type="sldNum" sz="quarter" idx="12"/>
+          </p:nvPr>
+        </p:nvSpPr>
+        <p:spPr/>
+        <p:txBody>
+          <a:bodyPr/>
+          <a:lstStyle/>
+          <a:p>
+            <a:fld id="{F5D2F33F-CF48-4A62-BD46-4F8E8BF64B22}" type="slidenum">
+              <a:rPr lang="en-US" smtClean="0"/>
+              <a:t>32</a:t>
+            </a:fld>
+            <a:endParaRPr lang="en-US" dirty="0"/>
+          </a:p>
+        </p:txBody>
+      </p:sp>
+      <p:pic>
+        <p:nvPicPr>
+          <p:cNvPr id="4" name="Picture 3">
+            <a:extLst>
+              <a:ext uri="{FF2B5EF4-FFF2-40B4-BE49-F238E27FC236}">
+                <a16:creationId xmlns:a16="http://schemas.microsoft.com/office/drawing/2014/main" id="{F16E0901-6B46-8668-EFCC-CA38BB1AD8EF}"/>
+              </a:ext>
+            </a:extLst>
+          </p:cNvPr>
+          <p:cNvPicPr>
+            <a:picLocks noChangeAspect="1"/>
+          </p:cNvPicPr>
+          <p:nvPr/>
+        </p:nvPicPr>
+        <p:blipFill>
+          <a:blip r:embed="rId2"/>
+          <a:stretch>
+            <a:fillRect/>
+          </a:stretch>
+        </p:blipFill>
+        <p:spPr>
+          <a:xfrm>
+            <a:off x="1434651" y="1205820"/>
+            <a:ext cx="7404549" cy="4446359"/>
+          </a:xfrm>
+          <a:prstGeom prst="rect">
+            <a:avLst/>
+          </a:prstGeom>
+        </p:spPr>
+      </p:pic>
+    </p:spTree>
+    <p:extLst>
+      <p:ext uri="{BB962C8B-B14F-4D97-AF65-F5344CB8AC3E}">
+        <p14:creationId xmlns:p14="http://schemas.microsoft.com/office/powerpoint/2010/main" val="2344157775"/>
+      </p:ext>
+    </p:extLst>
+  </p:cSld>
+  <p:clrMapOvr>
+    <a:masterClrMapping/>
+  </p:clrMapOvr>
+</p:sld>
+</file>
+
+<file path=ppt/slides/slide33.xml><?xml version="1.0" encoding="utf-8"?>
+<p:sld xmlns:a="http://schemas.openxmlformats.org/drawingml/2006/main" xmlns:r="http://schemas.openxmlformats.org/officeDocument/2006/relationships" xmlns:p="http://schemas.openxmlformats.org/presentationml/2006/main">
+  <p:cSld>
+    <p:spTree>
+      <p:nvGrpSpPr>
+        <p:cNvPr id="1" name=""/>
+        <p:cNvGrpSpPr/>
+        <p:nvPr/>
+      </p:nvGrpSpPr>
+      <p:grpSpPr>
+        <a:xfrm>
+          <a:off x="0" y="0"/>
+          <a:ext cx="0" cy="0"/>
+          <a:chOff x="0" y="0"/>
+          <a:chExt cx="0" cy="0"/>
+        </a:xfrm>
+      </p:grpSpPr>
+      <p:pic>
+        <p:nvPicPr>
+          <p:cNvPr id="1028" name="Picture 4" descr="Premium Vector | Cinema background with stars and glowing lamp"/>
+          <p:cNvPicPr>
+            <a:picLocks noChangeAspect="1" noChangeArrowheads="1"/>
+          </p:cNvPicPr>
+          <p:nvPr/>
+        </p:nvPicPr>
+        <p:blipFill>
+          <a:blip r:embed="rId2">
+            <a:extLst>
+              <a:ext uri="{28A0092B-C50C-407E-A947-70E740481C1C}">
+                <a14:useLocalDpi xmlns:a14="http://schemas.microsoft.com/office/drawing/2010/main" val="0"/>
+              </a:ext>
+            </a:extLst>
+          </a:blip>
+          <a:srcRect/>
+          <a:stretch>
+            <a:fillRect/>
+          </a:stretch>
+        </p:blipFill>
+        <p:spPr bwMode="auto">
+          <a:xfrm>
+            <a:off x="1" y="0"/>
+            <a:ext cx="9143999" cy="6858000"/>
+          </a:xfrm>
+          <a:prstGeom prst="rect">
+            <a:avLst/>
+          </a:prstGeom>
+          <a:noFill/>
+          <a:extLst>
+            <a:ext uri="{909E8E84-426E-40DD-AFC4-6F175D3DCCD1}">
+              <a14:hiddenFill xmlns:a14="http://schemas.microsoft.com/office/drawing/2010/main">
+                <a:solidFill>
+                  <a:srgbClr val="FFFFFF"/>
+                </a:solidFill>
+              </a14:hiddenFill>
+            </a:ext>
+          </a:extLst>
+        </p:spPr>
+      </p:pic>
+      <p:sp>
+        <p:nvSpPr>
+          <p:cNvPr id="3" name="TextBox 2"/>
+          <p:cNvSpPr txBox="1"/>
+          <p:nvPr/>
+        </p:nvSpPr>
+        <p:spPr>
+          <a:xfrm>
+            <a:off x="2290767" y="2514600"/>
+            <a:ext cx="4471240" cy="1938992"/>
+          </a:xfrm>
+          <a:prstGeom prst="rect">
+            <a:avLst/>
+          </a:prstGeom>
+          <a:noFill/>
+        </p:spPr>
+        <p:txBody>
+          <a:bodyPr wrap="square" rtlCol="0">
+            <a:spAutoFit/>
+            <a:scene3d>
+              <a:camera prst="orthographicFront"/>
+              <a:lightRig rig="flat" dir="tl">
+                <a:rot lat="0" lon="0" rev="6600000"/>
+              </a:lightRig>
+            </a:scene3d>
+            <a:sp3d extrusionH="25400" contourW="8890">
+              <a:bevelT w="38100" h="31750"/>
+              <a:contourClr>
+                <a:schemeClr val="accent2">
+                  <a:shade val="75000"/>
+                </a:schemeClr>
+              </a:contourClr>
+            </a:sp3d>
+          </a:bodyPr>
+          <a:lstStyle/>
+          <a:p>
+            <a:pPr algn="ctr"/>
+            <a:r>
+              <a:rPr lang="en-US" sz="6000" b="1" dirty="0">
+                <a:ln w="11430"/>
+                <a:gradFill>
+                  <a:gsLst>
+                    <a:gs pos="0">
+                      <a:schemeClr val="accent2">
+                        <a:tint val="70000"/>
+                        <a:satMod val="245000"/>
+                      </a:schemeClr>
+                    </a:gs>
+                    <a:gs pos="75000">
+                      <a:schemeClr val="accent2">
+                        <a:tint val="90000"/>
+                        <a:shade val="60000"/>
+                        <a:satMod val="240000"/>
+                      </a:schemeClr>
+                    </a:gs>
+                    <a:gs pos="100000">
+                      <a:schemeClr val="accent2">
+                        <a:tint val="100000"/>
+                        <a:shade val="50000"/>
+                        <a:satMod val="240000"/>
+                      </a:schemeClr>
+                    </a:gs>
+                  </a:gsLst>
+                  <a:lin ang="5400000"/>
+                </a:gradFill>
+                <a:effectLst>
+                  <a:outerShdw blurRad="50800" dist="39000" dir="5460000" algn="tl">
+                    <a:srgbClr val="000000">
+                      <a:alpha val="38000"/>
+                    </a:srgbClr>
+                  </a:outerShdw>
+                </a:effectLst>
+                <a:latin typeface="Arial Rounded MT Bold" pitchFamily="34" charset="0"/>
+              </a:rPr>
+              <a:t>THANK YOU</a:t>
+            </a:r>
+          </a:p>
+        </p:txBody>
+      </p:sp>
+      <p:sp>
+        <p:nvSpPr>
+          <p:cNvPr id="7" name="Slide Number Placeholder 6"/>
+          <p:cNvSpPr>
+            <a:spLocks noGrp="1"/>
+          </p:cNvSpPr>
+          <p:nvPr>
+            <p:ph type="sldNum" sz="quarter" idx="12"/>
+          </p:nvPr>
+        </p:nvSpPr>
+        <p:spPr/>
+        <p:txBody>
+          <a:bodyPr/>
+          <a:lstStyle/>
+          <a:p>
+            <a:fld id="{F5D2F33F-CF48-4A62-BD46-4F8E8BF64B22}" type="slidenum">
+              <a:rPr lang="en-US" smtClean="0"/>
+              <a:t>33</a:t>
+            </a:fld>
+            <a:endParaRPr lang="en-US" dirty="0"/>
+          </a:p>
+        </p:txBody>
+      </p:sp>
+    </p:spTree>
+    <p:extLst>
+      <p:ext uri="{BB962C8B-B14F-4D97-AF65-F5344CB8AC3E}">
+        <p14:creationId xmlns:p14="http://schemas.microsoft.com/office/powerpoint/2010/main" val="691113282"/>
+      </p:ext>
+    </p:extLst>
+  </p:cSld>
+  <p:clrMapOvr>
+    <a:masterClrMapping/>
+  </p:clrMapOvr>
 </p:sld>
 </file>
 
@@ -6657,10 +8310,9 @@
           <a:p>
             <a:pPr algn="ctr"/>
             <a:r>
-              <a:rPr lang="en-US" dirty="0" smtClean="0"/>
+              <a:rPr lang="en-US" dirty="0"/>
               <a:t>ACKNOWLEDGEMENT</a:t>
             </a:r>
-            <a:endParaRPr lang="en-US" dirty="0"/>
           </a:p>
         </p:txBody>
       </p:sp>
@@ -6687,12 +8339,12 @@
           <a:lstStyle/>
           <a:p>
             <a:pPr algn="ctr"/>
-            <a:endParaRPr lang="en-US" sz="2800" dirty="0" smtClean="0"/>
+            <a:endParaRPr lang="en-US" sz="2800" dirty="0"/>
           </a:p>
           <a:p>
             <a:pPr algn="ctr"/>
             <a:r>
-              <a:rPr lang="en-US" sz="2800" dirty="0" smtClean="0"/>
+              <a:rPr lang="en-US" sz="2800" dirty="0"/>
               <a:t>We would like to thank our teacher  Sir Noman</a:t>
             </a:r>
           </a:p>
@@ -6700,41 +8352,36 @@
             <a:pPr algn="ctr"/>
             <a:r>
               <a:rPr lang="en-US" sz="2800" dirty="0"/>
-              <a:t>f</a:t>
-            </a:r>
-            <a:r>
-              <a:rPr lang="en-US" sz="2800" dirty="0" smtClean="0"/>
-              <a:t>or giving us a huge opportunity to prove</a:t>
+              <a:t>for giving us a huge opportunity to prove</a:t>
             </a:r>
           </a:p>
           <a:p>
             <a:pPr algn="ctr"/>
             <a:r>
-              <a:rPr lang="en-US" sz="2800" dirty="0" smtClean="0"/>
+              <a:rPr lang="en-US" sz="2800" dirty="0"/>
               <a:t>ourself  on an amazing platform  to </a:t>
             </a:r>
           </a:p>
           <a:p>
             <a:pPr algn="ctr"/>
             <a:r>
-              <a:rPr lang="en-US" sz="2800" dirty="0" smtClean="0"/>
+              <a:rPr lang="en-US" sz="2800" dirty="0"/>
               <a:t>showcase our skills.</a:t>
             </a:r>
           </a:p>
           <a:p>
             <a:pPr algn="ctr"/>
             <a:r>
-              <a:rPr lang="en-US" sz="2800" dirty="0" smtClean="0"/>
+              <a:rPr lang="en-US" sz="2800" dirty="0"/>
               <a:t>Thank  you !</a:t>
             </a:r>
           </a:p>
           <a:p>
             <a:pPr algn="ctr"/>
             <a:r>
-              <a:rPr lang="en-US" sz="2800" dirty="0" smtClean="0"/>
+              <a:rPr lang="en-US" sz="2800" dirty="0"/>
               <a:t>Regards team members</a:t>
             </a:r>
-            <a:endParaRPr lang="en-US" sz="2800" dirty="0"/>
           </a:p>
         </p:txBody>
       </p:sp>
@@ -6771,13 +8418,6 @@
   <p:clrMapOvr>
     <a:masterClrMapping/>
   </p:clrMapOvr>
-  <p:timing>
-    <p:tnLst>
-      <p:par>
-        <p:cTn id="1" dur="indefinite" restart="never" nodeType="tmRoot"/>
-      </p:par>
-    </p:tnLst>
-  </p:timing>
 </p:sld>
 </file>
 
@@ -6815,10 +8455,9 @@
           <a:p>
             <a:pPr algn="ctr"/>
             <a:r>
-              <a:rPr lang="en-US" dirty="0" smtClean="0"/>
+              <a:rPr lang="en-US" dirty="0"/>
               <a:t>PROBLEM STATEMENT</a:t>
             </a:r>
-            <a:endParaRPr lang="en-US" dirty="0"/>
           </a:p>
         </p:txBody>
       </p:sp>
@@ -6872,7 +8511,7 @@
               <a:buNone/>
             </a:pPr>
             <a:r>
-              <a:rPr lang="en-US" sz="2000" dirty="0" smtClean="0"/>
+              <a:rPr lang="en-US" sz="2000" dirty="0"/>
               <a:t>Watching movies is one of the entertainment medium these days. People need to surf various website to watch trailers of the movies. They need to browse through different websites to get the movie review. Once they find a movie suited to their liking, they need </a:t>
             </a:r>
           </a:p>
@@ -6882,11 +8521,7 @@
             </a:pPr>
             <a:r>
               <a:rPr lang="en-US" sz="2000" dirty="0"/>
-              <a:t>t</a:t>
-            </a:r>
-            <a:r>
-              <a:rPr lang="en-US" sz="2000" dirty="0" smtClean="0"/>
-              <a:t>o go to theatres to book ticket. For this they need to stand in queues to buy tickets. To ease all these problems we have proposed a solution as</a:t>
+              <a:t>to go to theatres to book ticket. For this they need to stand in queues to buy tickets. To ease all these problems we have proposed a solution as</a:t>
             </a:r>
           </a:p>
           <a:p>
@@ -6894,7 +8529,7 @@
               <a:buNone/>
             </a:pPr>
             <a:r>
-              <a:rPr lang="en-US" sz="2000" dirty="0" smtClean="0"/>
+              <a:rPr lang="en-US" sz="2000" dirty="0"/>
               <a:t> “Online Movie Ticket booking”</a:t>
             </a:r>
           </a:p>
@@ -6908,7 +8543,7 @@
             <a:pPr marL="118872" indent="0">
               <a:buNone/>
             </a:pPr>
-            <a:endParaRPr lang="en-US" sz="1200" dirty="0" smtClean="0"/>
+            <a:endParaRPr lang="en-US" sz="1200" dirty="0"/>
           </a:p>
           <a:p>
             <a:pPr marL="118872" indent="0">
@@ -6954,13 +8589,6 @@
   <p:clrMapOvr>
     <a:masterClrMapping/>
   </p:clrMapOvr>
-  <p:timing>
-    <p:tnLst>
-      <p:par>
-        <p:cTn id="1" dur="indefinite" restart="never" nodeType="tmRoot"/>
-      </p:par>
-    </p:tnLst>
-  </p:timing>
 </p:sld>
 </file>
 
@@ -6998,10 +8626,9 @@
           <a:p>
             <a:pPr algn="ctr"/>
             <a:r>
-              <a:rPr lang="en-US" dirty="0" smtClean="0"/>
+              <a:rPr lang="en-US" dirty="0"/>
               <a:t>PROBLEM SOLUTION</a:t>
             </a:r>
-            <a:endParaRPr lang="en-US" dirty="0"/>
           </a:p>
         </p:txBody>
       </p:sp>
@@ -7027,16 +8654,8 @@
               <a:buChar char="Ø"/>
             </a:pPr>
             <a:r>
-              <a:rPr lang="en-US" sz="1800" dirty="0" smtClean="0"/>
-              <a:t>Online </a:t>
-            </a:r>
-            <a:r>
               <a:rPr lang="en-US" sz="1800" dirty="0"/>
-              <a:t>movie booking system is a web portal where you can book tickets in advance, know your movie show timing, watch movie trailer and read reviews for the same</a:t>
-            </a:r>
-            <a:r>
-              <a:rPr lang="en-US" sz="1800" dirty="0" smtClean="0"/>
-              <a:t>.</a:t>
+              <a:t>Online movie booking system is a web portal where you can book tickets in advance, know your movie show timing, watch movie trailer and read reviews for the same.</a:t>
             </a:r>
           </a:p>
           <a:p>
@@ -7075,16 +8694,8 @@
               <a:buChar char="Ø"/>
             </a:pPr>
             <a:r>
-              <a:rPr lang="en-US" sz="1800" dirty="0" smtClean="0"/>
-              <a:t>There </a:t>
-            </a:r>
-            <a:r>
               <a:rPr lang="en-US" sz="1800" dirty="0"/>
-              <a:t>is no need to go to the movie theaters and wait for your turn to book movie </a:t>
-            </a:r>
-            <a:r>
-              <a:rPr lang="en-US" sz="1800" dirty="0" smtClean="0"/>
-              <a:t>tickets.</a:t>
+              <a:t>There is no need to go to the movie theaters and wait for your turn to book movie tickets.</a:t>
             </a:r>
           </a:p>
           <a:p>
@@ -7114,11 +8725,7 @@
             </a:pPr>
             <a:r>
               <a:rPr lang="en-US" sz="1800" dirty="0"/>
-              <a:t>User can opt to Gold, Platinum or Box class to buy tickets. These are different seat categories inside the hall</a:t>
-            </a:r>
-            <a:r>
-              <a:rPr lang="en-US" sz="1800" dirty="0" smtClean="0"/>
-              <a:t>.</a:t>
+              <a:t>User can opt to Gold, Platinum or Box class to buy tickets. These are different seat categories inside the hall.</a:t>
             </a:r>
           </a:p>
           <a:p>
@@ -7132,13 +8739,13 @@
             <a:pPr marL="118872" indent="0">
               <a:buNone/>
             </a:pPr>
-            <a:endParaRPr lang="en-US" sz="1200" dirty="0" smtClean="0"/>
+            <a:endParaRPr lang="en-US" sz="1200" dirty="0"/>
           </a:p>
           <a:p>
             <a:pPr marL="118872" indent="0">
               <a:buNone/>
             </a:pPr>
-            <a:endParaRPr lang="en-US" sz="1200" dirty="0" smtClean="0"/>
+            <a:endParaRPr lang="en-US" sz="1200" dirty="0"/>
           </a:p>
           <a:p>
             <a:pPr marL="118872" indent="0">
@@ -7181,13 +8788,6 @@
   <p:clrMapOvr>
     <a:masterClrMapping/>
   </p:clrMapOvr>
-  <p:timing>
-    <p:tnLst>
-      <p:par>
-        <p:cTn id="1" dur="indefinite" restart="never" nodeType="tmRoot"/>
-      </p:par>
-    </p:tnLst>
-  </p:timing>
 </p:sld>
 </file>
 
@@ -7225,10 +8825,9 @@
           <a:p>
             <a:pPr algn="ctr"/>
             <a:r>
-              <a:rPr lang="en-US" dirty="0" smtClean="0"/>
+              <a:rPr lang="en-US" dirty="0"/>
               <a:t>REQUIREMENT</a:t>
             </a:r>
-            <a:endParaRPr lang="en-US" dirty="0"/>
           </a:p>
         </p:txBody>
       </p:sp>
@@ -7321,16 +8920,12 @@
             </a:pPr>
             <a:r>
               <a:rPr lang="en-US" dirty="0"/>
-              <a:t>He/ she can read movie details and reviews along with their ratings at our web portal</a:t>
-            </a:r>
-            <a:r>
-              <a:rPr lang="en-US" dirty="0" smtClean="0"/>
-              <a:t>.</a:t>
+              <a:t>He/ she can read movie details and reviews along with their ratings at our web portal.</a:t>
             </a:r>
           </a:p>
           <a:p>
             <a:pPr lvl="0"/>
-            <a:endParaRPr lang="en-US" dirty="0" smtClean="0"/>
+            <a:endParaRPr lang="en-US" dirty="0"/>
           </a:p>
           <a:p>
             <a:pPr marL="285750" indent="-285750">
@@ -7390,11 +8985,7 @@
             </a:pPr>
             <a:r>
               <a:rPr lang="en-US" dirty="0"/>
-              <a:t>Admin can also view the number of users that are registered to the web </a:t>
-            </a:r>
-            <a:r>
-              <a:rPr lang="en-US" dirty="0" smtClean="0"/>
-              <a:t>portal.</a:t>
+              <a:t>Admin can also view the number of users that are registered to the web portal.</a:t>
             </a:r>
           </a:p>
           <a:p>
@@ -7482,10 +9073,9 @@
           <a:p>
             <a:pPr algn="ctr"/>
             <a:r>
-              <a:rPr lang="en-US" dirty="0" smtClean="0"/>
+              <a:rPr lang="en-US" dirty="0"/>
               <a:t>ONLINE MOVIE BOOKING SYSTEM FEATURES </a:t>
             </a:r>
-            <a:endParaRPr lang="en-US" dirty="0"/>
           </a:p>
         </p:txBody>
       </p:sp>
@@ -7672,10 +9262,9 @@
           <a:p>
             <a:pPr algn="ctr"/>
             <a:r>
-              <a:rPr lang="en-US" dirty="0" smtClean="0"/>
+              <a:rPr lang="en-US" dirty="0"/>
               <a:t>DESIGN PHASE</a:t>
             </a:r>
-            <a:endParaRPr lang="en-US" dirty="0"/>
           </a:p>
         </p:txBody>
       </p:sp>
@@ -7702,7 +9291,7 @@
           <a:lstStyle/>
           <a:p>
             <a:r>
-              <a:rPr lang="en-US" sz="3200" dirty="0" smtClean="0"/>
+              <a:rPr lang="en-US" sz="3200" dirty="0"/>
               <a:t>Design phase involves the preparation of our website which includes the following pages.</a:t>
             </a:r>
           </a:p>
@@ -7715,7 +9304,7 @@
               <a:buChar char="§"/>
             </a:pPr>
             <a:r>
-              <a:rPr lang="en-US" sz="3200" dirty="0" smtClean="0"/>
+              <a:rPr lang="en-US" sz="3200" dirty="0"/>
               <a:t>Home</a:t>
             </a:r>
           </a:p>
@@ -7725,7 +9314,7 @@
               <a:buChar char="§"/>
             </a:pPr>
             <a:r>
-              <a:rPr lang="en-US" sz="3200" dirty="0" smtClean="0"/>
+              <a:rPr lang="en-US" sz="3200" dirty="0"/>
               <a:t>Ticket Booking</a:t>
             </a:r>
           </a:p>
@@ -7735,7 +9324,7 @@
               <a:buChar char="§"/>
             </a:pPr>
             <a:r>
-              <a:rPr lang="en-US" sz="3200" dirty="0" smtClean="0"/>
+              <a:rPr lang="en-US" sz="3200" dirty="0"/>
               <a:t>Contact</a:t>
             </a:r>
           </a:p>
@@ -7745,7 +9334,7 @@
               <a:buChar char="§"/>
             </a:pPr>
             <a:r>
-              <a:rPr lang="en-US" sz="3200" dirty="0" smtClean="0"/>
+              <a:rPr lang="en-US" sz="3200" dirty="0"/>
               <a:t>Sign Up 	</a:t>
             </a:r>
           </a:p>
@@ -7755,7 +9344,7 @@
               <a:buChar char="§"/>
             </a:pPr>
             <a:r>
-              <a:rPr lang="en-US" sz="3200" dirty="0" smtClean="0"/>
+              <a:rPr lang="en-US" sz="3200" dirty="0"/>
               <a:t>Login</a:t>
             </a:r>
           </a:p>
